--- a/figure/TDX Icon.pptx
+++ b/figure/TDX Icon.pptx
@@ -104,6 +104,11 @@
       </a:defRPr>
     </a:lvl9pPr>
   </p:defaultTextStyle>
+  <p:extLst>
+    <p:ext uri="{EFAFB233-063F-42B5-8137-9DF3F51BA10A}">
+      <p15:sldGuideLst xmlns:p15="http://schemas.microsoft.com/office/powerpoint/2012/main"/>
+    </p:ext>
+  </p:extLst>
 </p:presentation>
 </file>
 
@@ -3323,6 +3328,58 @@
       </p:grpSpPr>
       <p:sp>
         <p:nvSpPr>
+          <p:cNvPr id="15" name="矩形 14">
+            <a:extLst>
+              <a:ext uri="{FF2B5EF4-FFF2-40B4-BE49-F238E27FC236}">
+                <a16:creationId xmlns:a16="http://schemas.microsoft.com/office/drawing/2014/main" id="{D24116C1-9498-4B61-B321-7BC19E4BC496}"/>
+              </a:ext>
+            </a:extLst>
+          </p:cNvPr>
+          <p:cNvSpPr/>
+          <p:nvPr/>
+        </p:nvSpPr>
+        <p:spPr>
+          <a:xfrm>
+            <a:off x="1741250" y="509512"/>
+            <a:ext cx="4270443" cy="5031212"/>
+          </a:xfrm>
+          <a:prstGeom prst="rect">
+            <a:avLst/>
+          </a:prstGeom>
+          <a:solidFill>
+            <a:schemeClr val="bg1"/>
+          </a:solidFill>
+          <a:ln>
+            <a:noFill/>
+          </a:ln>
+        </p:spPr>
+        <p:style>
+          <a:lnRef idx="2">
+            <a:schemeClr val="accent1">
+              <a:shade val="50000"/>
+            </a:schemeClr>
+          </a:lnRef>
+          <a:fillRef idx="1">
+            <a:schemeClr val="accent1"/>
+          </a:fillRef>
+          <a:effectRef idx="0">
+            <a:schemeClr val="accent1"/>
+          </a:effectRef>
+          <a:fontRef idx="minor">
+            <a:schemeClr val="lt1"/>
+          </a:fontRef>
+        </p:style>
+        <p:txBody>
+          <a:bodyPr rtlCol="0" anchor="ctr"/>
+          <a:lstStyle/>
+          <a:p>
+            <a:pPr algn="ctr"/>
+            <a:endParaRPr lang="zh-TW" altLang="en-US"/>
+          </a:p>
+        </p:txBody>
+      </p:sp>
+      <p:sp>
+        <p:nvSpPr>
           <p:cNvPr id="4" name="六邊形 3">
             <a:extLst>
               <a:ext uri="{FF2B5EF4-FFF2-40B4-BE49-F238E27FC236}">
@@ -3414,6 +3471,24 @@
           <a:ln>
             <a:noFill/>
           </a:ln>
+          <a:effectLst>
+            <a:outerShdw blurRad="63500" dist="152400" dir="8100000" sx="102000" sy="102000" algn="tr" rotWithShape="0">
+              <a:prstClr val="black">
+                <a:alpha val="42000"/>
+              </a:prstClr>
+            </a:outerShdw>
+          </a:effectLst>
+          <a:scene3d>
+            <a:camera prst="orthographicFront">
+              <a:rot lat="0" lon="0" rev="0"/>
+            </a:camera>
+            <a:lightRig rig="balanced" dir="t">
+              <a:rot lat="0" lon="0" rev="8700000"/>
+            </a:lightRig>
+          </a:scene3d>
+          <a:sp3d>
+            <a:bevelT w="190500" h="38100"/>
+          </a:sp3d>
         </p:spPr>
         <p:style>
           <a:lnRef idx="2">
@@ -3788,8 +3863,8 @@
         </p:blipFill>
         <p:spPr>
           <a:xfrm>
-            <a:off x="3078920" y="1143759"/>
-            <a:ext cx="1580391" cy="1580391"/>
+            <a:off x="3017317" y="1076338"/>
+            <a:ext cx="1672150" cy="1672150"/>
           </a:xfrm>
           <a:prstGeom prst="rect">
             <a:avLst/>
@@ -3798,10 +3873,40 @@
       </p:pic>
       <p:pic>
         <p:nvPicPr>
-          <p:cNvPr id="28" name="圖片 27">
-            <a:extLst>
-              <a:ext uri="{FF2B5EF4-FFF2-40B4-BE49-F238E27FC236}">
-                <a16:creationId xmlns:a16="http://schemas.microsoft.com/office/drawing/2014/main" id="{98A5B655-EFBD-4F9B-BA2B-0A856F0E412F}"/>
+          <p:cNvPr id="30" name="圖片 29">
+            <a:extLst>
+              <a:ext uri="{FF2B5EF4-FFF2-40B4-BE49-F238E27FC236}">
+                <a16:creationId xmlns:a16="http://schemas.microsoft.com/office/drawing/2014/main" id="{EC76CBB6-D803-4883-8FE8-1944BC470499}"/>
+              </a:ext>
+            </a:extLst>
+          </p:cNvPr>
+          <p:cNvPicPr>
+            <a:picLocks noChangeAspect="1"/>
+          </p:cNvPicPr>
+          <p:nvPr/>
+        </p:nvPicPr>
+        <p:blipFill>
+          <a:blip r:embed="rId7"/>
+          <a:stretch>
+            <a:fillRect/>
+          </a:stretch>
+        </p:blipFill>
+        <p:spPr>
+          <a:xfrm>
+            <a:off x="3791210" y="1593585"/>
+            <a:ext cx="401531" cy="403479"/>
+          </a:xfrm>
+          <a:prstGeom prst="rect">
+            <a:avLst/>
+          </a:prstGeom>
+        </p:spPr>
+      </p:pic>
+      <p:pic>
+        <p:nvPicPr>
+          <p:cNvPr id="24" name="圖片 23">
+            <a:extLst>
+              <a:ext uri="{FF2B5EF4-FFF2-40B4-BE49-F238E27FC236}">
+                <a16:creationId xmlns:a16="http://schemas.microsoft.com/office/drawing/2014/main" id="{99F69377-64F5-401F-A688-0E234FA4A26D}"/>
               </a:ext>
             </a:extLst>
           </p:cNvPr>
@@ -3818,20 +3923,1801 @@
         </p:blipFill>
         <p:spPr>
           <a:xfrm>
-            <a:off x="3438525" y="1906453"/>
-            <a:ext cx="463355" cy="461682"/>
+            <a:off x="2870368" y="2356959"/>
+            <a:ext cx="2063024" cy="1516916"/>
           </a:xfrm>
           <a:prstGeom prst="rect">
             <a:avLst/>
           </a:prstGeom>
         </p:spPr>
       </p:pic>
+      <p:sp>
+        <p:nvSpPr>
+          <p:cNvPr id="33" name="矩形 32">
+            <a:extLst>
+              <a:ext uri="{FF2B5EF4-FFF2-40B4-BE49-F238E27FC236}">
+                <a16:creationId xmlns:a16="http://schemas.microsoft.com/office/drawing/2014/main" id="{AC166D09-79E9-4A3C-8ECD-741613BD7374}"/>
+              </a:ext>
+            </a:extLst>
+          </p:cNvPr>
+          <p:cNvSpPr/>
+          <p:nvPr/>
+        </p:nvSpPr>
+        <p:spPr>
+          <a:xfrm>
+            <a:off x="3445447" y="2321755"/>
+            <a:ext cx="53859" cy="253805"/>
+          </a:xfrm>
+          <a:prstGeom prst="rect">
+            <a:avLst/>
+          </a:prstGeom>
+          <a:solidFill>
+            <a:schemeClr val="bg1"/>
+          </a:solidFill>
+          <a:ln>
+            <a:noFill/>
+          </a:ln>
+        </p:spPr>
+        <p:style>
+          <a:lnRef idx="2">
+            <a:schemeClr val="accent1">
+              <a:shade val="50000"/>
+            </a:schemeClr>
+          </a:lnRef>
+          <a:fillRef idx="1">
+            <a:schemeClr val="accent1"/>
+          </a:fillRef>
+          <a:effectRef idx="0">
+            <a:schemeClr val="accent1"/>
+          </a:effectRef>
+          <a:fontRef idx="minor">
+            <a:schemeClr val="lt1"/>
+          </a:fontRef>
+        </p:style>
+        <p:txBody>
+          <a:bodyPr rtlCol="0" anchor="ctr"/>
+          <a:lstStyle/>
+          <a:p>
+            <a:pPr algn="ctr"/>
+            <a:endParaRPr lang="zh-TW" altLang="en-US"/>
+          </a:p>
+        </p:txBody>
+      </p:sp>
+      <p:sp>
+        <p:nvSpPr>
+          <p:cNvPr id="35" name="矩形 34">
+            <a:extLst>
+              <a:ext uri="{FF2B5EF4-FFF2-40B4-BE49-F238E27FC236}">
+                <a16:creationId xmlns:a16="http://schemas.microsoft.com/office/drawing/2014/main" id="{C67FC108-43C4-46D2-B5ED-1ED69532ED1C}"/>
+              </a:ext>
+            </a:extLst>
+          </p:cNvPr>
+          <p:cNvSpPr/>
+          <p:nvPr/>
+        </p:nvSpPr>
+        <p:spPr>
+          <a:xfrm rot="2566360">
+            <a:off x="3394127" y="2535237"/>
+            <a:ext cx="45719" cy="191488"/>
+          </a:xfrm>
+          <a:prstGeom prst="rect">
+            <a:avLst/>
+          </a:prstGeom>
+          <a:solidFill>
+            <a:schemeClr val="bg1"/>
+          </a:solidFill>
+          <a:ln>
+            <a:noFill/>
+          </a:ln>
+        </p:spPr>
+        <p:style>
+          <a:lnRef idx="2">
+            <a:schemeClr val="accent1">
+              <a:shade val="50000"/>
+            </a:schemeClr>
+          </a:lnRef>
+          <a:fillRef idx="1">
+            <a:schemeClr val="accent1"/>
+          </a:fillRef>
+          <a:effectRef idx="0">
+            <a:schemeClr val="accent1"/>
+          </a:effectRef>
+          <a:fontRef idx="minor">
+            <a:schemeClr val="lt1"/>
+          </a:fontRef>
+        </p:style>
+        <p:txBody>
+          <a:bodyPr rtlCol="0" anchor="ctr"/>
+          <a:lstStyle/>
+          <a:p>
+            <a:pPr algn="ctr"/>
+            <a:endParaRPr lang="zh-TW" altLang="en-US"/>
+          </a:p>
+        </p:txBody>
+      </p:sp>
+      <p:sp>
+        <p:nvSpPr>
+          <p:cNvPr id="36" name="矩形 35">
+            <a:extLst>
+              <a:ext uri="{FF2B5EF4-FFF2-40B4-BE49-F238E27FC236}">
+                <a16:creationId xmlns:a16="http://schemas.microsoft.com/office/drawing/2014/main" id="{2CE4268E-A6A8-4465-9652-97775B6C7CB6}"/>
+              </a:ext>
+            </a:extLst>
+          </p:cNvPr>
+          <p:cNvSpPr/>
+          <p:nvPr/>
+        </p:nvSpPr>
+        <p:spPr>
+          <a:xfrm>
+            <a:off x="3633659" y="2321755"/>
+            <a:ext cx="53859" cy="253805"/>
+          </a:xfrm>
+          <a:prstGeom prst="rect">
+            <a:avLst/>
+          </a:prstGeom>
+          <a:solidFill>
+            <a:schemeClr val="bg1"/>
+          </a:solidFill>
+          <a:ln>
+            <a:noFill/>
+          </a:ln>
+        </p:spPr>
+        <p:style>
+          <a:lnRef idx="2">
+            <a:schemeClr val="accent1">
+              <a:shade val="50000"/>
+            </a:schemeClr>
+          </a:lnRef>
+          <a:fillRef idx="1">
+            <a:schemeClr val="accent1"/>
+          </a:fillRef>
+          <a:effectRef idx="0">
+            <a:schemeClr val="accent1"/>
+          </a:effectRef>
+          <a:fontRef idx="minor">
+            <a:schemeClr val="lt1"/>
+          </a:fontRef>
+        </p:style>
+        <p:txBody>
+          <a:bodyPr rtlCol="0" anchor="ctr"/>
+          <a:lstStyle/>
+          <a:p>
+            <a:pPr algn="ctr"/>
+            <a:endParaRPr lang="zh-TW" altLang="en-US"/>
+          </a:p>
+        </p:txBody>
+      </p:sp>
+      <p:sp>
+        <p:nvSpPr>
+          <p:cNvPr id="37" name="矩形 36">
+            <a:extLst>
+              <a:ext uri="{FF2B5EF4-FFF2-40B4-BE49-F238E27FC236}">
+                <a16:creationId xmlns:a16="http://schemas.microsoft.com/office/drawing/2014/main" id="{44F8EA21-E972-4172-A9AD-9C320B2F2516}"/>
+              </a:ext>
+            </a:extLst>
+          </p:cNvPr>
+          <p:cNvSpPr/>
+          <p:nvPr/>
+        </p:nvSpPr>
+        <p:spPr>
+          <a:xfrm>
+            <a:off x="3847022" y="2321755"/>
+            <a:ext cx="50537" cy="402395"/>
+          </a:xfrm>
+          <a:prstGeom prst="rect">
+            <a:avLst/>
+          </a:prstGeom>
+          <a:solidFill>
+            <a:schemeClr val="bg1"/>
+          </a:solidFill>
+          <a:ln>
+            <a:noFill/>
+          </a:ln>
+        </p:spPr>
+        <p:style>
+          <a:lnRef idx="2">
+            <a:schemeClr val="accent1">
+              <a:shade val="50000"/>
+            </a:schemeClr>
+          </a:lnRef>
+          <a:fillRef idx="1">
+            <a:schemeClr val="accent1"/>
+          </a:fillRef>
+          <a:effectRef idx="0">
+            <a:schemeClr val="accent1"/>
+          </a:effectRef>
+          <a:fontRef idx="minor">
+            <a:schemeClr val="lt1"/>
+          </a:fontRef>
+        </p:style>
+        <p:txBody>
+          <a:bodyPr rtlCol="0" anchor="ctr"/>
+          <a:lstStyle/>
+          <a:p>
+            <a:pPr algn="ctr"/>
+            <a:endParaRPr lang="zh-TW" altLang="en-US"/>
+          </a:p>
+        </p:txBody>
+      </p:sp>
+      <p:sp>
+        <p:nvSpPr>
+          <p:cNvPr id="39" name="矩形 38">
+            <a:extLst>
+              <a:ext uri="{FF2B5EF4-FFF2-40B4-BE49-F238E27FC236}">
+                <a16:creationId xmlns:a16="http://schemas.microsoft.com/office/drawing/2014/main" id="{00B7424A-8743-4773-ACB3-7D23CF3D8AFF}"/>
+              </a:ext>
+            </a:extLst>
+          </p:cNvPr>
+          <p:cNvSpPr/>
+          <p:nvPr/>
+        </p:nvSpPr>
+        <p:spPr>
+          <a:xfrm>
+            <a:off x="4060385" y="2318385"/>
+            <a:ext cx="54574" cy="257175"/>
+          </a:xfrm>
+          <a:prstGeom prst="rect">
+            <a:avLst/>
+          </a:prstGeom>
+          <a:solidFill>
+            <a:schemeClr val="bg1"/>
+          </a:solidFill>
+          <a:ln>
+            <a:noFill/>
+          </a:ln>
+        </p:spPr>
+        <p:style>
+          <a:lnRef idx="2">
+            <a:schemeClr val="accent1">
+              <a:shade val="50000"/>
+            </a:schemeClr>
+          </a:lnRef>
+          <a:fillRef idx="1">
+            <a:schemeClr val="accent1"/>
+          </a:fillRef>
+          <a:effectRef idx="0">
+            <a:schemeClr val="accent1"/>
+          </a:effectRef>
+          <a:fontRef idx="minor">
+            <a:schemeClr val="lt1"/>
+          </a:fontRef>
+        </p:style>
+        <p:txBody>
+          <a:bodyPr rtlCol="0" anchor="ctr"/>
+          <a:lstStyle/>
+          <a:p>
+            <a:pPr algn="ctr"/>
+            <a:endParaRPr lang="zh-TW" altLang="en-US"/>
+          </a:p>
+        </p:txBody>
+      </p:sp>
+      <p:sp>
+        <p:nvSpPr>
+          <p:cNvPr id="41" name="矩形 40">
+            <a:extLst>
+              <a:ext uri="{FF2B5EF4-FFF2-40B4-BE49-F238E27FC236}">
+                <a16:creationId xmlns:a16="http://schemas.microsoft.com/office/drawing/2014/main" id="{0642159E-962C-4568-BB14-FB2F2017B595}"/>
+              </a:ext>
+            </a:extLst>
+          </p:cNvPr>
+          <p:cNvSpPr/>
+          <p:nvPr/>
+        </p:nvSpPr>
+        <p:spPr>
+          <a:xfrm>
+            <a:off x="4239832" y="2321755"/>
+            <a:ext cx="53859" cy="253805"/>
+          </a:xfrm>
+          <a:prstGeom prst="rect">
+            <a:avLst/>
+          </a:prstGeom>
+          <a:solidFill>
+            <a:schemeClr val="bg1"/>
+          </a:solidFill>
+          <a:ln>
+            <a:noFill/>
+          </a:ln>
+        </p:spPr>
+        <p:style>
+          <a:lnRef idx="2">
+            <a:schemeClr val="accent1">
+              <a:shade val="50000"/>
+            </a:schemeClr>
+          </a:lnRef>
+          <a:fillRef idx="1">
+            <a:schemeClr val="accent1"/>
+          </a:fillRef>
+          <a:effectRef idx="0">
+            <a:schemeClr val="accent1"/>
+          </a:effectRef>
+          <a:fontRef idx="minor">
+            <a:schemeClr val="lt1"/>
+          </a:fontRef>
+        </p:style>
+        <p:txBody>
+          <a:bodyPr rtlCol="0" anchor="ctr"/>
+          <a:lstStyle/>
+          <a:p>
+            <a:pPr algn="ctr"/>
+            <a:endParaRPr lang="zh-TW" altLang="en-US"/>
+          </a:p>
+        </p:txBody>
+      </p:sp>
+      <p:sp>
+        <p:nvSpPr>
+          <p:cNvPr id="42" name="矩形 41">
+            <a:extLst>
+              <a:ext uri="{FF2B5EF4-FFF2-40B4-BE49-F238E27FC236}">
+                <a16:creationId xmlns:a16="http://schemas.microsoft.com/office/drawing/2014/main" id="{9C87E255-379D-4D49-95AD-745E13015228}"/>
+              </a:ext>
+            </a:extLst>
+          </p:cNvPr>
+          <p:cNvSpPr/>
+          <p:nvPr/>
+        </p:nvSpPr>
+        <p:spPr>
+          <a:xfrm rot="19318531">
+            <a:off x="4293780" y="2538903"/>
+            <a:ext cx="45719" cy="191488"/>
+          </a:xfrm>
+          <a:prstGeom prst="rect">
+            <a:avLst/>
+          </a:prstGeom>
+          <a:solidFill>
+            <a:schemeClr val="bg1"/>
+          </a:solidFill>
+          <a:ln>
+            <a:noFill/>
+          </a:ln>
+        </p:spPr>
+        <p:style>
+          <a:lnRef idx="2">
+            <a:schemeClr val="accent1">
+              <a:shade val="50000"/>
+            </a:schemeClr>
+          </a:lnRef>
+          <a:fillRef idx="1">
+            <a:schemeClr val="accent1"/>
+          </a:fillRef>
+          <a:effectRef idx="0">
+            <a:schemeClr val="accent1"/>
+          </a:effectRef>
+          <a:fontRef idx="minor">
+            <a:schemeClr val="lt1"/>
+          </a:fontRef>
+        </p:style>
+        <p:txBody>
+          <a:bodyPr rtlCol="0" anchor="ctr"/>
+          <a:lstStyle/>
+          <a:p>
+            <a:pPr algn="ctr"/>
+            <a:endParaRPr lang="zh-TW" altLang="en-US"/>
+          </a:p>
+        </p:txBody>
+      </p:sp>
+      <p:sp>
+        <p:nvSpPr>
+          <p:cNvPr id="43" name="圓形: 空心 42">
+            <a:extLst>
+              <a:ext uri="{FF2B5EF4-FFF2-40B4-BE49-F238E27FC236}">
+                <a16:creationId xmlns:a16="http://schemas.microsoft.com/office/drawing/2014/main" id="{921BED69-6A22-499B-A811-0B14E6D80B1B}"/>
+              </a:ext>
+            </a:extLst>
+          </p:cNvPr>
+          <p:cNvSpPr/>
+          <p:nvPr/>
+        </p:nvSpPr>
+        <p:spPr>
+          <a:xfrm>
+            <a:off x="3582074" y="2567898"/>
+            <a:ext cx="148888" cy="148888"/>
+          </a:xfrm>
+          <a:prstGeom prst="donut">
+            <a:avLst>
+              <a:gd name="adj" fmla="val 27893"/>
+            </a:avLst>
+          </a:prstGeom>
+          <a:solidFill>
+            <a:schemeClr val="bg1"/>
+          </a:solidFill>
+          <a:ln>
+            <a:noFill/>
+          </a:ln>
+        </p:spPr>
+        <p:style>
+          <a:lnRef idx="2">
+            <a:schemeClr val="accent1">
+              <a:shade val="50000"/>
+            </a:schemeClr>
+          </a:lnRef>
+          <a:fillRef idx="1">
+            <a:schemeClr val="accent1"/>
+          </a:fillRef>
+          <a:effectRef idx="0">
+            <a:schemeClr val="accent1"/>
+          </a:effectRef>
+          <a:fontRef idx="minor">
+            <a:schemeClr val="lt1"/>
+          </a:fontRef>
+        </p:style>
+        <p:txBody>
+          <a:bodyPr rtlCol="0" anchor="ctr"/>
+          <a:lstStyle/>
+          <a:p>
+            <a:pPr algn="ctr"/>
+            <a:endParaRPr lang="zh-TW" altLang="en-US">
+              <a:solidFill>
+                <a:schemeClr val="tx1"/>
+              </a:solidFill>
+            </a:endParaRPr>
+          </a:p>
+        </p:txBody>
+      </p:sp>
+      <p:sp>
+        <p:nvSpPr>
+          <p:cNvPr id="45" name="圓形: 空心 44">
+            <a:extLst>
+              <a:ext uri="{FF2B5EF4-FFF2-40B4-BE49-F238E27FC236}">
+                <a16:creationId xmlns:a16="http://schemas.microsoft.com/office/drawing/2014/main" id="{5055840F-0314-4EF6-8444-A525476A1404}"/>
+              </a:ext>
+            </a:extLst>
+          </p:cNvPr>
+          <p:cNvSpPr/>
+          <p:nvPr/>
+        </p:nvSpPr>
+        <p:spPr>
+          <a:xfrm>
+            <a:off x="4008800" y="2567898"/>
+            <a:ext cx="148888" cy="148888"/>
+          </a:xfrm>
+          <a:prstGeom prst="donut">
+            <a:avLst>
+              <a:gd name="adj" fmla="val 27893"/>
+            </a:avLst>
+          </a:prstGeom>
+          <a:solidFill>
+            <a:schemeClr val="bg1"/>
+          </a:solidFill>
+          <a:ln>
+            <a:noFill/>
+          </a:ln>
+        </p:spPr>
+        <p:style>
+          <a:lnRef idx="2">
+            <a:schemeClr val="accent1">
+              <a:shade val="50000"/>
+            </a:schemeClr>
+          </a:lnRef>
+          <a:fillRef idx="1">
+            <a:schemeClr val="accent1"/>
+          </a:fillRef>
+          <a:effectRef idx="0">
+            <a:schemeClr val="accent1"/>
+          </a:effectRef>
+          <a:fontRef idx="minor">
+            <a:schemeClr val="lt1"/>
+          </a:fontRef>
+        </p:style>
+        <p:txBody>
+          <a:bodyPr rtlCol="0" anchor="ctr"/>
+          <a:lstStyle/>
+          <a:p>
+            <a:pPr algn="ctr"/>
+            <a:endParaRPr lang="zh-TW" altLang="en-US">
+              <a:solidFill>
+                <a:schemeClr val="tx1"/>
+              </a:solidFill>
+            </a:endParaRPr>
+          </a:p>
+        </p:txBody>
+      </p:sp>
+      <p:sp>
+        <p:nvSpPr>
+          <p:cNvPr id="48" name="矩形: 圓角 47">
+            <a:extLst>
+              <a:ext uri="{FF2B5EF4-FFF2-40B4-BE49-F238E27FC236}">
+                <a16:creationId xmlns:a16="http://schemas.microsoft.com/office/drawing/2014/main" id="{2E7EF4FB-CC61-4EEB-9AA1-2E7C9A7964BF}"/>
+              </a:ext>
+            </a:extLst>
+          </p:cNvPr>
+          <p:cNvSpPr/>
+          <p:nvPr/>
+        </p:nvSpPr>
+        <p:spPr>
+          <a:xfrm>
+            <a:off x="3136992" y="3911769"/>
+            <a:ext cx="274396" cy="228743"/>
+          </a:xfrm>
+          <a:prstGeom prst="roundRect">
+            <a:avLst/>
+          </a:prstGeom>
+          <a:solidFill>
+            <a:srgbClr val="001F5C"/>
+          </a:solidFill>
+          <a:ln>
+            <a:noFill/>
+          </a:ln>
+        </p:spPr>
+        <p:style>
+          <a:lnRef idx="2">
+            <a:schemeClr val="accent1">
+              <a:shade val="50000"/>
+            </a:schemeClr>
+          </a:lnRef>
+          <a:fillRef idx="1">
+            <a:schemeClr val="accent1"/>
+          </a:fillRef>
+          <a:effectRef idx="0">
+            <a:schemeClr val="accent1"/>
+          </a:effectRef>
+          <a:fontRef idx="minor">
+            <a:schemeClr val="lt1"/>
+          </a:fontRef>
+        </p:style>
+        <p:txBody>
+          <a:bodyPr rtlCol="0" anchor="ctr"/>
+          <a:lstStyle/>
+          <a:p>
+            <a:pPr algn="ctr"/>
+            <a:endParaRPr lang="zh-TW" altLang="en-US"/>
+          </a:p>
+        </p:txBody>
+      </p:sp>
+      <p:sp>
+        <p:nvSpPr>
+          <p:cNvPr id="66" name="矩形: 圓角 65">
+            <a:extLst>
+              <a:ext uri="{FF2B5EF4-FFF2-40B4-BE49-F238E27FC236}">
+                <a16:creationId xmlns:a16="http://schemas.microsoft.com/office/drawing/2014/main" id="{8F3BC039-86CB-47F9-93A6-90591CAF3E3C}"/>
+              </a:ext>
+            </a:extLst>
+          </p:cNvPr>
+          <p:cNvSpPr/>
+          <p:nvPr/>
+        </p:nvSpPr>
+        <p:spPr>
+          <a:xfrm>
+            <a:off x="3437788" y="3911769"/>
+            <a:ext cx="274396" cy="228743"/>
+          </a:xfrm>
+          <a:prstGeom prst="roundRect">
+            <a:avLst/>
+          </a:prstGeom>
+          <a:solidFill>
+            <a:srgbClr val="001F5C"/>
+          </a:solidFill>
+          <a:ln>
+            <a:noFill/>
+          </a:ln>
+        </p:spPr>
+        <p:style>
+          <a:lnRef idx="2">
+            <a:schemeClr val="accent1">
+              <a:shade val="50000"/>
+            </a:schemeClr>
+          </a:lnRef>
+          <a:fillRef idx="1">
+            <a:schemeClr val="accent1"/>
+          </a:fillRef>
+          <a:effectRef idx="0">
+            <a:schemeClr val="accent1"/>
+          </a:effectRef>
+          <a:fontRef idx="minor">
+            <a:schemeClr val="lt1"/>
+          </a:fontRef>
+        </p:style>
+        <p:txBody>
+          <a:bodyPr rtlCol="0" anchor="ctr"/>
+          <a:lstStyle/>
+          <a:p>
+            <a:pPr algn="ctr"/>
+            <a:endParaRPr lang="zh-TW" altLang="en-US"/>
+          </a:p>
+        </p:txBody>
+      </p:sp>
+      <p:sp>
+        <p:nvSpPr>
+          <p:cNvPr id="67" name="矩形: 圓角 66">
+            <a:extLst>
+              <a:ext uri="{FF2B5EF4-FFF2-40B4-BE49-F238E27FC236}">
+                <a16:creationId xmlns:a16="http://schemas.microsoft.com/office/drawing/2014/main" id="{E1435ECB-1F23-4329-B394-9F66CD20FC0F}"/>
+              </a:ext>
+            </a:extLst>
+          </p:cNvPr>
+          <p:cNvSpPr/>
+          <p:nvPr/>
+        </p:nvSpPr>
+        <p:spPr>
+          <a:xfrm>
+            <a:off x="3738876" y="3911769"/>
+            <a:ext cx="274396" cy="228743"/>
+          </a:xfrm>
+          <a:prstGeom prst="roundRect">
+            <a:avLst/>
+          </a:prstGeom>
+          <a:solidFill>
+            <a:srgbClr val="001F5C"/>
+          </a:solidFill>
+          <a:ln>
+            <a:noFill/>
+          </a:ln>
+        </p:spPr>
+        <p:style>
+          <a:lnRef idx="2">
+            <a:schemeClr val="accent1">
+              <a:shade val="50000"/>
+            </a:schemeClr>
+          </a:lnRef>
+          <a:fillRef idx="1">
+            <a:schemeClr val="accent1"/>
+          </a:fillRef>
+          <a:effectRef idx="0">
+            <a:schemeClr val="accent1"/>
+          </a:effectRef>
+          <a:fontRef idx="minor">
+            <a:schemeClr val="lt1"/>
+          </a:fontRef>
+        </p:style>
+        <p:txBody>
+          <a:bodyPr rtlCol="0" anchor="ctr"/>
+          <a:lstStyle/>
+          <a:p>
+            <a:pPr algn="ctr"/>
+            <a:endParaRPr lang="zh-TW" altLang="en-US"/>
+          </a:p>
+        </p:txBody>
+      </p:sp>
+      <p:sp>
+        <p:nvSpPr>
+          <p:cNvPr id="68" name="矩形: 圓角 67">
+            <a:extLst>
+              <a:ext uri="{FF2B5EF4-FFF2-40B4-BE49-F238E27FC236}">
+                <a16:creationId xmlns:a16="http://schemas.microsoft.com/office/drawing/2014/main" id="{7C82B171-AC4C-4423-B12E-758EF7B25817}"/>
+              </a:ext>
+            </a:extLst>
+          </p:cNvPr>
+          <p:cNvSpPr/>
+          <p:nvPr/>
+        </p:nvSpPr>
+        <p:spPr>
+          <a:xfrm>
+            <a:off x="4042672" y="3911769"/>
+            <a:ext cx="274396" cy="228743"/>
+          </a:xfrm>
+          <a:prstGeom prst="roundRect">
+            <a:avLst/>
+          </a:prstGeom>
+          <a:solidFill>
+            <a:srgbClr val="001F5C"/>
+          </a:solidFill>
+          <a:ln>
+            <a:noFill/>
+          </a:ln>
+        </p:spPr>
+        <p:style>
+          <a:lnRef idx="2">
+            <a:schemeClr val="accent1">
+              <a:shade val="50000"/>
+            </a:schemeClr>
+          </a:lnRef>
+          <a:fillRef idx="1">
+            <a:schemeClr val="accent1"/>
+          </a:fillRef>
+          <a:effectRef idx="0">
+            <a:schemeClr val="accent1"/>
+          </a:effectRef>
+          <a:fontRef idx="minor">
+            <a:schemeClr val="lt1"/>
+          </a:fontRef>
+        </p:style>
+        <p:txBody>
+          <a:bodyPr rtlCol="0" anchor="ctr"/>
+          <a:lstStyle/>
+          <a:p>
+            <a:pPr algn="ctr"/>
+            <a:endParaRPr lang="zh-TW" altLang="en-US"/>
+          </a:p>
+        </p:txBody>
+      </p:sp>
+      <p:sp>
+        <p:nvSpPr>
+          <p:cNvPr id="69" name="矩形: 圓角 68">
+            <a:extLst>
+              <a:ext uri="{FF2B5EF4-FFF2-40B4-BE49-F238E27FC236}">
+                <a16:creationId xmlns:a16="http://schemas.microsoft.com/office/drawing/2014/main" id="{3EC56C86-ADEC-40CF-BBAB-65A5CB021CC9}"/>
+              </a:ext>
+            </a:extLst>
+          </p:cNvPr>
+          <p:cNvSpPr/>
+          <p:nvPr/>
+        </p:nvSpPr>
+        <p:spPr>
+          <a:xfrm>
+            <a:off x="4342961" y="3911769"/>
+            <a:ext cx="274396" cy="228743"/>
+          </a:xfrm>
+          <a:prstGeom prst="roundRect">
+            <a:avLst/>
+          </a:prstGeom>
+          <a:solidFill>
+            <a:srgbClr val="001F5C"/>
+          </a:solidFill>
+          <a:ln>
+            <a:noFill/>
+          </a:ln>
+        </p:spPr>
+        <p:style>
+          <a:lnRef idx="2">
+            <a:schemeClr val="accent1">
+              <a:shade val="50000"/>
+            </a:schemeClr>
+          </a:lnRef>
+          <a:fillRef idx="1">
+            <a:schemeClr val="accent1"/>
+          </a:fillRef>
+          <a:effectRef idx="0">
+            <a:schemeClr val="accent1"/>
+          </a:effectRef>
+          <a:fontRef idx="minor">
+            <a:schemeClr val="lt1"/>
+          </a:fontRef>
+        </p:style>
+        <p:txBody>
+          <a:bodyPr rtlCol="0" anchor="ctr"/>
+          <a:lstStyle/>
+          <a:p>
+            <a:pPr algn="ctr"/>
+            <a:endParaRPr lang="zh-TW" altLang="en-US"/>
+          </a:p>
+        </p:txBody>
+      </p:sp>
+      <p:sp>
+        <p:nvSpPr>
+          <p:cNvPr id="70" name="矩形: 圓角 69">
+            <a:extLst>
+              <a:ext uri="{FF2B5EF4-FFF2-40B4-BE49-F238E27FC236}">
+                <a16:creationId xmlns:a16="http://schemas.microsoft.com/office/drawing/2014/main" id="{9BDADC7C-0DD5-40E4-8BAD-4A913950DA04}"/>
+              </a:ext>
+            </a:extLst>
+          </p:cNvPr>
+          <p:cNvSpPr/>
+          <p:nvPr/>
+        </p:nvSpPr>
+        <p:spPr>
+          <a:xfrm>
+            <a:off x="3136992" y="4164149"/>
+            <a:ext cx="274396" cy="228743"/>
+          </a:xfrm>
+          <a:prstGeom prst="roundRect">
+            <a:avLst/>
+          </a:prstGeom>
+          <a:solidFill>
+            <a:schemeClr val="bg1">
+              <a:lumMod val="95000"/>
+            </a:schemeClr>
+          </a:solidFill>
+          <a:ln>
+            <a:noFill/>
+          </a:ln>
+        </p:spPr>
+        <p:style>
+          <a:lnRef idx="2">
+            <a:schemeClr val="accent1">
+              <a:shade val="50000"/>
+            </a:schemeClr>
+          </a:lnRef>
+          <a:fillRef idx="1">
+            <a:schemeClr val="accent1"/>
+          </a:fillRef>
+          <a:effectRef idx="0">
+            <a:schemeClr val="accent1"/>
+          </a:effectRef>
+          <a:fontRef idx="minor">
+            <a:schemeClr val="lt1"/>
+          </a:fontRef>
+        </p:style>
+        <p:txBody>
+          <a:bodyPr rtlCol="0" anchor="ctr"/>
+          <a:lstStyle/>
+          <a:p>
+            <a:pPr algn="ctr"/>
+            <a:endParaRPr lang="zh-TW" altLang="en-US"/>
+          </a:p>
+        </p:txBody>
+      </p:sp>
+      <p:sp>
+        <p:nvSpPr>
+          <p:cNvPr id="71" name="矩形: 圓角 70">
+            <a:extLst>
+              <a:ext uri="{FF2B5EF4-FFF2-40B4-BE49-F238E27FC236}">
+                <a16:creationId xmlns:a16="http://schemas.microsoft.com/office/drawing/2014/main" id="{020CE5BA-DC32-484F-B80B-3D5D9FD9A222}"/>
+              </a:ext>
+            </a:extLst>
+          </p:cNvPr>
+          <p:cNvSpPr/>
+          <p:nvPr/>
+        </p:nvSpPr>
+        <p:spPr>
+          <a:xfrm>
+            <a:off x="3437788" y="4164149"/>
+            <a:ext cx="274396" cy="228743"/>
+          </a:xfrm>
+          <a:prstGeom prst="roundRect">
+            <a:avLst/>
+          </a:prstGeom>
+          <a:solidFill>
+            <a:schemeClr val="bg1">
+              <a:lumMod val="95000"/>
+            </a:schemeClr>
+          </a:solidFill>
+          <a:ln>
+            <a:noFill/>
+          </a:ln>
+        </p:spPr>
+        <p:style>
+          <a:lnRef idx="2">
+            <a:schemeClr val="accent1">
+              <a:shade val="50000"/>
+            </a:schemeClr>
+          </a:lnRef>
+          <a:fillRef idx="1">
+            <a:schemeClr val="accent1"/>
+          </a:fillRef>
+          <a:effectRef idx="0">
+            <a:schemeClr val="accent1"/>
+          </a:effectRef>
+          <a:fontRef idx="minor">
+            <a:schemeClr val="lt1"/>
+          </a:fontRef>
+        </p:style>
+        <p:txBody>
+          <a:bodyPr rtlCol="0" anchor="ctr"/>
+          <a:lstStyle/>
+          <a:p>
+            <a:pPr algn="ctr"/>
+            <a:endParaRPr lang="zh-TW" altLang="en-US"/>
+          </a:p>
+        </p:txBody>
+      </p:sp>
+      <p:sp>
+        <p:nvSpPr>
+          <p:cNvPr id="72" name="矩形: 圓角 71">
+            <a:extLst>
+              <a:ext uri="{FF2B5EF4-FFF2-40B4-BE49-F238E27FC236}">
+                <a16:creationId xmlns:a16="http://schemas.microsoft.com/office/drawing/2014/main" id="{13C57213-C7C2-430F-AC7D-8DEA1A61808E}"/>
+              </a:ext>
+            </a:extLst>
+          </p:cNvPr>
+          <p:cNvSpPr/>
+          <p:nvPr/>
+        </p:nvSpPr>
+        <p:spPr>
+          <a:xfrm>
+            <a:off x="3738876" y="4164149"/>
+            <a:ext cx="274396" cy="228743"/>
+          </a:xfrm>
+          <a:prstGeom prst="roundRect">
+            <a:avLst/>
+          </a:prstGeom>
+          <a:solidFill>
+            <a:schemeClr val="bg1">
+              <a:lumMod val="95000"/>
+            </a:schemeClr>
+          </a:solidFill>
+          <a:ln>
+            <a:noFill/>
+          </a:ln>
+        </p:spPr>
+        <p:style>
+          <a:lnRef idx="2">
+            <a:schemeClr val="accent1">
+              <a:shade val="50000"/>
+            </a:schemeClr>
+          </a:lnRef>
+          <a:fillRef idx="1">
+            <a:schemeClr val="accent1"/>
+          </a:fillRef>
+          <a:effectRef idx="0">
+            <a:schemeClr val="accent1"/>
+          </a:effectRef>
+          <a:fontRef idx="minor">
+            <a:schemeClr val="lt1"/>
+          </a:fontRef>
+        </p:style>
+        <p:txBody>
+          <a:bodyPr rtlCol="0" anchor="ctr"/>
+          <a:lstStyle/>
+          <a:p>
+            <a:pPr algn="ctr"/>
+            <a:endParaRPr lang="zh-TW" altLang="en-US"/>
+          </a:p>
+        </p:txBody>
+      </p:sp>
+      <p:sp>
+        <p:nvSpPr>
+          <p:cNvPr id="73" name="矩形: 圓角 72">
+            <a:extLst>
+              <a:ext uri="{FF2B5EF4-FFF2-40B4-BE49-F238E27FC236}">
+                <a16:creationId xmlns:a16="http://schemas.microsoft.com/office/drawing/2014/main" id="{6AB7403E-8C9E-4FE7-86F6-6343EE19A8C7}"/>
+              </a:ext>
+            </a:extLst>
+          </p:cNvPr>
+          <p:cNvSpPr/>
+          <p:nvPr/>
+        </p:nvSpPr>
+        <p:spPr>
+          <a:xfrm>
+            <a:off x="4042672" y="4164149"/>
+            <a:ext cx="274396" cy="228743"/>
+          </a:xfrm>
+          <a:prstGeom prst="roundRect">
+            <a:avLst/>
+          </a:prstGeom>
+          <a:solidFill>
+            <a:schemeClr val="bg1">
+              <a:lumMod val="95000"/>
+            </a:schemeClr>
+          </a:solidFill>
+          <a:ln>
+            <a:noFill/>
+          </a:ln>
+        </p:spPr>
+        <p:style>
+          <a:lnRef idx="2">
+            <a:schemeClr val="accent1">
+              <a:shade val="50000"/>
+            </a:schemeClr>
+          </a:lnRef>
+          <a:fillRef idx="1">
+            <a:schemeClr val="accent1"/>
+          </a:fillRef>
+          <a:effectRef idx="0">
+            <a:schemeClr val="accent1"/>
+          </a:effectRef>
+          <a:fontRef idx="minor">
+            <a:schemeClr val="lt1"/>
+          </a:fontRef>
+        </p:style>
+        <p:txBody>
+          <a:bodyPr rtlCol="0" anchor="ctr"/>
+          <a:lstStyle/>
+          <a:p>
+            <a:pPr algn="ctr"/>
+            <a:endParaRPr lang="zh-TW" altLang="en-US"/>
+          </a:p>
+        </p:txBody>
+      </p:sp>
+      <p:sp>
+        <p:nvSpPr>
+          <p:cNvPr id="74" name="矩形: 圓角 73">
+            <a:extLst>
+              <a:ext uri="{FF2B5EF4-FFF2-40B4-BE49-F238E27FC236}">
+                <a16:creationId xmlns:a16="http://schemas.microsoft.com/office/drawing/2014/main" id="{6226BFC4-D090-4C1E-A904-6413B3E98450}"/>
+              </a:ext>
+            </a:extLst>
+          </p:cNvPr>
+          <p:cNvSpPr/>
+          <p:nvPr/>
+        </p:nvSpPr>
+        <p:spPr>
+          <a:xfrm>
+            <a:off x="4342961" y="4164149"/>
+            <a:ext cx="274396" cy="228743"/>
+          </a:xfrm>
+          <a:prstGeom prst="roundRect">
+            <a:avLst/>
+          </a:prstGeom>
+          <a:solidFill>
+            <a:schemeClr val="bg1">
+              <a:lumMod val="95000"/>
+            </a:schemeClr>
+          </a:solidFill>
+          <a:ln>
+            <a:noFill/>
+          </a:ln>
+        </p:spPr>
+        <p:style>
+          <a:lnRef idx="2">
+            <a:schemeClr val="accent1">
+              <a:shade val="50000"/>
+            </a:schemeClr>
+          </a:lnRef>
+          <a:fillRef idx="1">
+            <a:schemeClr val="accent1"/>
+          </a:fillRef>
+          <a:effectRef idx="0">
+            <a:schemeClr val="accent1"/>
+          </a:effectRef>
+          <a:fontRef idx="minor">
+            <a:schemeClr val="lt1"/>
+          </a:fontRef>
+        </p:style>
+        <p:txBody>
+          <a:bodyPr rtlCol="0" anchor="ctr"/>
+          <a:lstStyle/>
+          <a:p>
+            <a:pPr algn="ctr"/>
+            <a:endParaRPr lang="zh-TW" altLang="en-US"/>
+          </a:p>
+        </p:txBody>
+      </p:sp>
+      <p:sp>
+        <p:nvSpPr>
+          <p:cNvPr id="75" name="矩形: 圓角 74">
+            <a:extLst>
+              <a:ext uri="{FF2B5EF4-FFF2-40B4-BE49-F238E27FC236}">
+                <a16:creationId xmlns:a16="http://schemas.microsoft.com/office/drawing/2014/main" id="{EC8EF776-6BAE-4205-8BF2-08347F5EB61F}"/>
+              </a:ext>
+            </a:extLst>
+          </p:cNvPr>
+          <p:cNvSpPr/>
+          <p:nvPr/>
+        </p:nvSpPr>
+        <p:spPr>
+          <a:xfrm>
+            <a:off x="3136992" y="4416529"/>
+            <a:ext cx="274396" cy="228743"/>
+          </a:xfrm>
+          <a:prstGeom prst="roundRect">
+            <a:avLst/>
+          </a:prstGeom>
+          <a:solidFill>
+            <a:schemeClr val="bg1">
+              <a:lumMod val="95000"/>
+            </a:schemeClr>
+          </a:solidFill>
+          <a:ln>
+            <a:noFill/>
+          </a:ln>
+        </p:spPr>
+        <p:style>
+          <a:lnRef idx="2">
+            <a:schemeClr val="accent1">
+              <a:shade val="50000"/>
+            </a:schemeClr>
+          </a:lnRef>
+          <a:fillRef idx="1">
+            <a:schemeClr val="accent1"/>
+          </a:fillRef>
+          <a:effectRef idx="0">
+            <a:schemeClr val="accent1"/>
+          </a:effectRef>
+          <a:fontRef idx="minor">
+            <a:schemeClr val="lt1"/>
+          </a:fontRef>
+        </p:style>
+        <p:txBody>
+          <a:bodyPr rtlCol="0" anchor="ctr"/>
+          <a:lstStyle/>
+          <a:p>
+            <a:pPr algn="ctr"/>
+            <a:endParaRPr lang="zh-TW" altLang="en-US"/>
+          </a:p>
+        </p:txBody>
+      </p:sp>
+      <p:sp>
+        <p:nvSpPr>
+          <p:cNvPr id="76" name="矩形: 圓角 75">
+            <a:extLst>
+              <a:ext uri="{FF2B5EF4-FFF2-40B4-BE49-F238E27FC236}">
+                <a16:creationId xmlns:a16="http://schemas.microsoft.com/office/drawing/2014/main" id="{0FE972D3-1953-4117-A8F9-D626E7F50544}"/>
+              </a:ext>
+            </a:extLst>
+          </p:cNvPr>
+          <p:cNvSpPr/>
+          <p:nvPr/>
+        </p:nvSpPr>
+        <p:spPr>
+          <a:xfrm>
+            <a:off x="3437788" y="4416529"/>
+            <a:ext cx="274396" cy="228743"/>
+          </a:xfrm>
+          <a:prstGeom prst="roundRect">
+            <a:avLst/>
+          </a:prstGeom>
+          <a:solidFill>
+            <a:schemeClr val="bg1">
+              <a:lumMod val="95000"/>
+            </a:schemeClr>
+          </a:solidFill>
+          <a:ln>
+            <a:noFill/>
+          </a:ln>
+        </p:spPr>
+        <p:style>
+          <a:lnRef idx="2">
+            <a:schemeClr val="accent1">
+              <a:shade val="50000"/>
+            </a:schemeClr>
+          </a:lnRef>
+          <a:fillRef idx="1">
+            <a:schemeClr val="accent1"/>
+          </a:fillRef>
+          <a:effectRef idx="0">
+            <a:schemeClr val="accent1"/>
+          </a:effectRef>
+          <a:fontRef idx="minor">
+            <a:schemeClr val="lt1"/>
+          </a:fontRef>
+        </p:style>
+        <p:txBody>
+          <a:bodyPr rtlCol="0" anchor="ctr"/>
+          <a:lstStyle/>
+          <a:p>
+            <a:pPr algn="ctr"/>
+            <a:endParaRPr lang="zh-TW" altLang="en-US"/>
+          </a:p>
+        </p:txBody>
+      </p:sp>
+      <p:sp>
+        <p:nvSpPr>
+          <p:cNvPr id="77" name="矩形: 圓角 76">
+            <a:extLst>
+              <a:ext uri="{FF2B5EF4-FFF2-40B4-BE49-F238E27FC236}">
+                <a16:creationId xmlns:a16="http://schemas.microsoft.com/office/drawing/2014/main" id="{74DFB6C8-813A-48E1-82A6-9E56C51327C9}"/>
+              </a:ext>
+            </a:extLst>
+          </p:cNvPr>
+          <p:cNvSpPr/>
+          <p:nvPr/>
+        </p:nvSpPr>
+        <p:spPr>
+          <a:xfrm>
+            <a:off x="3738876" y="4416529"/>
+            <a:ext cx="274396" cy="228743"/>
+          </a:xfrm>
+          <a:prstGeom prst="roundRect">
+            <a:avLst/>
+          </a:prstGeom>
+          <a:solidFill>
+            <a:schemeClr val="bg1">
+              <a:lumMod val="95000"/>
+            </a:schemeClr>
+          </a:solidFill>
+          <a:ln>
+            <a:noFill/>
+          </a:ln>
+        </p:spPr>
+        <p:style>
+          <a:lnRef idx="2">
+            <a:schemeClr val="accent1">
+              <a:shade val="50000"/>
+            </a:schemeClr>
+          </a:lnRef>
+          <a:fillRef idx="1">
+            <a:schemeClr val="accent1"/>
+          </a:fillRef>
+          <a:effectRef idx="0">
+            <a:schemeClr val="accent1"/>
+          </a:effectRef>
+          <a:fontRef idx="minor">
+            <a:schemeClr val="lt1"/>
+          </a:fontRef>
+        </p:style>
+        <p:txBody>
+          <a:bodyPr rtlCol="0" anchor="ctr"/>
+          <a:lstStyle/>
+          <a:p>
+            <a:pPr algn="ctr"/>
+            <a:endParaRPr lang="zh-TW" altLang="en-US"/>
+          </a:p>
+        </p:txBody>
+      </p:sp>
+      <p:sp>
+        <p:nvSpPr>
+          <p:cNvPr id="78" name="矩形: 圓角 77">
+            <a:extLst>
+              <a:ext uri="{FF2B5EF4-FFF2-40B4-BE49-F238E27FC236}">
+                <a16:creationId xmlns:a16="http://schemas.microsoft.com/office/drawing/2014/main" id="{728A3F08-0322-4FA6-9541-F2E879D3C414}"/>
+              </a:ext>
+            </a:extLst>
+          </p:cNvPr>
+          <p:cNvSpPr/>
+          <p:nvPr/>
+        </p:nvSpPr>
+        <p:spPr>
+          <a:xfrm>
+            <a:off x="4042672" y="4416529"/>
+            <a:ext cx="274396" cy="228743"/>
+          </a:xfrm>
+          <a:prstGeom prst="roundRect">
+            <a:avLst/>
+          </a:prstGeom>
+          <a:solidFill>
+            <a:schemeClr val="bg1">
+              <a:lumMod val="95000"/>
+            </a:schemeClr>
+          </a:solidFill>
+          <a:ln>
+            <a:noFill/>
+          </a:ln>
+        </p:spPr>
+        <p:style>
+          <a:lnRef idx="2">
+            <a:schemeClr val="accent1">
+              <a:shade val="50000"/>
+            </a:schemeClr>
+          </a:lnRef>
+          <a:fillRef idx="1">
+            <a:schemeClr val="accent1"/>
+          </a:fillRef>
+          <a:effectRef idx="0">
+            <a:schemeClr val="accent1"/>
+          </a:effectRef>
+          <a:fontRef idx="minor">
+            <a:schemeClr val="lt1"/>
+          </a:fontRef>
+        </p:style>
+        <p:txBody>
+          <a:bodyPr rtlCol="0" anchor="ctr"/>
+          <a:lstStyle/>
+          <a:p>
+            <a:pPr algn="ctr"/>
+            <a:endParaRPr lang="zh-TW" altLang="en-US"/>
+          </a:p>
+        </p:txBody>
+      </p:sp>
+      <p:sp>
+        <p:nvSpPr>
+          <p:cNvPr id="79" name="矩形: 圓角 78">
+            <a:extLst>
+              <a:ext uri="{FF2B5EF4-FFF2-40B4-BE49-F238E27FC236}">
+                <a16:creationId xmlns:a16="http://schemas.microsoft.com/office/drawing/2014/main" id="{5BB2A5AE-85E8-499F-9259-A21965279C86}"/>
+              </a:ext>
+            </a:extLst>
+          </p:cNvPr>
+          <p:cNvSpPr/>
+          <p:nvPr/>
+        </p:nvSpPr>
+        <p:spPr>
+          <a:xfrm>
+            <a:off x="4342961" y="4416529"/>
+            <a:ext cx="274396" cy="228743"/>
+          </a:xfrm>
+          <a:prstGeom prst="roundRect">
+            <a:avLst/>
+          </a:prstGeom>
+          <a:solidFill>
+            <a:schemeClr val="bg1">
+              <a:lumMod val="95000"/>
+            </a:schemeClr>
+          </a:solidFill>
+          <a:ln>
+            <a:noFill/>
+          </a:ln>
+        </p:spPr>
+        <p:style>
+          <a:lnRef idx="2">
+            <a:schemeClr val="accent1">
+              <a:shade val="50000"/>
+            </a:schemeClr>
+          </a:lnRef>
+          <a:fillRef idx="1">
+            <a:schemeClr val="accent1"/>
+          </a:fillRef>
+          <a:effectRef idx="0">
+            <a:schemeClr val="accent1"/>
+          </a:effectRef>
+          <a:fontRef idx="minor">
+            <a:schemeClr val="lt1"/>
+          </a:fontRef>
+        </p:style>
+        <p:txBody>
+          <a:bodyPr rtlCol="0" anchor="ctr"/>
+          <a:lstStyle/>
+          <a:p>
+            <a:pPr algn="ctr"/>
+            <a:endParaRPr lang="zh-TW" altLang="en-US"/>
+          </a:p>
+        </p:txBody>
+      </p:sp>
+      <p:sp>
+        <p:nvSpPr>
+          <p:cNvPr id="80" name="矩形: 圓角 79">
+            <a:extLst>
+              <a:ext uri="{FF2B5EF4-FFF2-40B4-BE49-F238E27FC236}">
+                <a16:creationId xmlns:a16="http://schemas.microsoft.com/office/drawing/2014/main" id="{D571E4E1-3C8A-444A-BE6D-C86A546BBC3A}"/>
+              </a:ext>
+            </a:extLst>
+          </p:cNvPr>
+          <p:cNvSpPr/>
+          <p:nvPr/>
+        </p:nvSpPr>
+        <p:spPr>
+          <a:xfrm>
+            <a:off x="3136992" y="4668909"/>
+            <a:ext cx="274396" cy="228743"/>
+          </a:xfrm>
+          <a:prstGeom prst="roundRect">
+            <a:avLst/>
+          </a:prstGeom>
+          <a:solidFill>
+            <a:schemeClr val="bg1">
+              <a:lumMod val="95000"/>
+            </a:schemeClr>
+          </a:solidFill>
+          <a:ln>
+            <a:noFill/>
+          </a:ln>
+        </p:spPr>
+        <p:style>
+          <a:lnRef idx="2">
+            <a:schemeClr val="accent1">
+              <a:shade val="50000"/>
+            </a:schemeClr>
+          </a:lnRef>
+          <a:fillRef idx="1">
+            <a:schemeClr val="accent1"/>
+          </a:fillRef>
+          <a:effectRef idx="0">
+            <a:schemeClr val="accent1"/>
+          </a:effectRef>
+          <a:fontRef idx="minor">
+            <a:schemeClr val="lt1"/>
+          </a:fontRef>
+        </p:style>
+        <p:txBody>
+          <a:bodyPr rtlCol="0" anchor="ctr"/>
+          <a:lstStyle/>
+          <a:p>
+            <a:pPr algn="ctr"/>
+            <a:endParaRPr lang="zh-TW" altLang="en-US"/>
+          </a:p>
+        </p:txBody>
+      </p:sp>
+      <p:sp>
+        <p:nvSpPr>
+          <p:cNvPr id="81" name="矩形: 圓角 80">
+            <a:extLst>
+              <a:ext uri="{FF2B5EF4-FFF2-40B4-BE49-F238E27FC236}">
+                <a16:creationId xmlns:a16="http://schemas.microsoft.com/office/drawing/2014/main" id="{A3B877B7-76EF-405B-950D-75257B3ED0CC}"/>
+              </a:ext>
+            </a:extLst>
+          </p:cNvPr>
+          <p:cNvSpPr/>
+          <p:nvPr/>
+        </p:nvSpPr>
+        <p:spPr>
+          <a:xfrm>
+            <a:off x="3437788" y="4668909"/>
+            <a:ext cx="274396" cy="228743"/>
+          </a:xfrm>
+          <a:prstGeom prst="roundRect">
+            <a:avLst/>
+          </a:prstGeom>
+          <a:solidFill>
+            <a:schemeClr val="bg1">
+              <a:lumMod val="95000"/>
+            </a:schemeClr>
+          </a:solidFill>
+          <a:ln>
+            <a:noFill/>
+          </a:ln>
+        </p:spPr>
+        <p:style>
+          <a:lnRef idx="2">
+            <a:schemeClr val="accent1">
+              <a:shade val="50000"/>
+            </a:schemeClr>
+          </a:lnRef>
+          <a:fillRef idx="1">
+            <a:schemeClr val="accent1"/>
+          </a:fillRef>
+          <a:effectRef idx="0">
+            <a:schemeClr val="accent1"/>
+          </a:effectRef>
+          <a:fontRef idx="minor">
+            <a:schemeClr val="lt1"/>
+          </a:fontRef>
+        </p:style>
+        <p:txBody>
+          <a:bodyPr rtlCol="0" anchor="ctr"/>
+          <a:lstStyle/>
+          <a:p>
+            <a:pPr algn="ctr"/>
+            <a:endParaRPr lang="zh-TW" altLang="en-US"/>
+          </a:p>
+        </p:txBody>
+      </p:sp>
+      <p:sp>
+        <p:nvSpPr>
+          <p:cNvPr id="82" name="矩形: 圓角 81">
+            <a:extLst>
+              <a:ext uri="{FF2B5EF4-FFF2-40B4-BE49-F238E27FC236}">
+                <a16:creationId xmlns:a16="http://schemas.microsoft.com/office/drawing/2014/main" id="{F479E7C4-5C4B-4BD1-89B7-A68481D45DE9}"/>
+              </a:ext>
+            </a:extLst>
+          </p:cNvPr>
+          <p:cNvSpPr/>
+          <p:nvPr/>
+        </p:nvSpPr>
+        <p:spPr>
+          <a:xfrm>
+            <a:off x="3738876" y="4668909"/>
+            <a:ext cx="274396" cy="228743"/>
+          </a:xfrm>
+          <a:prstGeom prst="roundRect">
+            <a:avLst/>
+          </a:prstGeom>
+          <a:solidFill>
+            <a:schemeClr val="bg1">
+              <a:lumMod val="95000"/>
+            </a:schemeClr>
+          </a:solidFill>
+          <a:ln>
+            <a:noFill/>
+          </a:ln>
+        </p:spPr>
+        <p:style>
+          <a:lnRef idx="2">
+            <a:schemeClr val="accent1">
+              <a:shade val="50000"/>
+            </a:schemeClr>
+          </a:lnRef>
+          <a:fillRef idx="1">
+            <a:schemeClr val="accent1"/>
+          </a:fillRef>
+          <a:effectRef idx="0">
+            <a:schemeClr val="accent1"/>
+          </a:effectRef>
+          <a:fontRef idx="minor">
+            <a:schemeClr val="lt1"/>
+          </a:fontRef>
+        </p:style>
+        <p:txBody>
+          <a:bodyPr rtlCol="0" anchor="ctr"/>
+          <a:lstStyle/>
+          <a:p>
+            <a:pPr algn="ctr"/>
+            <a:endParaRPr lang="zh-TW" altLang="en-US"/>
+          </a:p>
+        </p:txBody>
+      </p:sp>
+      <p:sp>
+        <p:nvSpPr>
+          <p:cNvPr id="83" name="矩形: 圓角 82">
+            <a:extLst>
+              <a:ext uri="{FF2B5EF4-FFF2-40B4-BE49-F238E27FC236}">
+                <a16:creationId xmlns:a16="http://schemas.microsoft.com/office/drawing/2014/main" id="{B1490DC4-B3C6-4834-9BCA-0F86D47775D6}"/>
+              </a:ext>
+            </a:extLst>
+          </p:cNvPr>
+          <p:cNvSpPr/>
+          <p:nvPr/>
+        </p:nvSpPr>
+        <p:spPr>
+          <a:xfrm>
+            <a:off x="4042672" y="4668909"/>
+            <a:ext cx="274396" cy="228743"/>
+          </a:xfrm>
+          <a:prstGeom prst="roundRect">
+            <a:avLst/>
+          </a:prstGeom>
+          <a:solidFill>
+            <a:schemeClr val="bg1">
+              <a:lumMod val="95000"/>
+            </a:schemeClr>
+          </a:solidFill>
+          <a:ln>
+            <a:noFill/>
+          </a:ln>
+        </p:spPr>
+        <p:style>
+          <a:lnRef idx="2">
+            <a:schemeClr val="accent1">
+              <a:shade val="50000"/>
+            </a:schemeClr>
+          </a:lnRef>
+          <a:fillRef idx="1">
+            <a:schemeClr val="accent1"/>
+          </a:fillRef>
+          <a:effectRef idx="0">
+            <a:schemeClr val="accent1"/>
+          </a:effectRef>
+          <a:fontRef idx="minor">
+            <a:schemeClr val="lt1"/>
+          </a:fontRef>
+        </p:style>
+        <p:txBody>
+          <a:bodyPr rtlCol="0" anchor="ctr"/>
+          <a:lstStyle/>
+          <a:p>
+            <a:pPr algn="ctr"/>
+            <a:endParaRPr lang="zh-TW" altLang="en-US"/>
+          </a:p>
+        </p:txBody>
+      </p:sp>
+      <p:sp>
+        <p:nvSpPr>
+          <p:cNvPr id="84" name="矩形: 圓角 83">
+            <a:extLst>
+              <a:ext uri="{FF2B5EF4-FFF2-40B4-BE49-F238E27FC236}">
+                <a16:creationId xmlns:a16="http://schemas.microsoft.com/office/drawing/2014/main" id="{EE6114A0-D54E-4CA4-B4F4-C90F0ABF73C2}"/>
+              </a:ext>
+            </a:extLst>
+          </p:cNvPr>
+          <p:cNvSpPr/>
+          <p:nvPr/>
+        </p:nvSpPr>
+        <p:spPr>
+          <a:xfrm>
+            <a:off x="4342961" y="4668909"/>
+            <a:ext cx="274396" cy="228743"/>
+          </a:xfrm>
+          <a:prstGeom prst="roundRect">
+            <a:avLst/>
+          </a:prstGeom>
+          <a:solidFill>
+            <a:schemeClr val="bg1">
+              <a:lumMod val="95000"/>
+            </a:schemeClr>
+          </a:solidFill>
+          <a:ln>
+            <a:noFill/>
+          </a:ln>
+        </p:spPr>
+        <p:style>
+          <a:lnRef idx="2">
+            <a:schemeClr val="accent1">
+              <a:shade val="50000"/>
+            </a:schemeClr>
+          </a:lnRef>
+          <a:fillRef idx="1">
+            <a:schemeClr val="accent1"/>
+          </a:fillRef>
+          <a:effectRef idx="0">
+            <a:schemeClr val="accent1"/>
+          </a:effectRef>
+          <a:fontRef idx="minor">
+            <a:schemeClr val="lt1"/>
+          </a:fontRef>
+        </p:style>
+        <p:txBody>
+          <a:bodyPr rtlCol="0" anchor="ctr"/>
+          <a:lstStyle/>
+          <a:p>
+            <a:pPr algn="ctr"/>
+            <a:endParaRPr lang="zh-TW" altLang="en-US"/>
+          </a:p>
+        </p:txBody>
+      </p:sp>
+      <p:sp>
+        <p:nvSpPr>
+          <p:cNvPr id="85" name="文字方塊 84">
+            <a:extLst>
+              <a:ext uri="{FF2B5EF4-FFF2-40B4-BE49-F238E27FC236}">
+                <a16:creationId xmlns:a16="http://schemas.microsoft.com/office/drawing/2014/main" id="{BE702A85-1C7D-4A17-9B81-5BD1C9F92C76}"/>
+              </a:ext>
+            </a:extLst>
+          </p:cNvPr>
+          <p:cNvSpPr txBox="1"/>
+          <p:nvPr/>
+        </p:nvSpPr>
+        <p:spPr>
+          <a:xfrm>
+            <a:off x="2870368" y="2682578"/>
+            <a:ext cx="2143600" cy="1169551"/>
+          </a:xfrm>
+          <a:prstGeom prst="rect">
+            <a:avLst/>
+          </a:prstGeom>
+          <a:noFill/>
+        </p:spPr>
+        <p:txBody>
+          <a:bodyPr wrap="none" rtlCol="0">
+            <a:spAutoFit/>
+          </a:bodyPr>
+          <a:lstStyle/>
+          <a:p>
+            <a:r>
+              <a:rPr lang="en-US" altLang="zh-TW" sz="6800" b="1" dirty="0">
+                <a:solidFill>
+                  <a:schemeClr val="bg1"/>
+                </a:solidFill>
+                <a:latin typeface="Broadway" panose="04040905080B02020502" pitchFamily="82" charset="0"/>
+              </a:rPr>
+              <a:t>TDX</a:t>
+            </a:r>
+            <a:endParaRPr lang="zh-TW" altLang="en-US" sz="6800" b="1" dirty="0">
+              <a:solidFill>
+                <a:schemeClr val="bg1"/>
+              </a:solidFill>
+              <a:latin typeface="Broadway" panose="04040905080B02020502" pitchFamily="82" charset="0"/>
+            </a:endParaRPr>
+          </a:p>
+        </p:txBody>
+      </p:sp>
+      <p:sp>
+        <p:nvSpPr>
+          <p:cNvPr id="86" name="文字方塊 85">
+            <a:extLst>
+              <a:ext uri="{FF2B5EF4-FFF2-40B4-BE49-F238E27FC236}">
+                <a16:creationId xmlns:a16="http://schemas.microsoft.com/office/drawing/2014/main" id="{492B7F1D-B475-4280-93B7-56E9BFCA5C23}"/>
+              </a:ext>
+            </a:extLst>
+          </p:cNvPr>
+          <p:cNvSpPr txBox="1"/>
+          <p:nvPr/>
+        </p:nvSpPr>
+        <p:spPr>
+          <a:xfrm rot="19802020">
+            <a:off x="3687822" y="4977695"/>
+            <a:ext cx="1506916" cy="200055"/>
+          </a:xfrm>
+          <a:prstGeom prst="rect">
+            <a:avLst/>
+          </a:prstGeom>
+          <a:noFill/>
+        </p:spPr>
+        <p:txBody>
+          <a:bodyPr wrap="square" rtlCol="0">
+            <a:spAutoFit/>
+          </a:bodyPr>
+          <a:lstStyle/>
+          <a:p>
+            <a:r>
+              <a:rPr lang="en-US" altLang="zh-TW" sz="700" dirty="0">
+                <a:solidFill>
+                  <a:schemeClr val="bg1"/>
+                </a:solidFill>
+                <a:latin typeface="Calibri" panose="020F0502020204030204" pitchFamily="34" charset="0"/>
+                <a:cs typeface="Calibri" panose="020F0502020204030204" pitchFamily="34" charset="0"/>
+              </a:rPr>
+              <a:t>GitHub: </a:t>
+            </a:r>
+            <a:r>
+              <a:rPr lang="zh-TW" altLang="en-US" sz="700" dirty="0">
+                <a:solidFill>
+                  <a:schemeClr val="bg1"/>
+                </a:solidFill>
+                <a:latin typeface="Calibri" panose="020F0502020204030204" pitchFamily="34" charset="0"/>
+                <a:cs typeface="Calibri" panose="020F0502020204030204" pitchFamily="34" charset="0"/>
+              </a:rPr>
+              <a:t> </a:t>
+            </a:r>
+            <a:r>
+              <a:rPr lang="en-US" altLang="zh-TW" sz="700" dirty="0" err="1">
+                <a:solidFill>
+                  <a:schemeClr val="bg1"/>
+                </a:solidFill>
+                <a:latin typeface="Calibri" panose="020F0502020204030204" pitchFamily="34" charset="0"/>
+                <a:cs typeface="Calibri" panose="020F0502020204030204" pitchFamily="34" charset="0"/>
+              </a:rPr>
+              <a:t>ChiaJungYeh</a:t>
+            </a:r>
+            <a:r>
+              <a:rPr lang="en-US" altLang="zh-TW" sz="700" dirty="0">
+                <a:solidFill>
+                  <a:schemeClr val="bg1"/>
+                </a:solidFill>
+                <a:latin typeface="Calibri" panose="020F0502020204030204" pitchFamily="34" charset="0"/>
+                <a:cs typeface="Calibri" panose="020F0502020204030204" pitchFamily="34" charset="0"/>
+              </a:rPr>
+              <a:t>/NYCU_TDX</a:t>
+            </a:r>
+            <a:r>
+              <a:rPr lang="zh-TW" altLang="en-US" sz="700" dirty="0">
+                <a:solidFill>
+                  <a:schemeClr val="bg1"/>
+                </a:solidFill>
+                <a:latin typeface="Calibri" panose="020F0502020204030204" pitchFamily="34" charset="0"/>
+                <a:cs typeface="Calibri" panose="020F0502020204030204" pitchFamily="34" charset="0"/>
+              </a:rPr>
+              <a:t>                                                 </a:t>
+            </a:r>
+          </a:p>
+        </p:txBody>
+      </p:sp>
+      <p:sp>
+        <p:nvSpPr>
+          <p:cNvPr id="5" name="矩形 4">
+            <a:extLst>
+              <a:ext uri="{FF2B5EF4-FFF2-40B4-BE49-F238E27FC236}">
+                <a16:creationId xmlns:a16="http://schemas.microsoft.com/office/drawing/2014/main" id="{B9ABA9D3-918E-4E15-8265-D1748A28A9AF}"/>
+              </a:ext>
+            </a:extLst>
+          </p:cNvPr>
+          <p:cNvSpPr/>
+          <p:nvPr/>
+        </p:nvSpPr>
+        <p:spPr>
+          <a:xfrm>
+            <a:off x="3352800" y="2070221"/>
+            <a:ext cx="1064895" cy="248164"/>
+          </a:xfrm>
+          <a:prstGeom prst="rect">
+            <a:avLst/>
+          </a:prstGeom>
+          <a:solidFill>
+            <a:srgbClr val="7F7F7F"/>
+          </a:solidFill>
+          <a:ln>
+            <a:noFill/>
+          </a:ln>
+        </p:spPr>
+        <p:style>
+          <a:lnRef idx="2">
+            <a:schemeClr val="accent1">
+              <a:shade val="50000"/>
+            </a:schemeClr>
+          </a:lnRef>
+          <a:fillRef idx="1">
+            <a:schemeClr val="accent1"/>
+          </a:fillRef>
+          <a:effectRef idx="0">
+            <a:schemeClr val="accent1"/>
+          </a:effectRef>
+          <a:fontRef idx="minor">
+            <a:schemeClr val="lt1"/>
+          </a:fontRef>
+        </p:style>
+        <p:txBody>
+          <a:bodyPr rtlCol="0" anchor="ctr"/>
+          <a:lstStyle/>
+          <a:p>
+            <a:pPr algn="ctr"/>
+            <a:endParaRPr lang="zh-TW" altLang="en-US"/>
+          </a:p>
+        </p:txBody>
+      </p:sp>
+      <p:sp>
+        <p:nvSpPr>
+          <p:cNvPr id="55" name="矩形 54">
+            <a:extLst>
+              <a:ext uri="{FF2B5EF4-FFF2-40B4-BE49-F238E27FC236}">
+                <a16:creationId xmlns:a16="http://schemas.microsoft.com/office/drawing/2014/main" id="{978840F3-4EA6-4B82-94F0-FF85E074054E}"/>
+              </a:ext>
+            </a:extLst>
+          </p:cNvPr>
+          <p:cNvSpPr/>
+          <p:nvPr/>
+        </p:nvSpPr>
+        <p:spPr>
+          <a:xfrm>
+            <a:off x="3395707" y="2072126"/>
+            <a:ext cx="156095" cy="244047"/>
+          </a:xfrm>
+          <a:prstGeom prst="rect">
+            <a:avLst/>
+          </a:prstGeom>
+          <a:solidFill>
+            <a:srgbClr val="7F7F7F"/>
+          </a:solidFill>
+          <a:ln>
+            <a:noFill/>
+          </a:ln>
+        </p:spPr>
+        <p:style>
+          <a:lnRef idx="2">
+            <a:schemeClr val="accent1">
+              <a:shade val="50000"/>
+            </a:schemeClr>
+          </a:lnRef>
+          <a:fillRef idx="1">
+            <a:schemeClr val="accent1"/>
+          </a:fillRef>
+          <a:effectRef idx="0">
+            <a:schemeClr val="accent1"/>
+          </a:effectRef>
+          <a:fontRef idx="minor">
+            <a:schemeClr val="lt1"/>
+          </a:fontRef>
+        </p:style>
+        <p:txBody>
+          <a:bodyPr rtlCol="0" anchor="ctr"/>
+          <a:lstStyle/>
+          <a:p>
+            <a:pPr algn="ctr"/>
+            <a:endParaRPr lang="zh-TW" altLang="en-US"/>
+          </a:p>
+        </p:txBody>
+      </p:sp>
       <p:pic>
         <p:nvPicPr>
-          <p:cNvPr id="29" name="圖片 28">
-            <a:extLst>
-              <a:ext uri="{FF2B5EF4-FFF2-40B4-BE49-F238E27FC236}">
-                <a16:creationId xmlns:a16="http://schemas.microsoft.com/office/drawing/2014/main" id="{5256553C-C4CF-4BA6-9B7A-4BBFF91267E2}"/>
+          <p:cNvPr id="28" name="圖片 27">
+            <a:extLst>
+              <a:ext uri="{FF2B5EF4-FFF2-40B4-BE49-F238E27FC236}">
+                <a16:creationId xmlns:a16="http://schemas.microsoft.com/office/drawing/2014/main" id="{98A5B655-EFBD-4F9B-BA2B-0A856F0E412F}"/>
               </a:ext>
             </a:extLst>
           </p:cNvPr>
@@ -3848,50 +5734,72 @@
         </p:blipFill>
         <p:spPr>
           <a:xfrm>
-            <a:off x="3909500" y="2003513"/>
-            <a:ext cx="319743" cy="318242"/>
+            <a:off x="3291157" y="1922577"/>
+            <a:ext cx="448142" cy="446524"/>
           </a:xfrm>
           <a:prstGeom prst="rect">
             <a:avLst/>
           </a:prstGeom>
         </p:spPr>
       </p:pic>
+      <p:sp>
+        <p:nvSpPr>
+          <p:cNvPr id="56" name="矩形 55">
+            <a:extLst>
+              <a:ext uri="{FF2B5EF4-FFF2-40B4-BE49-F238E27FC236}">
+                <a16:creationId xmlns:a16="http://schemas.microsoft.com/office/drawing/2014/main" id="{18DC3CDA-18E1-4454-AC51-8F308C92CD21}"/>
+              </a:ext>
+            </a:extLst>
+          </p:cNvPr>
+          <p:cNvSpPr/>
+          <p:nvPr/>
+        </p:nvSpPr>
+        <p:spPr>
+          <a:xfrm>
+            <a:off x="4194685" y="2072126"/>
+            <a:ext cx="156095" cy="244047"/>
+          </a:xfrm>
+          <a:prstGeom prst="rect">
+            <a:avLst/>
+          </a:prstGeom>
+          <a:solidFill>
+            <a:srgbClr val="7F7F7F"/>
+          </a:solidFill>
+          <a:ln>
+            <a:noFill/>
+          </a:ln>
+        </p:spPr>
+        <p:style>
+          <a:lnRef idx="2">
+            <a:schemeClr val="accent1">
+              <a:shade val="50000"/>
+            </a:schemeClr>
+          </a:lnRef>
+          <a:fillRef idx="1">
+            <a:schemeClr val="accent1"/>
+          </a:fillRef>
+          <a:effectRef idx="0">
+            <a:schemeClr val="accent1"/>
+          </a:effectRef>
+          <a:fontRef idx="minor">
+            <a:schemeClr val="lt1"/>
+          </a:fontRef>
+        </p:style>
+        <p:txBody>
+          <a:bodyPr rtlCol="0" anchor="ctr"/>
+          <a:lstStyle/>
+          <a:p>
+            <a:pPr algn="ctr"/>
+            <a:endParaRPr lang="zh-TW" altLang="en-US"/>
+          </a:p>
+        </p:txBody>
+      </p:sp>
       <p:pic>
         <p:nvPicPr>
-          <p:cNvPr id="30" name="圖片 29">
-            <a:extLst>
-              <a:ext uri="{FF2B5EF4-FFF2-40B4-BE49-F238E27FC236}">
-                <a16:creationId xmlns:a16="http://schemas.microsoft.com/office/drawing/2014/main" id="{EC76CBB6-D803-4883-8FE8-1944BC470499}"/>
-              </a:ext>
-            </a:extLst>
-          </p:cNvPr>
-          <p:cNvPicPr>
-            <a:picLocks noChangeAspect="1"/>
-          </p:cNvPicPr>
-          <p:nvPr/>
-        </p:nvPicPr>
-        <p:blipFill>
-          <a:blip r:embed="rId7"/>
-          <a:stretch>
-            <a:fillRect/>
-          </a:stretch>
-        </p:blipFill>
-        <p:spPr>
-          <a:xfrm>
-            <a:off x="3976795" y="1608078"/>
-            <a:ext cx="378151" cy="379986"/>
-          </a:xfrm>
-          <a:prstGeom prst="rect">
-            <a:avLst/>
-          </a:prstGeom>
-        </p:spPr>
-      </p:pic>
-      <p:pic>
-        <p:nvPicPr>
-          <p:cNvPr id="19" name="圖片 18">
-            <a:extLst>
-              <a:ext uri="{FF2B5EF4-FFF2-40B4-BE49-F238E27FC236}">
-                <a16:creationId xmlns:a16="http://schemas.microsoft.com/office/drawing/2014/main" id="{2DB89867-686A-42E0-9A70-6DC9B3F7664B}"/>
+          <p:cNvPr id="29" name="圖片 28">
+            <a:extLst>
+              <a:ext uri="{FF2B5EF4-FFF2-40B4-BE49-F238E27FC236}">
+                <a16:creationId xmlns:a16="http://schemas.microsoft.com/office/drawing/2014/main" id="{5256553C-C4CF-4BA6-9B7A-4BBFF91267E2}"/>
               </a:ext>
             </a:extLst>
           </p:cNvPr>
@@ -3907,9 +5815,9 @@
           </a:stretch>
         </p:blipFill>
         <p:spPr>
-          <a:xfrm rot="3063967" flipH="1">
-            <a:off x="3118008" y="2015488"/>
-            <a:ext cx="281652" cy="281652"/>
+          <a:xfrm>
+            <a:off x="4015362" y="2018701"/>
+            <a:ext cx="300489" cy="299078"/>
           </a:xfrm>
           <a:prstGeom prst="rect">
             <a:avLst/>
@@ -3918,10 +5826,10 @@
       </p:pic>
       <p:pic>
         <p:nvPicPr>
-          <p:cNvPr id="31" name="圖片 30">
-            <a:extLst>
-              <a:ext uri="{FF2B5EF4-FFF2-40B4-BE49-F238E27FC236}">
-                <a16:creationId xmlns:a16="http://schemas.microsoft.com/office/drawing/2014/main" id="{21871A7D-FFC6-48A4-A001-C6E2965A515B}"/>
+          <p:cNvPr id="3" name="圖片 2">
+            <a:extLst>
+              <a:ext uri="{FF2B5EF4-FFF2-40B4-BE49-F238E27FC236}">
+                <a16:creationId xmlns:a16="http://schemas.microsoft.com/office/drawing/2014/main" id="{522F7890-EB89-46FE-929B-650B5AEB2C02}"/>
               </a:ext>
             </a:extLst>
           </p:cNvPr>
@@ -3937,9 +5845,9 @@
           </a:stretch>
         </p:blipFill>
         <p:spPr>
-          <a:xfrm rot="2822739">
-            <a:off x="3073319" y="1011094"/>
-            <a:ext cx="489527" cy="489527"/>
+          <a:xfrm>
+            <a:off x="3188940" y="1048844"/>
+            <a:ext cx="266000" cy="266000"/>
           </a:xfrm>
           <a:prstGeom prst="rect">
             <a:avLst/>
@@ -3948,10 +5856,40 @@
       </p:pic>
       <p:pic>
         <p:nvPicPr>
-          <p:cNvPr id="32" name="圖片 31">
-            <a:extLst>
-              <a:ext uri="{FF2B5EF4-FFF2-40B4-BE49-F238E27FC236}">
-                <a16:creationId xmlns:a16="http://schemas.microsoft.com/office/drawing/2014/main" id="{B97D7F3D-EF04-4988-9A08-83A60C17B45F}"/>
+          <p:cNvPr id="19" name="圖片 18">
+            <a:extLst>
+              <a:ext uri="{FF2B5EF4-FFF2-40B4-BE49-F238E27FC236}">
+                <a16:creationId xmlns:a16="http://schemas.microsoft.com/office/drawing/2014/main" id="{2DB89867-686A-42E0-9A70-6DC9B3F7664B}"/>
+              </a:ext>
+            </a:extLst>
+          </p:cNvPr>
+          <p:cNvPicPr>
+            <a:picLocks noChangeAspect="1"/>
+          </p:cNvPicPr>
+          <p:nvPr/>
+        </p:nvPicPr>
+        <p:blipFill>
+          <a:blip r:embed="rId14"/>
+          <a:stretch>
+            <a:fillRect/>
+          </a:stretch>
+        </p:blipFill>
+        <p:spPr>
+          <a:xfrm flipH="1">
+            <a:off x="3676675" y="2056022"/>
+            <a:ext cx="315301" cy="315301"/>
+          </a:xfrm>
+          <a:prstGeom prst="rect">
+            <a:avLst/>
+          </a:prstGeom>
+        </p:spPr>
+      </p:pic>
+      <p:pic>
+        <p:nvPicPr>
+          <p:cNvPr id="59" name="圖片 58">
+            <a:extLst>
+              <a:ext uri="{FF2B5EF4-FFF2-40B4-BE49-F238E27FC236}">
+                <a16:creationId xmlns:a16="http://schemas.microsoft.com/office/drawing/2014/main" id="{518F7044-4595-43B1-B810-DFF1E3A4292F}"/>
               </a:ext>
             </a:extLst>
           </p:cNvPr>
@@ -3967,9 +5905,9 @@
           </a:stretch>
         </p:blipFill>
         <p:spPr>
-          <a:xfrm rot="18726207">
-            <a:off x="4174483" y="1008464"/>
-            <a:ext cx="489527" cy="489527"/>
+          <a:xfrm rot="10800000">
+            <a:off x="3493563" y="1062582"/>
+            <a:ext cx="266000" cy="266000"/>
           </a:xfrm>
           <a:prstGeom prst="rect">
             <a:avLst/>
@@ -3978,10 +5916,10 @@
       </p:pic>
       <p:pic>
         <p:nvPicPr>
-          <p:cNvPr id="24" name="圖片 23">
-            <a:extLst>
-              <a:ext uri="{FF2B5EF4-FFF2-40B4-BE49-F238E27FC236}">
-                <a16:creationId xmlns:a16="http://schemas.microsoft.com/office/drawing/2014/main" id="{99F69377-64F5-401F-A688-0E234FA4A26D}"/>
+          <p:cNvPr id="61" name="圖片 60">
+            <a:extLst>
+              <a:ext uri="{FF2B5EF4-FFF2-40B4-BE49-F238E27FC236}">
+                <a16:creationId xmlns:a16="http://schemas.microsoft.com/office/drawing/2014/main" id="{1340FCE3-7EE0-44AA-8945-CE026EAA8A35}"/>
               </a:ext>
             </a:extLst>
           </p:cNvPr>
@@ -3991,27 +5929,87 @@
           <p:nvPr/>
         </p:nvPicPr>
         <p:blipFill>
-          <a:blip r:embed="rId14"/>
+          <a:blip r:embed="rId13"/>
           <a:stretch>
             <a:fillRect/>
           </a:stretch>
         </p:blipFill>
         <p:spPr>
-          <a:xfrm>
-            <a:off x="2870368" y="2356959"/>
-            <a:ext cx="2063024" cy="1516916"/>
+          <a:xfrm rot="10800000">
+            <a:off x="3950244" y="1062582"/>
+            <a:ext cx="266000" cy="266000"/>
           </a:xfrm>
           <a:prstGeom prst="rect">
             <a:avLst/>
           </a:prstGeom>
         </p:spPr>
       </p:pic>
-      <p:sp>
-        <p:nvSpPr>
-          <p:cNvPr id="33" name="矩形 32">
-            <a:extLst>
-              <a:ext uri="{FF2B5EF4-FFF2-40B4-BE49-F238E27FC236}">
-                <a16:creationId xmlns:a16="http://schemas.microsoft.com/office/drawing/2014/main" id="{AC166D09-79E9-4A3C-8ECD-741613BD7374}"/>
+      <p:pic>
+        <p:nvPicPr>
+          <p:cNvPr id="62" name="圖片 61">
+            <a:extLst>
+              <a:ext uri="{FF2B5EF4-FFF2-40B4-BE49-F238E27FC236}">
+                <a16:creationId xmlns:a16="http://schemas.microsoft.com/office/drawing/2014/main" id="{F42B8835-3990-45DC-A03B-966D0433A227}"/>
+              </a:ext>
+            </a:extLst>
+          </p:cNvPr>
+          <p:cNvPicPr>
+            <a:picLocks noChangeAspect="1"/>
+          </p:cNvPicPr>
+          <p:nvPr/>
+        </p:nvPicPr>
+        <p:blipFill>
+          <a:blip r:embed="rId13"/>
+          <a:stretch>
+            <a:fillRect/>
+          </a:stretch>
+        </p:blipFill>
+        <p:spPr>
+          <a:xfrm>
+            <a:off x="4253006" y="1048844"/>
+            <a:ext cx="266000" cy="266000"/>
+          </a:xfrm>
+          <a:prstGeom prst="rect">
+            <a:avLst/>
+          </a:prstGeom>
+        </p:spPr>
+      </p:pic>
+      <p:pic>
+        <p:nvPicPr>
+          <p:cNvPr id="63" name="圖片 62">
+            <a:extLst>
+              <a:ext uri="{FF2B5EF4-FFF2-40B4-BE49-F238E27FC236}">
+                <a16:creationId xmlns:a16="http://schemas.microsoft.com/office/drawing/2014/main" id="{1D37ABBF-5126-4550-8D8D-7E28006DF60C}"/>
+              </a:ext>
+            </a:extLst>
+          </p:cNvPr>
+          <p:cNvPicPr>
+            <a:picLocks noChangeAspect="1"/>
+          </p:cNvPicPr>
+          <p:nvPr/>
+        </p:nvPicPr>
+        <p:blipFill>
+          <a:blip r:embed="rId13"/>
+          <a:stretch>
+            <a:fillRect/>
+          </a:stretch>
+        </p:blipFill>
+        <p:spPr>
+          <a:xfrm rot="10800000">
+            <a:off x="3720392" y="975433"/>
+            <a:ext cx="266000" cy="266000"/>
+          </a:xfrm>
+          <a:prstGeom prst="rect">
+            <a:avLst/>
+          </a:prstGeom>
+        </p:spPr>
+      </p:pic>
+      <p:sp>
+        <p:nvSpPr>
+          <p:cNvPr id="6" name="矩形 5">
+            <a:extLst>
+              <a:ext uri="{FF2B5EF4-FFF2-40B4-BE49-F238E27FC236}">
+                <a16:creationId xmlns:a16="http://schemas.microsoft.com/office/drawing/2014/main" id="{FFFA9D51-9ED0-483F-B542-6F0FBF8A8AFA}"/>
               </a:ext>
             </a:extLst>
           </p:cNvPr>
@@ -4020,14 +6018,14 @@
         </p:nvSpPr>
         <p:spPr>
           <a:xfrm>
-            <a:off x="3445447" y="2321755"/>
-            <a:ext cx="53859" cy="253805"/>
+            <a:off x="3398521" y="1277072"/>
+            <a:ext cx="64770" cy="495131"/>
           </a:xfrm>
           <a:prstGeom prst="rect">
             <a:avLst/>
           </a:prstGeom>
           <a:solidFill>
-            <a:schemeClr val="bg1"/>
+            <a:schemeClr val="tx1"/>
           </a:solidFill>
           <a:ln>
             <a:noFill/>
@@ -4060,10 +6058,10 @@
       </p:sp>
       <p:sp>
         <p:nvSpPr>
-          <p:cNvPr id="35" name="矩形 34">
-            <a:extLst>
-              <a:ext uri="{FF2B5EF4-FFF2-40B4-BE49-F238E27FC236}">
-                <a16:creationId xmlns:a16="http://schemas.microsoft.com/office/drawing/2014/main" id="{C67FC108-43C4-46D2-B5ED-1ED69532ED1C}"/>
+          <p:cNvPr id="65" name="矩形 64">
+            <a:extLst>
+              <a:ext uri="{FF2B5EF4-FFF2-40B4-BE49-F238E27FC236}">
+                <a16:creationId xmlns:a16="http://schemas.microsoft.com/office/drawing/2014/main" id="{51BC239C-9351-4778-BED8-509F3B3B8DF9}"/>
               </a:ext>
             </a:extLst>
           </p:cNvPr>
@@ -4071,15 +6069,15 @@
           <p:nvPr/>
         </p:nvSpPr>
         <p:spPr>
-          <a:xfrm rot="2566360">
-            <a:off x="3394127" y="2535237"/>
-            <a:ext cx="45719" cy="191488"/>
+          <a:xfrm rot="19193771">
+            <a:off x="3366406" y="1176155"/>
+            <a:ext cx="61314" cy="132573"/>
           </a:xfrm>
           <a:prstGeom prst="rect">
             <a:avLst/>
           </a:prstGeom>
           <a:solidFill>
-            <a:schemeClr val="bg1"/>
+            <a:schemeClr val="tx1"/>
           </a:solidFill>
           <a:ln>
             <a:noFill/>
@@ -4112,10 +6110,10 @@
       </p:sp>
       <p:sp>
         <p:nvSpPr>
-          <p:cNvPr id="36" name="矩形 35">
-            <a:extLst>
-              <a:ext uri="{FF2B5EF4-FFF2-40B4-BE49-F238E27FC236}">
-                <a16:creationId xmlns:a16="http://schemas.microsoft.com/office/drawing/2014/main" id="{2CE4268E-A6A8-4465-9652-97775B6C7CB6}"/>
+          <p:cNvPr id="9" name="矩形 8">
+            <a:extLst>
+              <a:ext uri="{FF2B5EF4-FFF2-40B4-BE49-F238E27FC236}">
+                <a16:creationId xmlns:a16="http://schemas.microsoft.com/office/drawing/2014/main" id="{8122E7C0-EE80-4ED8-BFFD-3FF4FBEC6FDA}"/>
               </a:ext>
             </a:extLst>
           </p:cNvPr>
@@ -4124,14 +6122,14 @@
         </p:nvSpPr>
         <p:spPr>
           <a:xfrm>
-            <a:off x="3633659" y="2321755"/>
-            <a:ext cx="53859" cy="253805"/>
+            <a:off x="3594735" y="1300910"/>
+            <a:ext cx="66675" cy="301196"/>
           </a:xfrm>
           <a:prstGeom prst="rect">
             <a:avLst/>
           </a:prstGeom>
           <a:solidFill>
-            <a:schemeClr val="bg1"/>
+            <a:schemeClr val="tx1"/>
           </a:solidFill>
           <a:ln>
             <a:noFill/>
@@ -4164,10 +6162,10 @@
       </p:sp>
       <p:sp>
         <p:nvSpPr>
-          <p:cNvPr id="37" name="矩形 36">
-            <a:extLst>
-              <a:ext uri="{FF2B5EF4-FFF2-40B4-BE49-F238E27FC236}">
-                <a16:creationId xmlns:a16="http://schemas.microsoft.com/office/drawing/2014/main" id="{44F8EA21-E972-4172-A9AD-9C320B2F2516}"/>
+          <p:cNvPr id="89" name="矩形 88">
+            <a:extLst>
+              <a:ext uri="{FF2B5EF4-FFF2-40B4-BE49-F238E27FC236}">
+                <a16:creationId xmlns:a16="http://schemas.microsoft.com/office/drawing/2014/main" id="{32915CA0-9B8D-4BAB-9C67-FED28EF58631}"/>
               </a:ext>
             </a:extLst>
           </p:cNvPr>
@@ -4176,14 +6174,14 @@
         </p:nvSpPr>
         <p:spPr>
           <a:xfrm>
-            <a:off x="3847022" y="2321755"/>
-            <a:ext cx="50537" cy="402395"/>
+            <a:off x="3815081" y="1201850"/>
+            <a:ext cx="71120" cy="284050"/>
           </a:xfrm>
           <a:prstGeom prst="rect">
             <a:avLst/>
           </a:prstGeom>
           <a:solidFill>
-            <a:schemeClr val="bg1"/>
+            <a:schemeClr val="tx1"/>
           </a:solidFill>
           <a:ln>
             <a:noFill/>
@@ -4216,10 +6214,10 @@
       </p:sp>
       <p:sp>
         <p:nvSpPr>
-          <p:cNvPr id="39" name="矩形 38">
-            <a:extLst>
-              <a:ext uri="{FF2B5EF4-FFF2-40B4-BE49-F238E27FC236}">
-                <a16:creationId xmlns:a16="http://schemas.microsoft.com/office/drawing/2014/main" id="{00B7424A-8743-4773-ACB3-7D23CF3D8AFF}"/>
+          <p:cNvPr id="90" name="矩形 89">
+            <a:extLst>
+              <a:ext uri="{FF2B5EF4-FFF2-40B4-BE49-F238E27FC236}">
+                <a16:creationId xmlns:a16="http://schemas.microsoft.com/office/drawing/2014/main" id="{36CDA08F-CAE5-4802-86E5-C0D675C046F1}"/>
               </a:ext>
             </a:extLst>
           </p:cNvPr>
@@ -4228,14 +6226,14 @@
         </p:nvSpPr>
         <p:spPr>
           <a:xfrm>
-            <a:off x="4060385" y="2318385"/>
-            <a:ext cx="54574" cy="257175"/>
+            <a:off x="4048343" y="1288062"/>
+            <a:ext cx="68362" cy="214265"/>
           </a:xfrm>
           <a:prstGeom prst="rect">
             <a:avLst/>
           </a:prstGeom>
           <a:solidFill>
-            <a:schemeClr val="bg1"/>
+            <a:schemeClr val="tx1"/>
           </a:solidFill>
           <a:ln>
             <a:noFill/>
@@ -4268,10 +6266,10 @@
       </p:sp>
       <p:sp>
         <p:nvSpPr>
-          <p:cNvPr id="41" name="矩形 40">
-            <a:extLst>
-              <a:ext uri="{FF2B5EF4-FFF2-40B4-BE49-F238E27FC236}">
-                <a16:creationId xmlns:a16="http://schemas.microsoft.com/office/drawing/2014/main" id="{0642159E-962C-4568-BB14-FB2F2017B595}"/>
+          <p:cNvPr id="91" name="矩形 90">
+            <a:extLst>
+              <a:ext uri="{FF2B5EF4-FFF2-40B4-BE49-F238E27FC236}">
+                <a16:creationId xmlns:a16="http://schemas.microsoft.com/office/drawing/2014/main" id="{3D15210F-5146-420D-80D0-CBFB853DBE05}"/>
               </a:ext>
             </a:extLst>
           </p:cNvPr>
@@ -4280,14 +6278,14 @@
         </p:nvSpPr>
         <p:spPr>
           <a:xfrm>
-            <a:off x="4239832" y="2321755"/>
-            <a:ext cx="53859" cy="253805"/>
+            <a:off x="4244653" y="1263516"/>
+            <a:ext cx="62552" cy="365259"/>
           </a:xfrm>
           <a:prstGeom prst="rect">
             <a:avLst/>
           </a:prstGeom>
           <a:solidFill>
-            <a:schemeClr val="bg1"/>
+            <a:schemeClr val="tx1"/>
           </a:solidFill>
           <a:ln>
             <a:noFill/>
@@ -4320,10 +6318,10 @@
       </p:sp>
       <p:sp>
         <p:nvSpPr>
-          <p:cNvPr id="42" name="矩形 41">
-            <a:extLst>
-              <a:ext uri="{FF2B5EF4-FFF2-40B4-BE49-F238E27FC236}">
-                <a16:creationId xmlns:a16="http://schemas.microsoft.com/office/drawing/2014/main" id="{9C87E255-379D-4D49-95AD-745E13015228}"/>
+          <p:cNvPr id="94" name="矩形 93">
+            <a:extLst>
+              <a:ext uri="{FF2B5EF4-FFF2-40B4-BE49-F238E27FC236}">
+                <a16:creationId xmlns:a16="http://schemas.microsoft.com/office/drawing/2014/main" id="{E2C503F0-4F2B-49AA-9807-CE56CE28103E}"/>
               </a:ext>
             </a:extLst>
           </p:cNvPr>
@@ -4331,15 +6329,15 @@
           <p:nvPr/>
         </p:nvSpPr>
         <p:spPr>
-          <a:xfrm rot="19318531">
-            <a:off x="4293780" y="2538903"/>
-            <a:ext cx="45719" cy="191488"/>
+          <a:xfrm rot="2530784">
+            <a:off x="4270659" y="1194971"/>
+            <a:ext cx="69924" cy="109158"/>
           </a:xfrm>
           <a:prstGeom prst="rect">
             <a:avLst/>
           </a:prstGeom>
           <a:solidFill>
-            <a:schemeClr val="bg1"/>
+            <a:schemeClr val="tx1"/>
           </a:solidFill>
           <a:ln>
             <a:noFill/>
@@ -4372,10 +6370,10 @@
       </p:sp>
       <p:sp>
         <p:nvSpPr>
-          <p:cNvPr id="43" name="圓形: 空心 42">
-            <a:extLst>
-              <a:ext uri="{FF2B5EF4-FFF2-40B4-BE49-F238E27FC236}">
-                <a16:creationId xmlns:a16="http://schemas.microsoft.com/office/drawing/2014/main" id="{921BED69-6A22-499B-A811-0B14E6D80B1B}"/>
+          <p:cNvPr id="11" name="橢圓 10">
+            <a:extLst>
+              <a:ext uri="{FF2B5EF4-FFF2-40B4-BE49-F238E27FC236}">
+                <a16:creationId xmlns:a16="http://schemas.microsoft.com/office/drawing/2014/main" id="{7F0F57DF-376E-4B14-9F98-E8BBDDC29072}"/>
               </a:ext>
             </a:extLst>
           </p:cNvPr>
@@ -4384,16 +6382,14 @@
         </p:nvSpPr>
         <p:spPr>
           <a:xfrm>
-            <a:off x="3582074" y="2567898"/>
-            <a:ext cx="148888" cy="148888"/>
-          </a:xfrm>
-          <a:prstGeom prst="donut">
-            <a:avLst>
-              <a:gd name="adj" fmla="val 27893"/>
-            </a:avLst>
+            <a:off x="4354787" y="1122641"/>
+            <a:ext cx="59203" cy="59203"/>
+          </a:xfrm>
+          <a:prstGeom prst="ellipse">
+            <a:avLst/>
           </a:prstGeom>
           <a:solidFill>
-            <a:schemeClr val="bg1"/>
+            <a:srgbClr val="1F4E79"/>
           </a:solidFill>
           <a:ln>
             <a:noFill/>
@@ -4420,20 +6416,16 @@
           <a:lstStyle/>
           <a:p>
             <a:pPr algn="ctr"/>
-            <a:endParaRPr lang="zh-TW" altLang="en-US">
-              <a:solidFill>
-                <a:schemeClr val="tx1"/>
-              </a:solidFill>
-            </a:endParaRPr>
-          </a:p>
-        </p:txBody>
-      </p:sp>
-      <p:sp>
-        <p:nvSpPr>
-          <p:cNvPr id="45" name="圓形: 空心 44">
-            <a:extLst>
-              <a:ext uri="{FF2B5EF4-FFF2-40B4-BE49-F238E27FC236}">
-                <a16:creationId xmlns:a16="http://schemas.microsoft.com/office/drawing/2014/main" id="{5055840F-0314-4EF6-8444-A525476A1404}"/>
+            <a:endParaRPr lang="zh-TW" altLang="en-US"/>
+          </a:p>
+        </p:txBody>
+      </p:sp>
+      <p:sp>
+        <p:nvSpPr>
+          <p:cNvPr id="95" name="橢圓 94">
+            <a:extLst>
+              <a:ext uri="{FF2B5EF4-FFF2-40B4-BE49-F238E27FC236}">
+                <a16:creationId xmlns:a16="http://schemas.microsoft.com/office/drawing/2014/main" id="{68A2EF6E-3D98-40E4-8286-C041C19C5215}"/>
               </a:ext>
             </a:extLst>
           </p:cNvPr>
@@ -4442,16 +6434,14 @@
         </p:nvSpPr>
         <p:spPr>
           <a:xfrm>
-            <a:off x="4008800" y="2567898"/>
-            <a:ext cx="148888" cy="148888"/>
-          </a:xfrm>
-          <a:prstGeom prst="donut">
-            <a:avLst>
-              <a:gd name="adj" fmla="val 27893"/>
-            </a:avLst>
+            <a:off x="4049151" y="1204618"/>
+            <a:ext cx="59203" cy="59203"/>
+          </a:xfrm>
+          <a:prstGeom prst="ellipse">
+            <a:avLst/>
           </a:prstGeom>
           <a:solidFill>
-            <a:schemeClr val="bg1"/>
+            <a:srgbClr val="1F4E79"/>
           </a:solidFill>
           <a:ln>
             <a:noFill/>
@@ -4478,20 +6468,16 @@
           <a:lstStyle/>
           <a:p>
             <a:pPr algn="ctr"/>
-            <a:endParaRPr lang="zh-TW" altLang="en-US">
-              <a:solidFill>
-                <a:schemeClr val="tx1"/>
-              </a:solidFill>
-            </a:endParaRPr>
-          </a:p>
-        </p:txBody>
-      </p:sp>
-      <p:sp>
-        <p:nvSpPr>
-          <p:cNvPr id="48" name="矩形: 圓角 47">
-            <a:extLst>
-              <a:ext uri="{FF2B5EF4-FFF2-40B4-BE49-F238E27FC236}">
-                <a16:creationId xmlns:a16="http://schemas.microsoft.com/office/drawing/2014/main" id="{2E7EF4FB-CC61-4EEB-9AA1-2E7C9A7964BF}"/>
+            <a:endParaRPr lang="zh-TW" altLang="en-US"/>
+          </a:p>
+        </p:txBody>
+      </p:sp>
+      <p:sp>
+        <p:nvSpPr>
+          <p:cNvPr id="96" name="橢圓 95">
+            <a:extLst>
+              <a:ext uri="{FF2B5EF4-FFF2-40B4-BE49-F238E27FC236}">
+                <a16:creationId xmlns:a16="http://schemas.microsoft.com/office/drawing/2014/main" id="{D153AF31-AAB5-44D3-A5CD-C0FEA6364FC3}"/>
               </a:ext>
             </a:extLst>
           </p:cNvPr>
@@ -4500,14 +6486,14 @@
         </p:nvSpPr>
         <p:spPr>
           <a:xfrm>
-            <a:off x="3136992" y="3911769"/>
-            <a:ext cx="274396" cy="228743"/>
-          </a:xfrm>
-          <a:prstGeom prst="roundRect">
+            <a:off x="3825440" y="1118919"/>
+            <a:ext cx="59203" cy="59203"/>
+          </a:xfrm>
+          <a:prstGeom prst="ellipse">
             <a:avLst/>
           </a:prstGeom>
           <a:solidFill>
-            <a:srgbClr val="002060"/>
+            <a:srgbClr val="1F4E79"/>
           </a:solidFill>
           <a:ln>
             <a:noFill/>
@@ -4540,10 +6526,10 @@
       </p:sp>
       <p:sp>
         <p:nvSpPr>
-          <p:cNvPr id="66" name="矩形: 圓角 65">
-            <a:extLst>
-              <a:ext uri="{FF2B5EF4-FFF2-40B4-BE49-F238E27FC236}">
-                <a16:creationId xmlns:a16="http://schemas.microsoft.com/office/drawing/2014/main" id="{8F3BC039-86CB-47F9-93A6-90591CAF3E3C}"/>
+          <p:cNvPr id="97" name="橢圓 96">
+            <a:extLst>
+              <a:ext uri="{FF2B5EF4-FFF2-40B4-BE49-F238E27FC236}">
+                <a16:creationId xmlns:a16="http://schemas.microsoft.com/office/drawing/2014/main" id="{15C14379-41AF-4854-BB12-B04F44CAD5AC}"/>
               </a:ext>
             </a:extLst>
           </p:cNvPr>
@@ -4552,14 +6538,14 @@
         </p:nvSpPr>
         <p:spPr>
           <a:xfrm>
-            <a:off x="3437788" y="3911769"/>
-            <a:ext cx="274396" cy="228743"/>
-          </a:xfrm>
-          <a:prstGeom prst="roundRect">
+            <a:off x="3595770" y="1198359"/>
+            <a:ext cx="59203" cy="59203"/>
+          </a:xfrm>
+          <a:prstGeom prst="ellipse">
             <a:avLst/>
           </a:prstGeom>
           <a:solidFill>
-            <a:srgbClr val="002060"/>
+            <a:srgbClr val="1F4E79"/>
           </a:solidFill>
           <a:ln>
             <a:noFill/>
@@ -4592,10 +6578,10 @@
       </p:sp>
       <p:sp>
         <p:nvSpPr>
-          <p:cNvPr id="67" name="矩形: 圓角 66">
-            <a:extLst>
-              <a:ext uri="{FF2B5EF4-FFF2-40B4-BE49-F238E27FC236}">
-                <a16:creationId xmlns:a16="http://schemas.microsoft.com/office/drawing/2014/main" id="{E1435ECB-1F23-4329-B394-9F66CD20FC0F}"/>
+          <p:cNvPr id="98" name="橢圓 97">
+            <a:extLst>
+              <a:ext uri="{FF2B5EF4-FFF2-40B4-BE49-F238E27FC236}">
+                <a16:creationId xmlns:a16="http://schemas.microsoft.com/office/drawing/2014/main" id="{2DD2FD8A-89A9-4196-A5E1-5E1B87EBBBF7}"/>
               </a:ext>
             </a:extLst>
           </p:cNvPr>
@@ -4604,14 +6590,14 @@
         </p:nvSpPr>
         <p:spPr>
           <a:xfrm>
-            <a:off x="3738876" y="3911769"/>
-            <a:ext cx="274396" cy="228743"/>
-          </a:xfrm>
-          <a:prstGeom prst="roundRect">
+            <a:off x="3291526" y="1120824"/>
+            <a:ext cx="59203" cy="59203"/>
+          </a:xfrm>
+          <a:prstGeom prst="ellipse">
             <a:avLst/>
           </a:prstGeom>
           <a:solidFill>
-            <a:srgbClr val="002060"/>
+            <a:srgbClr val="1F4E79"/>
           </a:solidFill>
           <a:ln>
             <a:noFill/>
@@ -4642,1044 +6628,130 @@
           </a:p>
         </p:txBody>
       </p:sp>
-      <p:sp>
-        <p:nvSpPr>
-          <p:cNvPr id="68" name="矩形: 圓角 67">
-            <a:extLst>
-              <a:ext uri="{FF2B5EF4-FFF2-40B4-BE49-F238E27FC236}">
-                <a16:creationId xmlns:a16="http://schemas.microsoft.com/office/drawing/2014/main" id="{7C82B171-AC4C-4423-B12E-758EF7B25817}"/>
-              </a:ext>
-            </a:extLst>
-          </p:cNvPr>
-          <p:cNvSpPr/>
+      <p:pic>
+        <p:nvPicPr>
+          <p:cNvPr id="17" name="圖片 16">
+            <a:extLst>
+              <a:ext uri="{FF2B5EF4-FFF2-40B4-BE49-F238E27FC236}">
+                <a16:creationId xmlns:a16="http://schemas.microsoft.com/office/drawing/2014/main" id="{79CEBFEB-5B30-4ECA-B938-8936CBEE610C}"/>
+              </a:ext>
+            </a:extLst>
+          </p:cNvPr>
+          <p:cNvPicPr>
+            <a:picLocks noChangeAspect="1"/>
+          </p:cNvPicPr>
           <p:nvPr/>
-        </p:nvSpPr>
-        <p:spPr>
-          <a:xfrm>
-            <a:off x="4042672" y="3911769"/>
-            <a:ext cx="274396" cy="228743"/>
-          </a:xfrm>
-          <a:prstGeom prst="roundRect">
-            <a:avLst/>
-          </a:prstGeom>
-          <a:solidFill>
-            <a:srgbClr val="002060"/>
-          </a:solidFill>
-          <a:ln>
-            <a:noFill/>
-          </a:ln>
-        </p:spPr>
-        <p:style>
-          <a:lnRef idx="2">
-            <a:schemeClr val="accent1">
-              <a:shade val="50000"/>
-            </a:schemeClr>
-          </a:lnRef>
-          <a:fillRef idx="1">
-            <a:schemeClr val="accent1"/>
-          </a:fillRef>
-          <a:effectRef idx="0">
-            <a:schemeClr val="accent1"/>
-          </a:effectRef>
-          <a:fontRef idx="minor">
-            <a:schemeClr val="lt1"/>
-          </a:fontRef>
-        </p:style>
-        <p:txBody>
-          <a:bodyPr rtlCol="0" anchor="ctr"/>
-          <a:lstStyle/>
-          <a:p>
-            <a:pPr algn="ctr"/>
-            <a:endParaRPr lang="zh-TW" altLang="en-US"/>
-          </a:p>
-        </p:txBody>
-      </p:sp>
-      <p:sp>
-        <p:nvSpPr>
-          <p:cNvPr id="69" name="矩形: 圓角 68">
-            <a:extLst>
-              <a:ext uri="{FF2B5EF4-FFF2-40B4-BE49-F238E27FC236}">
-                <a16:creationId xmlns:a16="http://schemas.microsoft.com/office/drawing/2014/main" id="{3EC56C86-ADEC-40CF-BBAB-65A5CB021CC9}"/>
-              </a:ext>
-            </a:extLst>
-          </p:cNvPr>
-          <p:cNvSpPr/>
-          <p:nvPr/>
-        </p:nvSpPr>
-        <p:spPr>
-          <a:xfrm>
-            <a:off x="4342961" y="3911769"/>
-            <a:ext cx="274396" cy="228743"/>
-          </a:xfrm>
-          <a:prstGeom prst="roundRect">
-            <a:avLst/>
-          </a:prstGeom>
-          <a:solidFill>
-            <a:srgbClr val="002060"/>
-          </a:solidFill>
-          <a:ln>
-            <a:noFill/>
-          </a:ln>
-        </p:spPr>
-        <p:style>
-          <a:lnRef idx="2">
-            <a:schemeClr val="accent1">
-              <a:shade val="50000"/>
-            </a:schemeClr>
-          </a:lnRef>
-          <a:fillRef idx="1">
-            <a:schemeClr val="accent1"/>
-          </a:fillRef>
-          <a:effectRef idx="0">
-            <a:schemeClr val="accent1"/>
-          </a:effectRef>
-          <a:fontRef idx="minor">
-            <a:schemeClr val="lt1"/>
-          </a:fontRef>
-        </p:style>
-        <p:txBody>
-          <a:bodyPr rtlCol="0" anchor="ctr"/>
-          <a:lstStyle/>
-          <a:p>
-            <a:pPr algn="ctr"/>
-            <a:endParaRPr lang="zh-TW" altLang="en-US"/>
-          </a:p>
-        </p:txBody>
-      </p:sp>
-      <p:sp>
-        <p:nvSpPr>
-          <p:cNvPr id="70" name="矩形: 圓角 69">
-            <a:extLst>
-              <a:ext uri="{FF2B5EF4-FFF2-40B4-BE49-F238E27FC236}">
-                <a16:creationId xmlns:a16="http://schemas.microsoft.com/office/drawing/2014/main" id="{9BDADC7C-0DD5-40E4-8BAD-4A913950DA04}"/>
-              </a:ext>
-            </a:extLst>
-          </p:cNvPr>
-          <p:cNvSpPr/>
-          <p:nvPr/>
-        </p:nvSpPr>
-        <p:spPr>
-          <a:xfrm>
-            <a:off x="3136992" y="4164149"/>
-            <a:ext cx="274396" cy="228743"/>
-          </a:xfrm>
-          <a:prstGeom prst="roundRect">
-            <a:avLst/>
-          </a:prstGeom>
-          <a:solidFill>
-            <a:schemeClr val="bg1">
-              <a:lumMod val="95000"/>
-            </a:schemeClr>
-          </a:solidFill>
-          <a:ln>
-            <a:noFill/>
-          </a:ln>
-        </p:spPr>
-        <p:style>
-          <a:lnRef idx="2">
-            <a:schemeClr val="accent1">
-              <a:shade val="50000"/>
-            </a:schemeClr>
-          </a:lnRef>
-          <a:fillRef idx="1">
-            <a:schemeClr val="accent1"/>
-          </a:fillRef>
-          <a:effectRef idx="0">
-            <a:schemeClr val="accent1"/>
-          </a:effectRef>
-          <a:fontRef idx="minor">
-            <a:schemeClr val="lt1"/>
-          </a:fontRef>
-        </p:style>
-        <p:txBody>
-          <a:bodyPr rtlCol="0" anchor="ctr"/>
-          <a:lstStyle/>
-          <a:p>
-            <a:pPr algn="ctr"/>
-            <a:endParaRPr lang="zh-TW" altLang="en-US"/>
-          </a:p>
-        </p:txBody>
-      </p:sp>
-      <p:sp>
-        <p:nvSpPr>
-          <p:cNvPr id="71" name="矩形: 圓角 70">
-            <a:extLst>
-              <a:ext uri="{FF2B5EF4-FFF2-40B4-BE49-F238E27FC236}">
-                <a16:creationId xmlns:a16="http://schemas.microsoft.com/office/drawing/2014/main" id="{020CE5BA-DC32-484F-B80B-3D5D9FD9A222}"/>
-              </a:ext>
-            </a:extLst>
-          </p:cNvPr>
-          <p:cNvSpPr/>
-          <p:nvPr/>
-        </p:nvSpPr>
-        <p:spPr>
-          <a:xfrm>
-            <a:off x="3437788" y="4164149"/>
-            <a:ext cx="274396" cy="228743"/>
-          </a:xfrm>
-          <a:prstGeom prst="roundRect">
-            <a:avLst/>
-          </a:prstGeom>
-          <a:solidFill>
-            <a:schemeClr val="bg1">
-              <a:lumMod val="95000"/>
-            </a:schemeClr>
-          </a:solidFill>
-          <a:ln>
-            <a:noFill/>
-          </a:ln>
-        </p:spPr>
-        <p:style>
-          <a:lnRef idx="2">
-            <a:schemeClr val="accent1">
-              <a:shade val="50000"/>
-            </a:schemeClr>
-          </a:lnRef>
-          <a:fillRef idx="1">
-            <a:schemeClr val="accent1"/>
-          </a:fillRef>
-          <a:effectRef idx="0">
-            <a:schemeClr val="accent1"/>
-          </a:effectRef>
-          <a:fontRef idx="minor">
-            <a:schemeClr val="lt1"/>
-          </a:fontRef>
-        </p:style>
-        <p:txBody>
-          <a:bodyPr rtlCol="0" anchor="ctr"/>
-          <a:lstStyle/>
-          <a:p>
-            <a:pPr algn="ctr"/>
-            <a:endParaRPr lang="zh-TW" altLang="en-US"/>
-          </a:p>
-        </p:txBody>
-      </p:sp>
-      <p:sp>
-        <p:nvSpPr>
-          <p:cNvPr id="72" name="矩形: 圓角 71">
-            <a:extLst>
-              <a:ext uri="{FF2B5EF4-FFF2-40B4-BE49-F238E27FC236}">
-                <a16:creationId xmlns:a16="http://schemas.microsoft.com/office/drawing/2014/main" id="{13C57213-C7C2-430F-AC7D-8DEA1A61808E}"/>
-              </a:ext>
-            </a:extLst>
-          </p:cNvPr>
-          <p:cNvSpPr/>
-          <p:nvPr/>
-        </p:nvSpPr>
-        <p:spPr>
-          <a:xfrm>
-            <a:off x="3738876" y="4164149"/>
-            <a:ext cx="274396" cy="228743"/>
-          </a:xfrm>
-          <a:prstGeom prst="roundRect">
-            <a:avLst/>
-          </a:prstGeom>
-          <a:solidFill>
-            <a:schemeClr val="bg1">
-              <a:lumMod val="95000"/>
-            </a:schemeClr>
-          </a:solidFill>
-          <a:ln>
-            <a:noFill/>
-          </a:ln>
-        </p:spPr>
-        <p:style>
-          <a:lnRef idx="2">
-            <a:schemeClr val="accent1">
-              <a:shade val="50000"/>
-            </a:schemeClr>
-          </a:lnRef>
-          <a:fillRef idx="1">
-            <a:schemeClr val="accent1"/>
-          </a:fillRef>
-          <a:effectRef idx="0">
-            <a:schemeClr val="accent1"/>
-          </a:effectRef>
-          <a:fontRef idx="minor">
-            <a:schemeClr val="lt1"/>
-          </a:fontRef>
-        </p:style>
-        <p:txBody>
-          <a:bodyPr rtlCol="0" anchor="ctr"/>
-          <a:lstStyle/>
-          <a:p>
-            <a:pPr algn="ctr"/>
-            <a:endParaRPr lang="zh-TW" altLang="en-US"/>
-          </a:p>
-        </p:txBody>
-      </p:sp>
-      <p:sp>
-        <p:nvSpPr>
-          <p:cNvPr id="73" name="矩形: 圓角 72">
-            <a:extLst>
-              <a:ext uri="{FF2B5EF4-FFF2-40B4-BE49-F238E27FC236}">
-                <a16:creationId xmlns:a16="http://schemas.microsoft.com/office/drawing/2014/main" id="{6AB7403E-8C9E-4FE7-86F6-6343EE19A8C7}"/>
-              </a:ext>
-            </a:extLst>
-          </p:cNvPr>
-          <p:cNvSpPr/>
-          <p:nvPr/>
-        </p:nvSpPr>
-        <p:spPr>
-          <a:xfrm>
-            <a:off x="4042672" y="4164149"/>
-            <a:ext cx="274396" cy="228743"/>
-          </a:xfrm>
-          <a:prstGeom prst="roundRect">
-            <a:avLst/>
-          </a:prstGeom>
-          <a:solidFill>
-            <a:schemeClr val="bg1">
-              <a:lumMod val="95000"/>
-            </a:schemeClr>
-          </a:solidFill>
-          <a:ln>
-            <a:noFill/>
-          </a:ln>
-        </p:spPr>
-        <p:style>
-          <a:lnRef idx="2">
-            <a:schemeClr val="accent1">
-              <a:shade val="50000"/>
-            </a:schemeClr>
-          </a:lnRef>
-          <a:fillRef idx="1">
-            <a:schemeClr val="accent1"/>
-          </a:fillRef>
-          <a:effectRef idx="0">
-            <a:schemeClr val="accent1"/>
-          </a:effectRef>
-          <a:fontRef idx="minor">
-            <a:schemeClr val="lt1"/>
-          </a:fontRef>
-        </p:style>
-        <p:txBody>
-          <a:bodyPr rtlCol="0" anchor="ctr"/>
-          <a:lstStyle/>
-          <a:p>
-            <a:pPr algn="ctr"/>
-            <a:endParaRPr lang="zh-TW" altLang="en-US"/>
-          </a:p>
-        </p:txBody>
-      </p:sp>
-      <p:sp>
-        <p:nvSpPr>
-          <p:cNvPr id="74" name="矩形: 圓角 73">
-            <a:extLst>
-              <a:ext uri="{FF2B5EF4-FFF2-40B4-BE49-F238E27FC236}">
-                <a16:creationId xmlns:a16="http://schemas.microsoft.com/office/drawing/2014/main" id="{6226BFC4-D090-4C1E-A904-6413B3E98450}"/>
-              </a:ext>
-            </a:extLst>
-          </p:cNvPr>
-          <p:cNvSpPr/>
-          <p:nvPr/>
-        </p:nvSpPr>
-        <p:spPr>
-          <a:xfrm>
-            <a:off x="4342961" y="4164149"/>
-            <a:ext cx="274396" cy="228743"/>
-          </a:xfrm>
-          <a:prstGeom prst="roundRect">
-            <a:avLst/>
-          </a:prstGeom>
-          <a:solidFill>
-            <a:schemeClr val="bg1">
-              <a:lumMod val="95000"/>
-            </a:schemeClr>
-          </a:solidFill>
-          <a:ln>
-            <a:noFill/>
-          </a:ln>
-        </p:spPr>
-        <p:style>
-          <a:lnRef idx="2">
-            <a:schemeClr val="accent1">
-              <a:shade val="50000"/>
-            </a:schemeClr>
-          </a:lnRef>
-          <a:fillRef idx="1">
-            <a:schemeClr val="accent1"/>
-          </a:fillRef>
-          <a:effectRef idx="0">
-            <a:schemeClr val="accent1"/>
-          </a:effectRef>
-          <a:fontRef idx="minor">
-            <a:schemeClr val="lt1"/>
-          </a:fontRef>
-        </p:style>
-        <p:txBody>
-          <a:bodyPr rtlCol="0" anchor="ctr"/>
-          <a:lstStyle/>
-          <a:p>
-            <a:pPr algn="ctr"/>
-            <a:endParaRPr lang="zh-TW" altLang="en-US"/>
-          </a:p>
-        </p:txBody>
-      </p:sp>
-      <p:sp>
-        <p:nvSpPr>
-          <p:cNvPr id="75" name="矩形: 圓角 74">
-            <a:extLst>
-              <a:ext uri="{FF2B5EF4-FFF2-40B4-BE49-F238E27FC236}">
-                <a16:creationId xmlns:a16="http://schemas.microsoft.com/office/drawing/2014/main" id="{EC8EF776-6BAE-4205-8BF2-08347F5EB61F}"/>
-              </a:ext>
-            </a:extLst>
-          </p:cNvPr>
-          <p:cNvSpPr/>
-          <p:nvPr/>
-        </p:nvSpPr>
-        <p:spPr>
-          <a:xfrm>
-            <a:off x="3136992" y="4416529"/>
-            <a:ext cx="274396" cy="228743"/>
-          </a:xfrm>
-          <a:prstGeom prst="roundRect">
-            <a:avLst/>
-          </a:prstGeom>
-          <a:solidFill>
-            <a:schemeClr val="bg1">
-              <a:lumMod val="95000"/>
-            </a:schemeClr>
-          </a:solidFill>
-          <a:ln>
-            <a:noFill/>
-          </a:ln>
-        </p:spPr>
-        <p:style>
-          <a:lnRef idx="2">
-            <a:schemeClr val="accent1">
-              <a:shade val="50000"/>
-            </a:schemeClr>
-          </a:lnRef>
-          <a:fillRef idx="1">
-            <a:schemeClr val="accent1"/>
-          </a:fillRef>
-          <a:effectRef idx="0">
-            <a:schemeClr val="accent1"/>
-          </a:effectRef>
-          <a:fontRef idx="minor">
-            <a:schemeClr val="lt1"/>
-          </a:fontRef>
-        </p:style>
-        <p:txBody>
-          <a:bodyPr rtlCol="0" anchor="ctr"/>
-          <a:lstStyle/>
-          <a:p>
-            <a:pPr algn="ctr"/>
-            <a:endParaRPr lang="zh-TW" altLang="en-US"/>
-          </a:p>
-        </p:txBody>
-      </p:sp>
-      <p:sp>
-        <p:nvSpPr>
-          <p:cNvPr id="76" name="矩形: 圓角 75">
-            <a:extLst>
-              <a:ext uri="{FF2B5EF4-FFF2-40B4-BE49-F238E27FC236}">
-                <a16:creationId xmlns:a16="http://schemas.microsoft.com/office/drawing/2014/main" id="{0FE972D3-1953-4117-A8F9-D626E7F50544}"/>
-              </a:ext>
-            </a:extLst>
-          </p:cNvPr>
-          <p:cNvSpPr/>
-          <p:nvPr/>
-        </p:nvSpPr>
-        <p:spPr>
-          <a:xfrm>
-            <a:off x="3437788" y="4416529"/>
-            <a:ext cx="274396" cy="228743"/>
-          </a:xfrm>
-          <a:prstGeom prst="roundRect">
-            <a:avLst/>
-          </a:prstGeom>
-          <a:solidFill>
-            <a:schemeClr val="bg1">
-              <a:lumMod val="95000"/>
-            </a:schemeClr>
-          </a:solidFill>
-          <a:ln>
-            <a:noFill/>
-          </a:ln>
-        </p:spPr>
-        <p:style>
-          <a:lnRef idx="2">
-            <a:schemeClr val="accent1">
-              <a:shade val="50000"/>
-            </a:schemeClr>
-          </a:lnRef>
-          <a:fillRef idx="1">
-            <a:schemeClr val="accent1"/>
-          </a:fillRef>
-          <a:effectRef idx="0">
-            <a:schemeClr val="accent1"/>
-          </a:effectRef>
-          <a:fontRef idx="minor">
-            <a:schemeClr val="lt1"/>
-          </a:fontRef>
-        </p:style>
-        <p:txBody>
-          <a:bodyPr rtlCol="0" anchor="ctr"/>
-          <a:lstStyle/>
-          <a:p>
-            <a:pPr algn="ctr"/>
-            <a:endParaRPr lang="zh-TW" altLang="en-US"/>
-          </a:p>
-        </p:txBody>
-      </p:sp>
-      <p:sp>
-        <p:nvSpPr>
-          <p:cNvPr id="77" name="矩形: 圓角 76">
-            <a:extLst>
-              <a:ext uri="{FF2B5EF4-FFF2-40B4-BE49-F238E27FC236}">
-                <a16:creationId xmlns:a16="http://schemas.microsoft.com/office/drawing/2014/main" id="{74DFB6C8-813A-48E1-82A6-9E56C51327C9}"/>
-              </a:ext>
-            </a:extLst>
-          </p:cNvPr>
-          <p:cNvSpPr/>
-          <p:nvPr/>
-        </p:nvSpPr>
-        <p:spPr>
-          <a:xfrm>
-            <a:off x="3738876" y="4416529"/>
-            <a:ext cx="274396" cy="228743"/>
-          </a:xfrm>
-          <a:prstGeom prst="roundRect">
-            <a:avLst/>
-          </a:prstGeom>
-          <a:solidFill>
-            <a:schemeClr val="bg1">
-              <a:lumMod val="95000"/>
-            </a:schemeClr>
-          </a:solidFill>
-          <a:ln>
-            <a:noFill/>
-          </a:ln>
-        </p:spPr>
-        <p:style>
-          <a:lnRef idx="2">
-            <a:schemeClr val="accent1">
-              <a:shade val="50000"/>
-            </a:schemeClr>
-          </a:lnRef>
-          <a:fillRef idx="1">
-            <a:schemeClr val="accent1"/>
-          </a:fillRef>
-          <a:effectRef idx="0">
-            <a:schemeClr val="accent1"/>
-          </a:effectRef>
-          <a:fontRef idx="minor">
-            <a:schemeClr val="lt1"/>
-          </a:fontRef>
-        </p:style>
-        <p:txBody>
-          <a:bodyPr rtlCol="0" anchor="ctr"/>
-          <a:lstStyle/>
-          <a:p>
-            <a:pPr algn="ctr"/>
-            <a:endParaRPr lang="zh-TW" altLang="en-US"/>
-          </a:p>
-        </p:txBody>
-      </p:sp>
-      <p:sp>
-        <p:nvSpPr>
-          <p:cNvPr id="78" name="矩形: 圓角 77">
-            <a:extLst>
-              <a:ext uri="{FF2B5EF4-FFF2-40B4-BE49-F238E27FC236}">
-                <a16:creationId xmlns:a16="http://schemas.microsoft.com/office/drawing/2014/main" id="{728A3F08-0322-4FA6-9541-F2E879D3C414}"/>
-              </a:ext>
-            </a:extLst>
-          </p:cNvPr>
-          <p:cNvSpPr/>
-          <p:nvPr/>
-        </p:nvSpPr>
-        <p:spPr>
-          <a:xfrm>
-            <a:off x="4042672" y="4416529"/>
-            <a:ext cx="274396" cy="228743"/>
-          </a:xfrm>
-          <a:prstGeom prst="roundRect">
-            <a:avLst/>
-          </a:prstGeom>
-          <a:solidFill>
-            <a:schemeClr val="bg1">
-              <a:lumMod val="95000"/>
-            </a:schemeClr>
-          </a:solidFill>
-          <a:ln>
-            <a:noFill/>
-          </a:ln>
-        </p:spPr>
-        <p:style>
-          <a:lnRef idx="2">
-            <a:schemeClr val="accent1">
-              <a:shade val="50000"/>
-            </a:schemeClr>
-          </a:lnRef>
-          <a:fillRef idx="1">
-            <a:schemeClr val="accent1"/>
-          </a:fillRef>
-          <a:effectRef idx="0">
-            <a:schemeClr val="accent1"/>
-          </a:effectRef>
-          <a:fontRef idx="minor">
-            <a:schemeClr val="lt1"/>
-          </a:fontRef>
-        </p:style>
-        <p:txBody>
-          <a:bodyPr rtlCol="0" anchor="ctr"/>
-          <a:lstStyle/>
-          <a:p>
-            <a:pPr algn="ctr"/>
-            <a:endParaRPr lang="zh-TW" altLang="en-US"/>
-          </a:p>
-        </p:txBody>
-      </p:sp>
-      <p:sp>
-        <p:nvSpPr>
-          <p:cNvPr id="79" name="矩形: 圓角 78">
-            <a:extLst>
-              <a:ext uri="{FF2B5EF4-FFF2-40B4-BE49-F238E27FC236}">
-                <a16:creationId xmlns:a16="http://schemas.microsoft.com/office/drawing/2014/main" id="{5BB2A5AE-85E8-499F-9259-A21965279C86}"/>
-              </a:ext>
-            </a:extLst>
-          </p:cNvPr>
-          <p:cNvSpPr/>
-          <p:nvPr/>
-        </p:nvSpPr>
-        <p:spPr>
-          <a:xfrm>
-            <a:off x="4342961" y="4416529"/>
-            <a:ext cx="274396" cy="228743"/>
-          </a:xfrm>
-          <a:prstGeom prst="roundRect">
-            <a:avLst/>
-          </a:prstGeom>
-          <a:solidFill>
-            <a:schemeClr val="bg1">
-              <a:lumMod val="95000"/>
-            </a:schemeClr>
-          </a:solidFill>
-          <a:ln>
-            <a:noFill/>
-          </a:ln>
-        </p:spPr>
-        <p:style>
-          <a:lnRef idx="2">
-            <a:schemeClr val="accent1">
-              <a:shade val="50000"/>
-            </a:schemeClr>
-          </a:lnRef>
-          <a:fillRef idx="1">
-            <a:schemeClr val="accent1"/>
-          </a:fillRef>
-          <a:effectRef idx="0">
-            <a:schemeClr val="accent1"/>
-          </a:effectRef>
-          <a:fontRef idx="minor">
-            <a:schemeClr val="lt1"/>
-          </a:fontRef>
-        </p:style>
-        <p:txBody>
-          <a:bodyPr rtlCol="0" anchor="ctr"/>
-          <a:lstStyle/>
-          <a:p>
-            <a:pPr algn="ctr"/>
-            <a:endParaRPr lang="zh-TW" altLang="en-US"/>
-          </a:p>
-        </p:txBody>
-      </p:sp>
-      <p:sp>
-        <p:nvSpPr>
-          <p:cNvPr id="80" name="矩形: 圓角 79">
-            <a:extLst>
-              <a:ext uri="{FF2B5EF4-FFF2-40B4-BE49-F238E27FC236}">
-                <a16:creationId xmlns:a16="http://schemas.microsoft.com/office/drawing/2014/main" id="{D571E4E1-3C8A-444A-BE6D-C86A546BBC3A}"/>
-              </a:ext>
-            </a:extLst>
-          </p:cNvPr>
-          <p:cNvSpPr/>
-          <p:nvPr/>
-        </p:nvSpPr>
-        <p:spPr>
-          <a:xfrm>
-            <a:off x="3136992" y="4668909"/>
-            <a:ext cx="274396" cy="228743"/>
-          </a:xfrm>
-          <a:prstGeom prst="roundRect">
-            <a:avLst/>
-          </a:prstGeom>
-          <a:solidFill>
-            <a:schemeClr val="bg1">
-              <a:lumMod val="95000"/>
-            </a:schemeClr>
-          </a:solidFill>
-          <a:ln>
-            <a:noFill/>
-          </a:ln>
-        </p:spPr>
-        <p:style>
-          <a:lnRef idx="2">
-            <a:schemeClr val="accent1">
-              <a:shade val="50000"/>
-            </a:schemeClr>
-          </a:lnRef>
-          <a:fillRef idx="1">
-            <a:schemeClr val="accent1"/>
-          </a:fillRef>
-          <a:effectRef idx="0">
-            <a:schemeClr val="accent1"/>
-          </a:effectRef>
-          <a:fontRef idx="minor">
-            <a:schemeClr val="lt1"/>
-          </a:fontRef>
-        </p:style>
-        <p:txBody>
-          <a:bodyPr rtlCol="0" anchor="ctr"/>
-          <a:lstStyle/>
-          <a:p>
-            <a:pPr algn="ctr"/>
-            <a:endParaRPr lang="zh-TW" altLang="en-US"/>
-          </a:p>
-        </p:txBody>
-      </p:sp>
-      <p:sp>
-        <p:nvSpPr>
-          <p:cNvPr id="81" name="矩形: 圓角 80">
-            <a:extLst>
-              <a:ext uri="{FF2B5EF4-FFF2-40B4-BE49-F238E27FC236}">
-                <a16:creationId xmlns:a16="http://schemas.microsoft.com/office/drawing/2014/main" id="{A3B877B7-76EF-405B-950D-75257B3ED0CC}"/>
-              </a:ext>
-            </a:extLst>
-          </p:cNvPr>
-          <p:cNvSpPr/>
-          <p:nvPr/>
-        </p:nvSpPr>
-        <p:spPr>
-          <a:xfrm>
-            <a:off x="3437788" y="4668909"/>
-            <a:ext cx="274396" cy="228743"/>
-          </a:xfrm>
-          <a:prstGeom prst="roundRect">
-            <a:avLst/>
-          </a:prstGeom>
-          <a:solidFill>
-            <a:schemeClr val="bg1">
-              <a:lumMod val="95000"/>
-            </a:schemeClr>
-          </a:solidFill>
-          <a:ln>
-            <a:noFill/>
-          </a:ln>
-        </p:spPr>
-        <p:style>
-          <a:lnRef idx="2">
-            <a:schemeClr val="accent1">
-              <a:shade val="50000"/>
-            </a:schemeClr>
-          </a:lnRef>
-          <a:fillRef idx="1">
-            <a:schemeClr val="accent1"/>
-          </a:fillRef>
-          <a:effectRef idx="0">
-            <a:schemeClr val="accent1"/>
-          </a:effectRef>
-          <a:fontRef idx="minor">
-            <a:schemeClr val="lt1"/>
-          </a:fontRef>
-        </p:style>
-        <p:txBody>
-          <a:bodyPr rtlCol="0" anchor="ctr"/>
-          <a:lstStyle/>
-          <a:p>
-            <a:pPr algn="ctr"/>
-            <a:endParaRPr lang="zh-TW" altLang="en-US"/>
-          </a:p>
-        </p:txBody>
-      </p:sp>
-      <p:sp>
-        <p:nvSpPr>
-          <p:cNvPr id="82" name="矩形: 圓角 81">
-            <a:extLst>
-              <a:ext uri="{FF2B5EF4-FFF2-40B4-BE49-F238E27FC236}">
-                <a16:creationId xmlns:a16="http://schemas.microsoft.com/office/drawing/2014/main" id="{F479E7C4-5C4B-4BD1-89B7-A68481D45DE9}"/>
-              </a:ext>
-            </a:extLst>
-          </p:cNvPr>
-          <p:cNvSpPr/>
-          <p:nvPr/>
-        </p:nvSpPr>
-        <p:spPr>
-          <a:xfrm>
-            <a:off x="3738876" y="4668909"/>
-            <a:ext cx="274396" cy="228743"/>
-          </a:xfrm>
-          <a:prstGeom prst="roundRect">
-            <a:avLst/>
-          </a:prstGeom>
-          <a:solidFill>
-            <a:schemeClr val="bg1">
-              <a:lumMod val="95000"/>
-            </a:schemeClr>
-          </a:solidFill>
-          <a:ln>
-            <a:noFill/>
-          </a:ln>
-        </p:spPr>
-        <p:style>
-          <a:lnRef idx="2">
-            <a:schemeClr val="accent1">
-              <a:shade val="50000"/>
-            </a:schemeClr>
-          </a:lnRef>
-          <a:fillRef idx="1">
-            <a:schemeClr val="accent1"/>
-          </a:fillRef>
-          <a:effectRef idx="0">
-            <a:schemeClr val="accent1"/>
-          </a:effectRef>
-          <a:fontRef idx="minor">
-            <a:schemeClr val="lt1"/>
-          </a:fontRef>
-        </p:style>
-        <p:txBody>
-          <a:bodyPr rtlCol="0" anchor="ctr"/>
-          <a:lstStyle/>
-          <a:p>
-            <a:pPr algn="ctr"/>
-            <a:endParaRPr lang="zh-TW" altLang="en-US"/>
-          </a:p>
-        </p:txBody>
-      </p:sp>
-      <p:sp>
-        <p:nvSpPr>
-          <p:cNvPr id="83" name="矩形: 圓角 82">
-            <a:extLst>
-              <a:ext uri="{FF2B5EF4-FFF2-40B4-BE49-F238E27FC236}">
-                <a16:creationId xmlns:a16="http://schemas.microsoft.com/office/drawing/2014/main" id="{B1490DC4-B3C6-4834-9BCA-0F86D47775D6}"/>
-              </a:ext>
-            </a:extLst>
-          </p:cNvPr>
-          <p:cNvSpPr/>
-          <p:nvPr/>
-        </p:nvSpPr>
-        <p:spPr>
-          <a:xfrm>
-            <a:off x="4042672" y="4668909"/>
-            <a:ext cx="274396" cy="228743"/>
-          </a:xfrm>
-          <a:prstGeom prst="roundRect">
-            <a:avLst/>
-          </a:prstGeom>
-          <a:solidFill>
-            <a:schemeClr val="bg1">
-              <a:lumMod val="95000"/>
-            </a:schemeClr>
-          </a:solidFill>
-          <a:ln>
-            <a:noFill/>
-          </a:ln>
-        </p:spPr>
-        <p:style>
-          <a:lnRef idx="2">
-            <a:schemeClr val="accent1">
-              <a:shade val="50000"/>
-            </a:schemeClr>
-          </a:lnRef>
-          <a:fillRef idx="1">
-            <a:schemeClr val="accent1"/>
-          </a:fillRef>
-          <a:effectRef idx="0">
-            <a:schemeClr val="accent1"/>
-          </a:effectRef>
-          <a:fontRef idx="minor">
-            <a:schemeClr val="lt1"/>
-          </a:fontRef>
-        </p:style>
-        <p:txBody>
-          <a:bodyPr rtlCol="0" anchor="ctr"/>
-          <a:lstStyle/>
-          <a:p>
-            <a:pPr algn="ctr"/>
-            <a:endParaRPr lang="zh-TW" altLang="en-US"/>
-          </a:p>
-        </p:txBody>
-      </p:sp>
-      <p:sp>
-        <p:nvSpPr>
-          <p:cNvPr id="84" name="矩形: 圓角 83">
-            <a:extLst>
-              <a:ext uri="{FF2B5EF4-FFF2-40B4-BE49-F238E27FC236}">
-                <a16:creationId xmlns:a16="http://schemas.microsoft.com/office/drawing/2014/main" id="{EE6114A0-D54E-4CA4-B4F4-C90F0ABF73C2}"/>
-              </a:ext>
-            </a:extLst>
-          </p:cNvPr>
-          <p:cNvSpPr/>
-          <p:nvPr/>
-        </p:nvSpPr>
-        <p:spPr>
-          <a:xfrm>
-            <a:off x="4342961" y="4668909"/>
-            <a:ext cx="274396" cy="228743"/>
-          </a:xfrm>
-          <a:prstGeom prst="roundRect">
-            <a:avLst/>
-          </a:prstGeom>
-          <a:solidFill>
-            <a:schemeClr val="bg1">
-              <a:lumMod val="95000"/>
-            </a:schemeClr>
-          </a:solidFill>
-          <a:ln>
-            <a:noFill/>
-          </a:ln>
-        </p:spPr>
-        <p:style>
-          <a:lnRef idx="2">
-            <a:schemeClr val="accent1">
-              <a:shade val="50000"/>
-            </a:schemeClr>
-          </a:lnRef>
-          <a:fillRef idx="1">
-            <a:schemeClr val="accent1"/>
-          </a:fillRef>
-          <a:effectRef idx="0">
-            <a:schemeClr val="accent1"/>
-          </a:effectRef>
-          <a:fontRef idx="minor">
-            <a:schemeClr val="lt1"/>
-          </a:fontRef>
-        </p:style>
-        <p:txBody>
-          <a:bodyPr rtlCol="0" anchor="ctr"/>
-          <a:lstStyle/>
-          <a:p>
-            <a:pPr algn="ctr"/>
-            <a:endParaRPr lang="zh-TW" altLang="en-US"/>
-          </a:p>
-        </p:txBody>
-      </p:sp>
-      <p:sp>
-        <p:nvSpPr>
-          <p:cNvPr id="85" name="文字方塊 84">
-            <a:extLst>
-              <a:ext uri="{FF2B5EF4-FFF2-40B4-BE49-F238E27FC236}">
-                <a16:creationId xmlns:a16="http://schemas.microsoft.com/office/drawing/2014/main" id="{BE702A85-1C7D-4A17-9B81-5BD1C9F92C76}"/>
-              </a:ext>
-            </a:extLst>
-          </p:cNvPr>
-          <p:cNvSpPr txBox="1"/>
-          <p:nvPr/>
-        </p:nvSpPr>
-        <p:spPr>
-          <a:xfrm>
-            <a:off x="2896367" y="2682578"/>
-            <a:ext cx="2031582" cy="1107996"/>
+        </p:nvPicPr>
+        <p:blipFill rotWithShape="1">
+          <a:blip r:embed="rId15">
+            <a:extLst>
+              <a:ext uri="{BEBA8EAE-BF5A-486C-A8C5-ECC9F3942E4B}">
+                <a14:imgProps xmlns:a14="http://schemas.microsoft.com/office/drawing/2010/main">
+                  <a14:imgLayer r:embed="rId16">
+                    <a14:imgEffect>
+                      <a14:backgroundRemoval t="0" b="100000" l="1683" r="100000">
+                        <a14:foregroundMark x1="40533" y1="34182" x2="49369" y2="57091"/>
+                        <a14:foregroundMark x1="49509" y1="32000" x2="56662" y2="53818"/>
+                        <a14:foregroundMark x1="64376" y1="40121" x2="64937" y2="50182"/>
+                        <a14:foregroundMark x1="74334" y1="36242" x2="43058" y2="48485"/>
+                        <a14:foregroundMark x1="35905" y1="43758" x2="64516" y2="42667"/>
+                        <a14:foregroundMark x1="43478" y1="36970" x2="56942" y2="39515"/>
+                        <a14:foregroundMark x1="17391" y1="35515" x2="56662" y2="37212"/>
+                        <a14:foregroundMark x1="33380" y1="34909" x2="55820" y2="40727"/>
+                        <a14:foregroundMark x1="35203" y1="39879" x2="35203" y2="39879"/>
+                        <a14:foregroundMark x1="35624" y1="40121" x2="36185" y2="40727"/>
+                        <a14:foregroundMark x1="36185" y1="39758" x2="36606" y2="39152"/>
+                        <a14:foregroundMark x1="37868" y1="37939" x2="39551" y2="36970"/>
+                        <a14:foregroundMark x1="42216" y1="36485" x2="41094" y2="36121"/>
+                        <a14:foregroundMark x1="36606" y1="34182" x2="35624" y2="47030"/>
+                        <a14:foregroundMark x1="38569" y1="38545" x2="40533" y2="40848"/>
+                        <a14:foregroundMark x1="54698" y1="38424" x2="51052" y2="61818"/>
+                        <a14:foregroundMark x1="54979" y1="50545" x2="54979" y2="53091"/>
+                        <a14:foregroundMark x1="64937" y1="43273" x2="61010" y2="68000"/>
+                        <a14:foregroundMark x1="61851" y1="40121" x2="56662" y2="56606"/>
+                        <a14:foregroundMark x1="50631" y1="29455" x2="43759" y2="57333"/>
+                        <a14:foregroundMark x1="42216" y1="33212" x2="38850" y2="44970"/>
+                        <a14:foregroundMark x1="38569" y1="32970" x2="29593" y2="51394"/>
+                        <a14:foregroundMark x1="32819" y1="32242" x2="29173" y2="42424"/>
+                        <a14:foregroundMark x1="34081" y1="28364" x2="27349" y2="56727"/>
+                        <a14:foregroundMark x1="62973" y1="28848" x2="65498" y2="48970"/>
+                        <a14:foregroundMark x1="71529" y1="27394" x2="69425" y2="48606"/>
+                        <a14:foregroundMark x1="69004" y1="30424" x2="68583" y2="65697"/>
+                        <a14:foregroundMark x1="70126" y1="51879" x2="62973" y2="75273"/>
+                        <a14:foregroundMark x1="51332" y1="54667" x2="50210" y2="75879"/>
+                        <a14:foregroundMark x1="53156" y1="64485" x2="53156" y2="64485"/>
+                        <a14:foregroundMark x1="53156" y1="63879" x2="53156" y2="63879"/>
+                        <a14:foregroundMark x1="52174" y1="62909" x2="50631" y2="63152"/>
+                        <a14:foregroundMark x1="49930" y1="63394" x2="49369" y2="63394"/>
+                        <a14:foregroundMark x1="49088" y1="63515" x2="49088" y2="63515"/>
+                        <a14:foregroundMark x1="48948" y1="63515" x2="48948" y2="63515"/>
+                        <a14:foregroundMark x1="51052" y1="60485" x2="53997" y2="58545"/>
+                        <a14:foregroundMark x1="60729" y1="56364" x2="61571" y2="56364"/>
+                        <a14:foregroundMark x1="67461" y1="58545" x2="66339" y2="66667"/>
+                        <a14:foregroundMark x1="64937" y1="69697" x2="63394" y2="71515"/>
+                        <a14:foregroundMark x1="56662" y1="71515" x2="48948" y2="71879"/>
+                        <a14:foregroundMark x1="44881" y1="70667" x2="44180" y2="70303"/>
+                        <a14:foregroundMark x1="41655" y1="66061" x2="40813" y2="59636"/>
+                        <a14:foregroundMark x1="40393" y1="51879" x2="40393" y2="51152"/>
+                        <a14:foregroundMark x1="40533" y1="46303" x2="40813" y2="45333"/>
+                        <a14:foregroundMark x1="42356" y1="39515" x2="42777" y2="38424"/>
+                        <a14:foregroundMark x1="44180" y1="32000" x2="44460" y2="30061"/>
+                        <a14:foregroundMark x1="43899" y1="19030" x2="41935" y2="29455"/>
+                        <a14:foregroundMark x1="41935" y1="16364" x2="41935" y2="16364"/>
+                        <a14:foregroundMark x1="40393" y1="16364" x2="38850" y2="29455"/>
+                        <a14:foregroundMark x1="41935" y1="17091" x2="41935" y2="17091"/>
+                        <a14:foregroundMark x1="42356" y1="15515" x2="35624" y2="36606"/>
+                        <a14:foregroundMark x1="40533" y1="16121" x2="37447" y2="30424"/>
+                        <a14:foregroundMark x1="46844" y1="24606" x2="63394" y2="58061"/>
+                        <a14:foregroundMark x1="69705" y1="48485" x2="70407" y2="53455"/>
+                        <a14:foregroundMark x1="73212" y1="37939" x2="79523" y2="63515"/>
+                        <a14:foregroundMark x1="46704" y1="37455" x2="58906" y2="44606"/>
+                        <a14:foregroundMark x1="25386" y1="41455" x2="62132" y2="45939"/>
+                        <a14:foregroundMark x1="58345" y1="21697" x2="46143" y2="53697"/>
+                        <a14:foregroundMark x1="52875" y1="30424" x2="52735" y2="32242"/>
+                        <a14:foregroundMark x1="54979" y1="27515" x2="54979" y2="27515"/>
+                        <a14:foregroundMark x1="54278" y1="25576" x2="53576" y2="25091"/>
+                        <a14:foregroundMark x1="51753" y1="23879" x2="51753" y2="23879"/>
+                        <a14:foregroundMark x1="52454" y1="22182" x2="52454" y2="22182"/>
+                        <a14:foregroundMark x1="53156" y1="20970" x2="53156" y2="20970"/>
+                        <a14:foregroundMark x1="55119" y1="20970" x2="52454" y2="24121"/>
+                        <a14:foregroundMark x1="51332" y1="25455" x2="50912" y2="26424"/>
+                        <a14:foregroundMark x1="50912" y1="27152" x2="50912" y2="28485"/>
+                        <a14:foregroundMark x1="53997" y1="29455" x2="53997" y2="29455"/>
+                        <a14:foregroundMark x1="51753" y1="27030" x2="51753" y2="27030"/>
+                        <a14:foregroundMark x1="55540" y1="26061" x2="55540" y2="26061"/>
+                        <a14:foregroundMark x1="60309" y1="24121" x2="60309" y2="24121"/>
+                        <a14:foregroundMark x1="55400" y1="20364" x2="53857" y2="22667"/>
+                        <a14:foregroundMark x1="53576" y1="28485" x2="53857" y2="29818"/>
+                        <a14:foregroundMark x1="40533" y1="17818" x2="61851" y2="18303"/>
+                        <a14:foregroundMark x1="42216" y1="39030" x2="73773" y2="42667"/>
+                        <a14:backgroundMark x1="28471" y1="8606" x2="28471" y2="8606"/>
+                        <a14:backgroundMark x1="92707" y1="6303" x2="92707" y2="6303"/>
+                        <a14:backgroundMark x1="86676" y1="7030" x2="72370" y2="6061"/>
+                        <a14:backgroundMark x1="14446" y1="1818" x2="7433" y2="7273"/>
+                        <a14:backgroundMark x1="11501" y1="86303" x2="30715" y2="95879"/>
+                        <a14:backgroundMark x1="33380" y1="3152" x2="11501" y2="16727"/>
+                        <a14:backgroundMark x1="90042" y1="86182" x2="64516" y2="99515"/>
+                      </a14:backgroundRemoval>
+                    </a14:imgEffect>
+                  </a14:imgLayer>
+                </a14:imgProps>
+              </a:ext>
+            </a:extLst>
+          </a:blip>
+          <a:srcRect l="2360" r="406"/>
+          <a:stretch/>
+        </p:blipFill>
+        <p:spPr>
+          <a:xfrm>
+            <a:off x="3897559" y="124252"/>
+            <a:ext cx="5439022" cy="6472475"/>
           </a:xfrm>
           <a:prstGeom prst="rect">
             <a:avLst/>
           </a:prstGeom>
-          <a:noFill/>
-        </p:spPr>
-        <p:txBody>
-          <a:bodyPr wrap="none" rtlCol="0">
-            <a:spAutoFit/>
-          </a:bodyPr>
-          <a:lstStyle/>
-          <a:p>
-            <a:r>
-              <a:rPr lang="en-US" altLang="zh-TW" sz="6600" b="1" dirty="0">
-                <a:solidFill>
-                  <a:schemeClr val="bg1"/>
-                </a:solidFill>
-                <a:latin typeface="Broadway" panose="04040905080B02020502" pitchFamily="82" charset="0"/>
-              </a:rPr>
-              <a:t>TDX</a:t>
-            </a:r>
-            <a:endParaRPr lang="zh-TW" altLang="en-US" sz="6600" b="1" dirty="0">
-              <a:solidFill>
-                <a:schemeClr val="bg1"/>
-              </a:solidFill>
-              <a:latin typeface="Broadway" panose="04040905080B02020502" pitchFamily="82" charset="0"/>
-            </a:endParaRPr>
-          </a:p>
-        </p:txBody>
-      </p:sp>
-      <p:sp>
-        <p:nvSpPr>
-          <p:cNvPr id="86" name="文字方塊 85">
-            <a:extLst>
-              <a:ext uri="{FF2B5EF4-FFF2-40B4-BE49-F238E27FC236}">
-                <a16:creationId xmlns:a16="http://schemas.microsoft.com/office/drawing/2014/main" id="{492B7F1D-B475-4280-93B7-56E9BFCA5C23}"/>
-              </a:ext>
-            </a:extLst>
-          </p:cNvPr>
-          <p:cNvSpPr txBox="1"/>
-          <p:nvPr/>
-        </p:nvSpPr>
-        <p:spPr>
-          <a:xfrm rot="19802020">
-            <a:off x="3717545" y="5078437"/>
-            <a:ext cx="1196625" cy="184666"/>
-          </a:xfrm>
-          <a:prstGeom prst="rect">
-            <a:avLst/>
-          </a:prstGeom>
-          <a:noFill/>
-        </p:spPr>
-        <p:txBody>
-          <a:bodyPr wrap="square" rtlCol="0">
-            <a:spAutoFit/>
-          </a:bodyPr>
-          <a:lstStyle/>
-          <a:p>
-            <a:r>
-              <a:rPr lang="en-US" altLang="zh-TW" sz="600" dirty="0" err="1">
-                <a:solidFill>
-                  <a:schemeClr val="bg1"/>
-                </a:solidFill>
-                <a:latin typeface="Calibri" panose="020F0502020204030204" pitchFamily="34" charset="0"/>
-                <a:cs typeface="Calibri" panose="020F0502020204030204" pitchFamily="34" charset="0"/>
-              </a:rPr>
-              <a:t>Github</a:t>
-            </a:r>
-            <a:r>
-              <a:rPr lang="en-US" altLang="zh-TW" sz="600" dirty="0">
-                <a:solidFill>
-                  <a:schemeClr val="bg1"/>
-                </a:solidFill>
-                <a:latin typeface="Calibri" panose="020F0502020204030204" pitchFamily="34" charset="0"/>
-                <a:cs typeface="Calibri" panose="020F0502020204030204" pitchFamily="34" charset="0"/>
-              </a:rPr>
-              <a:t>: </a:t>
-            </a:r>
-            <a:r>
-              <a:rPr lang="en-US" altLang="zh-TW" sz="600" dirty="0" err="1">
-                <a:solidFill>
-                  <a:schemeClr val="bg1"/>
-                </a:solidFill>
-                <a:latin typeface="Calibri" panose="020F0502020204030204" pitchFamily="34" charset="0"/>
-                <a:cs typeface="Calibri" panose="020F0502020204030204" pitchFamily="34" charset="0"/>
-              </a:rPr>
-              <a:t>ChiaJungYeh</a:t>
-            </a:r>
-            <a:r>
-              <a:rPr lang="en-US" altLang="zh-TW" sz="600" dirty="0">
-                <a:solidFill>
-                  <a:schemeClr val="bg1"/>
-                </a:solidFill>
-                <a:latin typeface="Calibri" panose="020F0502020204030204" pitchFamily="34" charset="0"/>
-                <a:cs typeface="Calibri" panose="020F0502020204030204" pitchFamily="34" charset="0"/>
-              </a:rPr>
-              <a:t>/NYCU_TDX</a:t>
-            </a:r>
-            <a:endParaRPr lang="zh-TW" altLang="en-US" sz="600" dirty="0">
-              <a:solidFill>
-                <a:schemeClr val="bg1"/>
-              </a:solidFill>
-              <a:latin typeface="Calibri" panose="020F0502020204030204" pitchFamily="34" charset="0"/>
-              <a:cs typeface="Calibri" panose="020F0502020204030204" pitchFamily="34" charset="0"/>
-            </a:endParaRPr>
-          </a:p>
-        </p:txBody>
-      </p:sp>
+        </p:spPr>
+      </p:pic>
     </p:spTree>
     <p:extLst>
       <p:ext uri="{BB962C8B-B14F-4D97-AF65-F5344CB8AC3E}">

--- a/figure/TDX Icon.pptx
+++ b/figure/TDX Icon.pptx
@@ -6,6 +6,8 @@
   </p:sldMasterIdLst>
   <p:sldIdLst>
     <p:sldId id="256" r:id="rId2"/>
+    <p:sldId id="258" r:id="rId3"/>
+    <p:sldId id="257" r:id="rId4"/>
   </p:sldIdLst>
   <p:sldSz cx="12192000" cy="6858000"/>
   <p:notesSz cx="6858000" cy="9144000"/>
@@ -259,7 +261,7 @@
           <a:p>
             <a:fld id="{B9D02C58-344E-4FB0-BCB3-AC66D8D6007F}" type="datetimeFigureOut">
               <a:rPr lang="zh-TW" altLang="en-US" smtClean="0"/>
-              <a:t>2022/4/2</a:t>
+              <a:t>2022/6/2</a:t>
             </a:fld>
             <a:endParaRPr lang="zh-TW" altLang="en-US"/>
           </a:p>
@@ -457,7 +459,7 @@
           <a:p>
             <a:fld id="{B9D02C58-344E-4FB0-BCB3-AC66D8D6007F}" type="datetimeFigureOut">
               <a:rPr lang="zh-TW" altLang="en-US" smtClean="0"/>
-              <a:t>2022/4/2</a:t>
+              <a:t>2022/6/2</a:t>
             </a:fld>
             <a:endParaRPr lang="zh-TW" altLang="en-US"/>
           </a:p>
@@ -665,7 +667,7 @@
           <a:p>
             <a:fld id="{B9D02C58-344E-4FB0-BCB3-AC66D8D6007F}" type="datetimeFigureOut">
               <a:rPr lang="zh-TW" altLang="en-US" smtClean="0"/>
-              <a:t>2022/4/2</a:t>
+              <a:t>2022/6/2</a:t>
             </a:fld>
             <a:endParaRPr lang="zh-TW" altLang="en-US"/>
           </a:p>
@@ -863,7 +865,7 @@
           <a:p>
             <a:fld id="{B9D02C58-344E-4FB0-BCB3-AC66D8D6007F}" type="datetimeFigureOut">
               <a:rPr lang="zh-TW" altLang="en-US" smtClean="0"/>
-              <a:t>2022/4/2</a:t>
+              <a:t>2022/6/2</a:t>
             </a:fld>
             <a:endParaRPr lang="zh-TW" altLang="en-US"/>
           </a:p>
@@ -1138,7 +1140,7 @@
           <a:p>
             <a:fld id="{B9D02C58-344E-4FB0-BCB3-AC66D8D6007F}" type="datetimeFigureOut">
               <a:rPr lang="zh-TW" altLang="en-US" smtClean="0"/>
-              <a:t>2022/4/2</a:t>
+              <a:t>2022/6/2</a:t>
             </a:fld>
             <a:endParaRPr lang="zh-TW" altLang="en-US"/>
           </a:p>
@@ -1403,7 +1405,7 @@
           <a:p>
             <a:fld id="{B9D02C58-344E-4FB0-BCB3-AC66D8D6007F}" type="datetimeFigureOut">
               <a:rPr lang="zh-TW" altLang="en-US" smtClean="0"/>
-              <a:t>2022/4/2</a:t>
+              <a:t>2022/6/2</a:t>
             </a:fld>
             <a:endParaRPr lang="zh-TW" altLang="en-US"/>
           </a:p>
@@ -1815,7 +1817,7 @@
           <a:p>
             <a:fld id="{B9D02C58-344E-4FB0-BCB3-AC66D8D6007F}" type="datetimeFigureOut">
               <a:rPr lang="zh-TW" altLang="en-US" smtClean="0"/>
-              <a:t>2022/4/2</a:t>
+              <a:t>2022/6/2</a:t>
             </a:fld>
             <a:endParaRPr lang="zh-TW" altLang="en-US"/>
           </a:p>
@@ -1956,7 +1958,7 @@
           <a:p>
             <a:fld id="{B9D02C58-344E-4FB0-BCB3-AC66D8D6007F}" type="datetimeFigureOut">
               <a:rPr lang="zh-TW" altLang="en-US" smtClean="0"/>
-              <a:t>2022/4/2</a:t>
+              <a:t>2022/6/2</a:t>
             </a:fld>
             <a:endParaRPr lang="zh-TW" altLang="en-US"/>
           </a:p>
@@ -2069,7 +2071,7 @@
           <a:p>
             <a:fld id="{B9D02C58-344E-4FB0-BCB3-AC66D8D6007F}" type="datetimeFigureOut">
               <a:rPr lang="zh-TW" altLang="en-US" smtClean="0"/>
-              <a:t>2022/4/2</a:t>
+              <a:t>2022/6/2</a:t>
             </a:fld>
             <a:endParaRPr lang="zh-TW" altLang="en-US"/>
           </a:p>
@@ -2380,7 +2382,7 @@
           <a:p>
             <a:fld id="{B9D02C58-344E-4FB0-BCB3-AC66D8D6007F}" type="datetimeFigureOut">
               <a:rPr lang="zh-TW" altLang="en-US" smtClean="0"/>
-              <a:t>2022/4/2</a:t>
+              <a:t>2022/6/2</a:t>
             </a:fld>
             <a:endParaRPr lang="zh-TW" altLang="en-US"/>
           </a:p>
@@ -2668,7 +2670,7 @@
           <a:p>
             <a:fld id="{B9D02C58-344E-4FB0-BCB3-AC66D8D6007F}" type="datetimeFigureOut">
               <a:rPr lang="zh-TW" altLang="en-US" smtClean="0"/>
-              <a:t>2022/4/2</a:t>
+              <a:t>2022/6/2</a:t>
             </a:fld>
             <a:endParaRPr lang="zh-TW" altLang="en-US"/>
           </a:p>
@@ -2909,7 +2911,7 @@
           <a:p>
             <a:fld id="{B9D02C58-344E-4FB0-BCB3-AC66D8D6007F}" type="datetimeFigureOut">
               <a:rPr lang="zh-TW" altLang="en-US" smtClean="0"/>
-              <a:t>2022/4/2</a:t>
+              <a:t>2022/6/2</a:t>
             </a:fld>
             <a:endParaRPr lang="zh-TW" altLang="en-US"/>
           </a:p>
@@ -6628,12 +6630,231 @@
           </a:p>
         </p:txBody>
       </p:sp>
+    </p:spTree>
+    <p:extLst>
+      <p:ext uri="{BB962C8B-B14F-4D97-AF65-F5344CB8AC3E}">
+        <p14:creationId xmlns:p14="http://schemas.microsoft.com/office/powerpoint/2010/main" val="4244024987"/>
+      </p:ext>
+    </p:extLst>
+  </p:cSld>
+  <p:clrMapOvr>
+    <a:masterClrMapping/>
+  </p:clrMapOvr>
+</p:sld>
+</file>
+
+<file path=ppt/slides/slide2.xml><?xml version="1.0" encoding="utf-8"?>
+<p:sld xmlns:a="http://schemas.openxmlformats.org/drawingml/2006/main" xmlns:r="http://schemas.openxmlformats.org/officeDocument/2006/relationships" xmlns:p="http://schemas.openxmlformats.org/presentationml/2006/main">
+  <p:cSld>
+    <p:spTree>
+      <p:nvGrpSpPr>
+        <p:cNvPr id="1" name=""/>
+        <p:cNvGrpSpPr/>
+        <p:nvPr/>
+      </p:nvGrpSpPr>
+      <p:grpSpPr>
+        <a:xfrm>
+          <a:off x="0" y="0"/>
+          <a:ext cx="0" cy="0"/>
+          <a:chOff x="0" y="0"/>
+          <a:chExt cx="0" cy="0"/>
+        </a:xfrm>
+      </p:grpSpPr>
+      <p:sp>
+        <p:nvSpPr>
+          <p:cNvPr id="15" name="矩形 14">
+            <a:extLst>
+              <a:ext uri="{FF2B5EF4-FFF2-40B4-BE49-F238E27FC236}">
+                <a16:creationId xmlns:a16="http://schemas.microsoft.com/office/drawing/2014/main" id="{D24116C1-9498-4B61-B321-7BC19E4BC496}"/>
+              </a:ext>
+            </a:extLst>
+          </p:cNvPr>
+          <p:cNvSpPr/>
+          <p:nvPr/>
+        </p:nvSpPr>
+        <p:spPr>
+          <a:xfrm>
+            <a:off x="1741250" y="509512"/>
+            <a:ext cx="4270443" cy="5031212"/>
+          </a:xfrm>
+          <a:prstGeom prst="rect">
+            <a:avLst/>
+          </a:prstGeom>
+          <a:solidFill>
+            <a:schemeClr val="bg1"/>
+          </a:solidFill>
+          <a:ln>
+            <a:noFill/>
+          </a:ln>
+        </p:spPr>
+        <p:style>
+          <a:lnRef idx="2">
+            <a:schemeClr val="accent1">
+              <a:shade val="50000"/>
+            </a:schemeClr>
+          </a:lnRef>
+          <a:fillRef idx="1">
+            <a:schemeClr val="accent1"/>
+          </a:fillRef>
+          <a:effectRef idx="0">
+            <a:schemeClr val="accent1"/>
+          </a:effectRef>
+          <a:fontRef idx="minor">
+            <a:schemeClr val="lt1"/>
+          </a:fontRef>
+        </p:style>
+        <p:txBody>
+          <a:bodyPr rtlCol="0" anchor="ctr"/>
+          <a:lstStyle/>
+          <a:p>
+            <a:pPr algn="ctr"/>
+            <a:endParaRPr lang="zh-TW" altLang="en-US"/>
+          </a:p>
+        </p:txBody>
+      </p:sp>
+      <p:sp>
+        <p:nvSpPr>
+          <p:cNvPr id="4" name="六邊形 3">
+            <a:extLst>
+              <a:ext uri="{FF2B5EF4-FFF2-40B4-BE49-F238E27FC236}">
+                <a16:creationId xmlns:a16="http://schemas.microsoft.com/office/drawing/2014/main" id="{9C9E3543-C6EB-4306-BF68-657E9B327668}"/>
+              </a:ext>
+            </a:extLst>
+          </p:cNvPr>
+          <p:cNvSpPr/>
+          <p:nvPr/>
+        </p:nvSpPr>
+        <p:spPr>
+          <a:xfrm rot="19819886">
+            <a:off x="1484253" y="908465"/>
+            <a:ext cx="4798034" cy="4256460"/>
+          </a:xfrm>
+          <a:prstGeom prst="hexagon">
+            <a:avLst>
+              <a:gd name="adj" fmla="val 28025"/>
+              <a:gd name="vf" fmla="val 115470"/>
+            </a:avLst>
+          </a:prstGeom>
+          <a:solidFill>
+            <a:schemeClr val="accent5">
+              <a:lumMod val="50000"/>
+            </a:schemeClr>
+          </a:solidFill>
+          <a:ln w="38100">
+            <a:solidFill>
+              <a:srgbClr val="00153E"/>
+            </a:solidFill>
+          </a:ln>
+        </p:spPr>
+        <p:style>
+          <a:lnRef idx="2">
+            <a:schemeClr val="accent1">
+              <a:shade val="50000"/>
+            </a:schemeClr>
+          </a:lnRef>
+          <a:fillRef idx="1">
+            <a:schemeClr val="accent1"/>
+          </a:fillRef>
+          <a:effectRef idx="0">
+            <a:schemeClr val="accent1"/>
+          </a:effectRef>
+          <a:fontRef idx="minor">
+            <a:schemeClr val="lt1"/>
+          </a:fontRef>
+        </p:style>
+        <p:txBody>
+          <a:bodyPr rtlCol="0" anchor="ctr"/>
+          <a:lstStyle/>
+          <a:p>
+            <a:pPr algn="ctr"/>
+            <a:endParaRPr lang="zh-TW" altLang="en-US" dirty="0"/>
+          </a:p>
+        </p:txBody>
+      </p:sp>
+      <p:sp>
+        <p:nvSpPr>
+          <p:cNvPr id="12" name="矩形: 圓角 11">
+            <a:extLst>
+              <a:ext uri="{FF2B5EF4-FFF2-40B4-BE49-F238E27FC236}">
+                <a16:creationId xmlns:a16="http://schemas.microsoft.com/office/drawing/2014/main" id="{548368CB-2BAC-472E-B673-AE7902DFA1FD}"/>
+              </a:ext>
+            </a:extLst>
+          </p:cNvPr>
+          <p:cNvSpPr/>
+          <p:nvPr/>
+        </p:nvSpPr>
+        <p:spPr>
+          <a:xfrm>
+            <a:off x="1928740" y="1159171"/>
+            <a:ext cx="3908180" cy="3647223"/>
+          </a:xfrm>
+          <a:prstGeom prst="roundRect">
+            <a:avLst>
+              <a:gd name="adj" fmla="val 0"/>
+            </a:avLst>
+          </a:prstGeom>
+          <a:blipFill dpi="0" rotWithShape="1">
+            <a:blip r:embed="rId2">
+              <a:alphaModFix amt="15000"/>
+            </a:blip>
+            <a:srcRect/>
+            <a:stretch>
+              <a:fillRect/>
+            </a:stretch>
+          </a:blipFill>
+          <a:ln>
+            <a:noFill/>
+          </a:ln>
+          <a:effectLst>
+            <a:outerShdw blurRad="63500" dist="152400" dir="8100000" sx="102000" sy="102000" algn="tr" rotWithShape="0">
+              <a:prstClr val="black">
+                <a:alpha val="42000"/>
+              </a:prstClr>
+            </a:outerShdw>
+          </a:effectLst>
+          <a:scene3d>
+            <a:camera prst="orthographicFront">
+              <a:rot lat="0" lon="0" rev="0"/>
+            </a:camera>
+            <a:lightRig rig="balanced" dir="t">
+              <a:rot lat="0" lon="0" rev="8700000"/>
+            </a:lightRig>
+          </a:scene3d>
+          <a:sp3d>
+            <a:bevelT w="190500" h="38100"/>
+          </a:sp3d>
+        </p:spPr>
+        <p:style>
+          <a:lnRef idx="2">
+            <a:schemeClr val="accent1">
+              <a:shade val="50000"/>
+            </a:schemeClr>
+          </a:lnRef>
+          <a:fillRef idx="1">
+            <a:schemeClr val="accent1"/>
+          </a:fillRef>
+          <a:effectRef idx="0">
+            <a:schemeClr val="accent1"/>
+          </a:effectRef>
+          <a:fontRef idx="minor">
+            <a:schemeClr val="lt1"/>
+          </a:fontRef>
+        </p:style>
+        <p:txBody>
+          <a:bodyPr rtlCol="0" anchor="ctr"/>
+          <a:lstStyle/>
+          <a:p>
+            <a:pPr algn="ctr"/>
+            <a:endParaRPr lang="zh-TW" altLang="en-US"/>
+          </a:p>
+        </p:txBody>
+      </p:sp>
       <p:pic>
         <p:nvPicPr>
-          <p:cNvPr id="17" name="圖片 16">
-            <a:extLst>
-              <a:ext uri="{FF2B5EF4-FFF2-40B4-BE49-F238E27FC236}">
-                <a16:creationId xmlns:a16="http://schemas.microsoft.com/office/drawing/2014/main" id="{79CEBFEB-5B30-4ECA-B938-8936CBEE610C}"/>
+          <p:cNvPr id="7" name="圖片 6">
+            <a:extLst>
+              <a:ext uri="{FF2B5EF4-FFF2-40B4-BE49-F238E27FC236}">
+                <a16:creationId xmlns:a16="http://schemas.microsoft.com/office/drawing/2014/main" id="{29FED440-ADD2-4A67-A4E1-54FA7257790A}"/>
               </a:ext>
             </a:extLst>
           </p:cNvPr>
@@ -6642,110 +6863,3231 @@
           </p:cNvPicPr>
           <p:nvPr/>
         </p:nvPicPr>
+        <p:blipFill>
+          <a:blip r:embed="rId3"/>
+          <a:stretch>
+            <a:fillRect/>
+          </a:stretch>
+        </p:blipFill>
+        <p:spPr>
+          <a:xfrm>
+            <a:off x="10383973" y="1228947"/>
+            <a:ext cx="1294353" cy="1294353"/>
+          </a:xfrm>
+          <a:prstGeom prst="rect">
+            <a:avLst/>
+          </a:prstGeom>
+        </p:spPr>
+      </p:pic>
+      <p:sp>
+        <p:nvSpPr>
+          <p:cNvPr id="10" name="文字方塊 9">
+            <a:extLst>
+              <a:ext uri="{FF2B5EF4-FFF2-40B4-BE49-F238E27FC236}">
+                <a16:creationId xmlns:a16="http://schemas.microsoft.com/office/drawing/2014/main" id="{E66B1CB1-EDA2-4494-96F9-A71FE6B3B3F5}"/>
+              </a:ext>
+            </a:extLst>
+          </p:cNvPr>
+          <p:cNvSpPr txBox="1"/>
+          <p:nvPr/>
+        </p:nvSpPr>
+        <p:spPr>
+          <a:xfrm rot="21598175">
+            <a:off x="10823380" y="1265538"/>
+            <a:ext cx="437940" cy="261610"/>
+          </a:xfrm>
+          <a:prstGeom prst="rect">
+            <a:avLst/>
+          </a:prstGeom>
+          <a:noFill/>
+        </p:spPr>
+        <p:txBody>
+          <a:bodyPr wrap="none" rtlCol="0">
+            <a:spAutoFit/>
+          </a:bodyPr>
+          <a:lstStyle/>
+          <a:p>
+            <a:r>
+              <a:rPr lang="en-US" altLang="zh-TW" sz="1050" dirty="0">
+                <a:latin typeface="Franklin Gothic Heavy" panose="020B0903020102020204" pitchFamily="34" charset="0"/>
+              </a:rPr>
+              <a:t>TDX</a:t>
+            </a:r>
+            <a:endParaRPr lang="zh-TW" altLang="en-US" sz="1050" dirty="0">
+              <a:latin typeface="Franklin Gothic Heavy" panose="020B0903020102020204" pitchFamily="34" charset="0"/>
+            </a:endParaRPr>
+          </a:p>
+        </p:txBody>
+      </p:sp>
+      <p:pic>
+        <p:nvPicPr>
+          <p:cNvPr id="13" name="圖片 12">
+            <a:extLst>
+              <a:ext uri="{FF2B5EF4-FFF2-40B4-BE49-F238E27FC236}">
+                <a16:creationId xmlns:a16="http://schemas.microsoft.com/office/drawing/2014/main" id="{26F26B71-68CD-4294-8807-1D4B62697CCA}"/>
+              </a:ext>
+            </a:extLst>
+          </p:cNvPr>
+          <p:cNvPicPr>
+            <a:picLocks noChangeAspect="1"/>
+          </p:cNvPicPr>
+          <p:nvPr/>
+        </p:nvPicPr>
+        <p:blipFill>
+          <a:blip r:embed="rId4"/>
+          <a:stretch>
+            <a:fillRect/>
+          </a:stretch>
+        </p:blipFill>
+        <p:spPr>
+          <a:xfrm>
+            <a:off x="9195510" y="120186"/>
+            <a:ext cx="1684620" cy="1684620"/>
+          </a:xfrm>
+          <a:prstGeom prst="rect">
+            <a:avLst/>
+          </a:prstGeom>
+        </p:spPr>
+      </p:pic>
+      <p:sp>
+        <p:nvSpPr>
+          <p:cNvPr id="14" name="文字方塊 13">
+            <a:extLst>
+              <a:ext uri="{FF2B5EF4-FFF2-40B4-BE49-F238E27FC236}">
+                <a16:creationId xmlns:a16="http://schemas.microsoft.com/office/drawing/2014/main" id="{36CA425F-87E9-4946-BFBF-FD24D1C1092A}"/>
+              </a:ext>
+            </a:extLst>
+          </p:cNvPr>
+          <p:cNvSpPr txBox="1"/>
+          <p:nvPr/>
+        </p:nvSpPr>
+        <p:spPr>
+          <a:xfrm rot="21586071">
+            <a:off x="9823728" y="262450"/>
+            <a:ext cx="415498" cy="246221"/>
+          </a:xfrm>
+          <a:prstGeom prst="rect">
+            <a:avLst/>
+          </a:prstGeom>
+          <a:noFill/>
+        </p:spPr>
+        <p:txBody>
+          <a:bodyPr wrap="none" rtlCol="0">
+            <a:spAutoFit/>
+          </a:bodyPr>
+          <a:lstStyle/>
+          <a:p>
+            <a:r>
+              <a:rPr lang="en-US" altLang="zh-TW" sz="1000" dirty="0">
+                <a:latin typeface="Franklin Gothic Heavy" panose="020B0903020102020204" pitchFamily="34" charset="0"/>
+              </a:rPr>
+              <a:t>TDX</a:t>
+            </a:r>
+            <a:endParaRPr lang="zh-TW" altLang="en-US" sz="1000" dirty="0">
+              <a:latin typeface="Franklin Gothic Heavy" panose="020B0903020102020204" pitchFamily="34" charset="0"/>
+            </a:endParaRPr>
+          </a:p>
+        </p:txBody>
+      </p:sp>
+      <p:pic>
+        <p:nvPicPr>
+          <p:cNvPr id="18" name="圖片 17">
+            <a:extLst>
+              <a:ext uri="{FF2B5EF4-FFF2-40B4-BE49-F238E27FC236}">
+                <a16:creationId xmlns:a16="http://schemas.microsoft.com/office/drawing/2014/main" id="{200EB1B5-01E5-4B69-8983-7AF6BF00597A}"/>
+              </a:ext>
+            </a:extLst>
+          </p:cNvPr>
+          <p:cNvPicPr>
+            <a:picLocks noChangeAspect="1"/>
+          </p:cNvPicPr>
+          <p:nvPr/>
+        </p:nvPicPr>
+        <p:blipFill>
+          <a:blip r:embed="rId5">
+            <a:lum bright="70000" contrast="-70000"/>
+          </a:blip>
+          <a:stretch>
+            <a:fillRect/>
+          </a:stretch>
+        </p:blipFill>
+        <p:spPr>
+          <a:xfrm rot="19817649">
+            <a:off x="8472343" y="5731996"/>
+            <a:ext cx="572119" cy="574085"/>
+          </a:xfrm>
+          <a:prstGeom prst="rect">
+            <a:avLst/>
+          </a:prstGeom>
+        </p:spPr>
+      </p:pic>
+      <p:pic>
+        <p:nvPicPr>
+          <p:cNvPr id="20" name="圖片 19">
+            <a:extLst>
+              <a:ext uri="{FF2B5EF4-FFF2-40B4-BE49-F238E27FC236}">
+                <a16:creationId xmlns:a16="http://schemas.microsoft.com/office/drawing/2014/main" id="{763DB938-26E7-49CC-917F-606F20BD3A47}"/>
+              </a:ext>
+            </a:extLst>
+          </p:cNvPr>
+          <p:cNvPicPr>
+            <a:picLocks noChangeAspect="1"/>
+          </p:cNvPicPr>
+          <p:nvPr/>
+        </p:nvPicPr>
+        <p:blipFill>
+          <a:blip r:embed="rId6"/>
+          <a:stretch>
+            <a:fillRect/>
+          </a:stretch>
+        </p:blipFill>
+        <p:spPr>
+          <a:xfrm>
+            <a:off x="8508151" y="1947438"/>
+            <a:ext cx="1259258" cy="1259258"/>
+          </a:xfrm>
+          <a:prstGeom prst="rect">
+            <a:avLst/>
+          </a:prstGeom>
+        </p:spPr>
+      </p:pic>
+      <p:sp>
+        <p:nvSpPr>
+          <p:cNvPr id="21" name="文字方塊 20">
+            <a:extLst>
+              <a:ext uri="{FF2B5EF4-FFF2-40B4-BE49-F238E27FC236}">
+                <a16:creationId xmlns:a16="http://schemas.microsoft.com/office/drawing/2014/main" id="{8CE0DF61-384D-4AFA-8AC7-9DD9661A41FE}"/>
+              </a:ext>
+            </a:extLst>
+          </p:cNvPr>
+          <p:cNvSpPr txBox="1"/>
+          <p:nvPr/>
+        </p:nvSpPr>
+        <p:spPr>
+          <a:xfrm rot="2696297">
+            <a:off x="9236654" y="1997165"/>
+            <a:ext cx="249336" cy="646331"/>
+          </a:xfrm>
+          <a:prstGeom prst="rect">
+            <a:avLst/>
+          </a:prstGeom>
+          <a:noFill/>
+        </p:spPr>
+        <p:txBody>
+          <a:bodyPr wrap="square" rtlCol="0">
+            <a:spAutoFit/>
+          </a:bodyPr>
+          <a:lstStyle/>
+          <a:p>
+            <a:r>
+              <a:rPr lang="en-US" altLang="zh-TW" sz="1200" dirty="0">
+                <a:solidFill>
+                  <a:schemeClr val="bg1"/>
+                </a:solidFill>
+                <a:latin typeface="Franklin Gothic Heavy" panose="020B0903020102020204" pitchFamily="34" charset="0"/>
+              </a:rPr>
+              <a:t>TDX</a:t>
+            </a:r>
+            <a:endParaRPr lang="zh-TW" altLang="en-US" sz="1200" dirty="0">
+              <a:solidFill>
+                <a:schemeClr val="bg1"/>
+              </a:solidFill>
+              <a:latin typeface="Franklin Gothic Heavy" panose="020B0903020102020204" pitchFamily="34" charset="0"/>
+            </a:endParaRPr>
+          </a:p>
+        </p:txBody>
+      </p:sp>
+      <p:pic>
+        <p:nvPicPr>
+          <p:cNvPr id="22" name="圖片 21">
+            <a:extLst>
+              <a:ext uri="{FF2B5EF4-FFF2-40B4-BE49-F238E27FC236}">
+                <a16:creationId xmlns:a16="http://schemas.microsoft.com/office/drawing/2014/main" id="{5FAD9846-8C6D-4C57-B600-E39E8E015EC0}"/>
+              </a:ext>
+            </a:extLst>
+          </p:cNvPr>
+          <p:cNvPicPr>
+            <a:picLocks noChangeAspect="1"/>
+          </p:cNvPicPr>
+          <p:nvPr/>
+        </p:nvPicPr>
+        <p:blipFill>
+          <a:blip r:embed="rId7">
+            <a:lum bright="70000" contrast="-70000"/>
+          </a:blip>
+          <a:stretch>
+            <a:fillRect/>
+          </a:stretch>
+        </p:blipFill>
+        <p:spPr>
+          <a:xfrm>
+            <a:off x="7783994" y="5837950"/>
+            <a:ext cx="380726" cy="382574"/>
+          </a:xfrm>
+          <a:prstGeom prst="rect">
+            <a:avLst/>
+          </a:prstGeom>
+        </p:spPr>
+      </p:pic>
+      <p:pic>
+        <p:nvPicPr>
+          <p:cNvPr id="25" name="圖片 24">
+            <a:extLst>
+              <a:ext uri="{FF2B5EF4-FFF2-40B4-BE49-F238E27FC236}">
+                <a16:creationId xmlns:a16="http://schemas.microsoft.com/office/drawing/2014/main" id="{B9737454-F649-4B10-967B-5ADAB9A4ECF2}"/>
+              </a:ext>
+            </a:extLst>
+          </p:cNvPr>
+          <p:cNvPicPr>
+            <a:picLocks noChangeAspect="1"/>
+          </p:cNvPicPr>
+          <p:nvPr/>
+        </p:nvPicPr>
+        <p:blipFill>
+          <a:blip r:embed="rId8"/>
+          <a:stretch>
+            <a:fillRect/>
+          </a:stretch>
+        </p:blipFill>
+        <p:spPr>
+          <a:xfrm>
+            <a:off x="8791528" y="3353948"/>
+            <a:ext cx="3184889" cy="3184889"/>
+          </a:xfrm>
+          <a:prstGeom prst="rect">
+            <a:avLst/>
+          </a:prstGeom>
+        </p:spPr>
+      </p:pic>
+      <p:pic>
+        <p:nvPicPr>
+          <p:cNvPr id="24" name="圖片 23">
+            <a:extLst>
+              <a:ext uri="{FF2B5EF4-FFF2-40B4-BE49-F238E27FC236}">
+                <a16:creationId xmlns:a16="http://schemas.microsoft.com/office/drawing/2014/main" id="{99F69377-64F5-401F-A688-0E234FA4A26D}"/>
+              </a:ext>
+            </a:extLst>
+          </p:cNvPr>
+          <p:cNvPicPr>
+            <a:picLocks noChangeAspect="1"/>
+          </p:cNvPicPr>
+          <p:nvPr/>
+        </p:nvPicPr>
+        <p:blipFill>
+          <a:blip r:embed="rId9"/>
+          <a:stretch>
+            <a:fillRect/>
+          </a:stretch>
+        </p:blipFill>
+        <p:spPr>
+          <a:xfrm>
+            <a:off x="2870368" y="2356959"/>
+            <a:ext cx="2063024" cy="1516916"/>
+          </a:xfrm>
+          <a:prstGeom prst="rect">
+            <a:avLst/>
+          </a:prstGeom>
+        </p:spPr>
+      </p:pic>
+      <p:sp>
+        <p:nvSpPr>
+          <p:cNvPr id="33" name="矩形 32">
+            <a:extLst>
+              <a:ext uri="{FF2B5EF4-FFF2-40B4-BE49-F238E27FC236}">
+                <a16:creationId xmlns:a16="http://schemas.microsoft.com/office/drawing/2014/main" id="{AC166D09-79E9-4A3C-8ECD-741613BD7374}"/>
+              </a:ext>
+            </a:extLst>
+          </p:cNvPr>
+          <p:cNvSpPr/>
+          <p:nvPr/>
+        </p:nvSpPr>
+        <p:spPr>
+          <a:xfrm>
+            <a:off x="3445447" y="2321755"/>
+            <a:ext cx="53859" cy="253805"/>
+          </a:xfrm>
+          <a:prstGeom prst="rect">
+            <a:avLst/>
+          </a:prstGeom>
+          <a:solidFill>
+            <a:schemeClr val="bg1"/>
+          </a:solidFill>
+          <a:ln>
+            <a:noFill/>
+          </a:ln>
+        </p:spPr>
+        <p:style>
+          <a:lnRef idx="2">
+            <a:schemeClr val="accent1">
+              <a:shade val="50000"/>
+            </a:schemeClr>
+          </a:lnRef>
+          <a:fillRef idx="1">
+            <a:schemeClr val="accent1"/>
+          </a:fillRef>
+          <a:effectRef idx="0">
+            <a:schemeClr val="accent1"/>
+          </a:effectRef>
+          <a:fontRef idx="minor">
+            <a:schemeClr val="lt1"/>
+          </a:fontRef>
+        </p:style>
+        <p:txBody>
+          <a:bodyPr rtlCol="0" anchor="ctr"/>
+          <a:lstStyle/>
+          <a:p>
+            <a:pPr algn="ctr"/>
+            <a:endParaRPr lang="zh-TW" altLang="en-US"/>
+          </a:p>
+        </p:txBody>
+      </p:sp>
+      <p:sp>
+        <p:nvSpPr>
+          <p:cNvPr id="35" name="矩形 34">
+            <a:extLst>
+              <a:ext uri="{FF2B5EF4-FFF2-40B4-BE49-F238E27FC236}">
+                <a16:creationId xmlns:a16="http://schemas.microsoft.com/office/drawing/2014/main" id="{C67FC108-43C4-46D2-B5ED-1ED69532ED1C}"/>
+              </a:ext>
+            </a:extLst>
+          </p:cNvPr>
+          <p:cNvSpPr/>
+          <p:nvPr/>
+        </p:nvSpPr>
+        <p:spPr>
+          <a:xfrm rot="2566360">
+            <a:off x="3394127" y="2535237"/>
+            <a:ext cx="45719" cy="191488"/>
+          </a:xfrm>
+          <a:prstGeom prst="rect">
+            <a:avLst/>
+          </a:prstGeom>
+          <a:solidFill>
+            <a:schemeClr val="bg1"/>
+          </a:solidFill>
+          <a:ln>
+            <a:noFill/>
+          </a:ln>
+        </p:spPr>
+        <p:style>
+          <a:lnRef idx="2">
+            <a:schemeClr val="accent1">
+              <a:shade val="50000"/>
+            </a:schemeClr>
+          </a:lnRef>
+          <a:fillRef idx="1">
+            <a:schemeClr val="accent1"/>
+          </a:fillRef>
+          <a:effectRef idx="0">
+            <a:schemeClr val="accent1"/>
+          </a:effectRef>
+          <a:fontRef idx="minor">
+            <a:schemeClr val="lt1"/>
+          </a:fontRef>
+        </p:style>
+        <p:txBody>
+          <a:bodyPr rtlCol="0" anchor="ctr"/>
+          <a:lstStyle/>
+          <a:p>
+            <a:pPr algn="ctr"/>
+            <a:endParaRPr lang="zh-TW" altLang="en-US"/>
+          </a:p>
+        </p:txBody>
+      </p:sp>
+      <p:sp>
+        <p:nvSpPr>
+          <p:cNvPr id="36" name="矩形 35">
+            <a:extLst>
+              <a:ext uri="{FF2B5EF4-FFF2-40B4-BE49-F238E27FC236}">
+                <a16:creationId xmlns:a16="http://schemas.microsoft.com/office/drawing/2014/main" id="{2CE4268E-A6A8-4465-9652-97775B6C7CB6}"/>
+              </a:ext>
+            </a:extLst>
+          </p:cNvPr>
+          <p:cNvSpPr/>
+          <p:nvPr/>
+        </p:nvSpPr>
+        <p:spPr>
+          <a:xfrm>
+            <a:off x="3633659" y="2321755"/>
+            <a:ext cx="53859" cy="253805"/>
+          </a:xfrm>
+          <a:prstGeom prst="rect">
+            <a:avLst/>
+          </a:prstGeom>
+          <a:solidFill>
+            <a:schemeClr val="bg1"/>
+          </a:solidFill>
+          <a:ln>
+            <a:noFill/>
+          </a:ln>
+        </p:spPr>
+        <p:style>
+          <a:lnRef idx="2">
+            <a:schemeClr val="accent1">
+              <a:shade val="50000"/>
+            </a:schemeClr>
+          </a:lnRef>
+          <a:fillRef idx="1">
+            <a:schemeClr val="accent1"/>
+          </a:fillRef>
+          <a:effectRef idx="0">
+            <a:schemeClr val="accent1"/>
+          </a:effectRef>
+          <a:fontRef idx="minor">
+            <a:schemeClr val="lt1"/>
+          </a:fontRef>
+        </p:style>
+        <p:txBody>
+          <a:bodyPr rtlCol="0" anchor="ctr"/>
+          <a:lstStyle/>
+          <a:p>
+            <a:pPr algn="ctr"/>
+            <a:endParaRPr lang="zh-TW" altLang="en-US"/>
+          </a:p>
+        </p:txBody>
+      </p:sp>
+      <p:sp>
+        <p:nvSpPr>
+          <p:cNvPr id="37" name="矩形 36">
+            <a:extLst>
+              <a:ext uri="{FF2B5EF4-FFF2-40B4-BE49-F238E27FC236}">
+                <a16:creationId xmlns:a16="http://schemas.microsoft.com/office/drawing/2014/main" id="{44F8EA21-E972-4172-A9AD-9C320B2F2516}"/>
+              </a:ext>
+            </a:extLst>
+          </p:cNvPr>
+          <p:cNvSpPr/>
+          <p:nvPr/>
+        </p:nvSpPr>
+        <p:spPr>
+          <a:xfrm>
+            <a:off x="3847022" y="2321755"/>
+            <a:ext cx="50537" cy="402395"/>
+          </a:xfrm>
+          <a:prstGeom prst="rect">
+            <a:avLst/>
+          </a:prstGeom>
+          <a:solidFill>
+            <a:schemeClr val="bg1"/>
+          </a:solidFill>
+          <a:ln>
+            <a:noFill/>
+          </a:ln>
+        </p:spPr>
+        <p:style>
+          <a:lnRef idx="2">
+            <a:schemeClr val="accent1">
+              <a:shade val="50000"/>
+            </a:schemeClr>
+          </a:lnRef>
+          <a:fillRef idx="1">
+            <a:schemeClr val="accent1"/>
+          </a:fillRef>
+          <a:effectRef idx="0">
+            <a:schemeClr val="accent1"/>
+          </a:effectRef>
+          <a:fontRef idx="minor">
+            <a:schemeClr val="lt1"/>
+          </a:fontRef>
+        </p:style>
+        <p:txBody>
+          <a:bodyPr rtlCol="0" anchor="ctr"/>
+          <a:lstStyle/>
+          <a:p>
+            <a:pPr algn="ctr"/>
+            <a:endParaRPr lang="zh-TW" altLang="en-US"/>
+          </a:p>
+        </p:txBody>
+      </p:sp>
+      <p:sp>
+        <p:nvSpPr>
+          <p:cNvPr id="39" name="矩形 38">
+            <a:extLst>
+              <a:ext uri="{FF2B5EF4-FFF2-40B4-BE49-F238E27FC236}">
+                <a16:creationId xmlns:a16="http://schemas.microsoft.com/office/drawing/2014/main" id="{00B7424A-8743-4773-ACB3-7D23CF3D8AFF}"/>
+              </a:ext>
+            </a:extLst>
+          </p:cNvPr>
+          <p:cNvSpPr/>
+          <p:nvPr/>
+        </p:nvSpPr>
+        <p:spPr>
+          <a:xfrm>
+            <a:off x="4060385" y="2318385"/>
+            <a:ext cx="54574" cy="257175"/>
+          </a:xfrm>
+          <a:prstGeom prst="rect">
+            <a:avLst/>
+          </a:prstGeom>
+          <a:solidFill>
+            <a:schemeClr val="bg1"/>
+          </a:solidFill>
+          <a:ln>
+            <a:noFill/>
+          </a:ln>
+        </p:spPr>
+        <p:style>
+          <a:lnRef idx="2">
+            <a:schemeClr val="accent1">
+              <a:shade val="50000"/>
+            </a:schemeClr>
+          </a:lnRef>
+          <a:fillRef idx="1">
+            <a:schemeClr val="accent1"/>
+          </a:fillRef>
+          <a:effectRef idx="0">
+            <a:schemeClr val="accent1"/>
+          </a:effectRef>
+          <a:fontRef idx="minor">
+            <a:schemeClr val="lt1"/>
+          </a:fontRef>
+        </p:style>
+        <p:txBody>
+          <a:bodyPr rtlCol="0" anchor="ctr"/>
+          <a:lstStyle/>
+          <a:p>
+            <a:pPr algn="ctr"/>
+            <a:endParaRPr lang="zh-TW" altLang="en-US"/>
+          </a:p>
+        </p:txBody>
+      </p:sp>
+      <p:sp>
+        <p:nvSpPr>
+          <p:cNvPr id="41" name="矩形 40">
+            <a:extLst>
+              <a:ext uri="{FF2B5EF4-FFF2-40B4-BE49-F238E27FC236}">
+                <a16:creationId xmlns:a16="http://schemas.microsoft.com/office/drawing/2014/main" id="{0642159E-962C-4568-BB14-FB2F2017B595}"/>
+              </a:ext>
+            </a:extLst>
+          </p:cNvPr>
+          <p:cNvSpPr/>
+          <p:nvPr/>
+        </p:nvSpPr>
+        <p:spPr>
+          <a:xfrm>
+            <a:off x="4239832" y="2321755"/>
+            <a:ext cx="53859" cy="253805"/>
+          </a:xfrm>
+          <a:prstGeom prst="rect">
+            <a:avLst/>
+          </a:prstGeom>
+          <a:solidFill>
+            <a:schemeClr val="bg1"/>
+          </a:solidFill>
+          <a:ln>
+            <a:noFill/>
+          </a:ln>
+        </p:spPr>
+        <p:style>
+          <a:lnRef idx="2">
+            <a:schemeClr val="accent1">
+              <a:shade val="50000"/>
+            </a:schemeClr>
+          </a:lnRef>
+          <a:fillRef idx="1">
+            <a:schemeClr val="accent1"/>
+          </a:fillRef>
+          <a:effectRef idx="0">
+            <a:schemeClr val="accent1"/>
+          </a:effectRef>
+          <a:fontRef idx="minor">
+            <a:schemeClr val="lt1"/>
+          </a:fontRef>
+        </p:style>
+        <p:txBody>
+          <a:bodyPr rtlCol="0" anchor="ctr"/>
+          <a:lstStyle/>
+          <a:p>
+            <a:pPr algn="ctr"/>
+            <a:endParaRPr lang="zh-TW" altLang="en-US"/>
+          </a:p>
+        </p:txBody>
+      </p:sp>
+      <p:sp>
+        <p:nvSpPr>
+          <p:cNvPr id="42" name="矩形 41">
+            <a:extLst>
+              <a:ext uri="{FF2B5EF4-FFF2-40B4-BE49-F238E27FC236}">
+                <a16:creationId xmlns:a16="http://schemas.microsoft.com/office/drawing/2014/main" id="{9C87E255-379D-4D49-95AD-745E13015228}"/>
+              </a:ext>
+            </a:extLst>
+          </p:cNvPr>
+          <p:cNvSpPr/>
+          <p:nvPr/>
+        </p:nvSpPr>
+        <p:spPr>
+          <a:xfrm rot="19318531">
+            <a:off x="4293780" y="2538903"/>
+            <a:ext cx="45719" cy="191488"/>
+          </a:xfrm>
+          <a:prstGeom prst="rect">
+            <a:avLst/>
+          </a:prstGeom>
+          <a:solidFill>
+            <a:schemeClr val="bg1"/>
+          </a:solidFill>
+          <a:ln>
+            <a:noFill/>
+          </a:ln>
+        </p:spPr>
+        <p:style>
+          <a:lnRef idx="2">
+            <a:schemeClr val="accent1">
+              <a:shade val="50000"/>
+            </a:schemeClr>
+          </a:lnRef>
+          <a:fillRef idx="1">
+            <a:schemeClr val="accent1"/>
+          </a:fillRef>
+          <a:effectRef idx="0">
+            <a:schemeClr val="accent1"/>
+          </a:effectRef>
+          <a:fontRef idx="minor">
+            <a:schemeClr val="lt1"/>
+          </a:fontRef>
+        </p:style>
+        <p:txBody>
+          <a:bodyPr rtlCol="0" anchor="ctr"/>
+          <a:lstStyle/>
+          <a:p>
+            <a:pPr algn="ctr"/>
+            <a:endParaRPr lang="zh-TW" altLang="en-US"/>
+          </a:p>
+        </p:txBody>
+      </p:sp>
+      <p:sp>
+        <p:nvSpPr>
+          <p:cNvPr id="43" name="圓形: 空心 42">
+            <a:extLst>
+              <a:ext uri="{FF2B5EF4-FFF2-40B4-BE49-F238E27FC236}">
+                <a16:creationId xmlns:a16="http://schemas.microsoft.com/office/drawing/2014/main" id="{921BED69-6A22-499B-A811-0B14E6D80B1B}"/>
+              </a:ext>
+            </a:extLst>
+          </p:cNvPr>
+          <p:cNvSpPr/>
+          <p:nvPr/>
+        </p:nvSpPr>
+        <p:spPr>
+          <a:xfrm>
+            <a:off x="3582074" y="2567898"/>
+            <a:ext cx="148888" cy="148888"/>
+          </a:xfrm>
+          <a:prstGeom prst="donut">
+            <a:avLst>
+              <a:gd name="adj" fmla="val 27893"/>
+            </a:avLst>
+          </a:prstGeom>
+          <a:solidFill>
+            <a:schemeClr val="bg1"/>
+          </a:solidFill>
+          <a:ln>
+            <a:noFill/>
+          </a:ln>
+        </p:spPr>
+        <p:style>
+          <a:lnRef idx="2">
+            <a:schemeClr val="accent1">
+              <a:shade val="50000"/>
+            </a:schemeClr>
+          </a:lnRef>
+          <a:fillRef idx="1">
+            <a:schemeClr val="accent1"/>
+          </a:fillRef>
+          <a:effectRef idx="0">
+            <a:schemeClr val="accent1"/>
+          </a:effectRef>
+          <a:fontRef idx="minor">
+            <a:schemeClr val="lt1"/>
+          </a:fontRef>
+        </p:style>
+        <p:txBody>
+          <a:bodyPr rtlCol="0" anchor="ctr"/>
+          <a:lstStyle/>
+          <a:p>
+            <a:pPr algn="ctr"/>
+            <a:endParaRPr lang="zh-TW" altLang="en-US">
+              <a:solidFill>
+                <a:schemeClr val="tx1"/>
+              </a:solidFill>
+            </a:endParaRPr>
+          </a:p>
+        </p:txBody>
+      </p:sp>
+      <p:sp>
+        <p:nvSpPr>
+          <p:cNvPr id="45" name="圓形: 空心 44">
+            <a:extLst>
+              <a:ext uri="{FF2B5EF4-FFF2-40B4-BE49-F238E27FC236}">
+                <a16:creationId xmlns:a16="http://schemas.microsoft.com/office/drawing/2014/main" id="{5055840F-0314-4EF6-8444-A525476A1404}"/>
+              </a:ext>
+            </a:extLst>
+          </p:cNvPr>
+          <p:cNvSpPr/>
+          <p:nvPr/>
+        </p:nvSpPr>
+        <p:spPr>
+          <a:xfrm>
+            <a:off x="4008800" y="2567898"/>
+            <a:ext cx="148888" cy="148888"/>
+          </a:xfrm>
+          <a:prstGeom prst="donut">
+            <a:avLst>
+              <a:gd name="adj" fmla="val 27893"/>
+            </a:avLst>
+          </a:prstGeom>
+          <a:solidFill>
+            <a:schemeClr val="bg1"/>
+          </a:solidFill>
+          <a:ln>
+            <a:noFill/>
+          </a:ln>
+        </p:spPr>
+        <p:style>
+          <a:lnRef idx="2">
+            <a:schemeClr val="accent1">
+              <a:shade val="50000"/>
+            </a:schemeClr>
+          </a:lnRef>
+          <a:fillRef idx="1">
+            <a:schemeClr val="accent1"/>
+          </a:fillRef>
+          <a:effectRef idx="0">
+            <a:schemeClr val="accent1"/>
+          </a:effectRef>
+          <a:fontRef idx="minor">
+            <a:schemeClr val="lt1"/>
+          </a:fontRef>
+        </p:style>
+        <p:txBody>
+          <a:bodyPr rtlCol="0" anchor="ctr"/>
+          <a:lstStyle/>
+          <a:p>
+            <a:pPr algn="ctr"/>
+            <a:endParaRPr lang="zh-TW" altLang="en-US">
+              <a:solidFill>
+                <a:schemeClr val="tx1"/>
+              </a:solidFill>
+            </a:endParaRPr>
+          </a:p>
+        </p:txBody>
+      </p:sp>
+      <p:sp>
+        <p:nvSpPr>
+          <p:cNvPr id="48" name="矩形: 圓角 47">
+            <a:extLst>
+              <a:ext uri="{FF2B5EF4-FFF2-40B4-BE49-F238E27FC236}">
+                <a16:creationId xmlns:a16="http://schemas.microsoft.com/office/drawing/2014/main" id="{2E7EF4FB-CC61-4EEB-9AA1-2E7C9A7964BF}"/>
+              </a:ext>
+            </a:extLst>
+          </p:cNvPr>
+          <p:cNvSpPr/>
+          <p:nvPr/>
+        </p:nvSpPr>
+        <p:spPr>
+          <a:xfrm>
+            <a:off x="3136992" y="3911769"/>
+            <a:ext cx="274396" cy="228743"/>
+          </a:xfrm>
+          <a:prstGeom prst="roundRect">
+            <a:avLst/>
+          </a:prstGeom>
+          <a:solidFill>
+            <a:srgbClr val="001F5C"/>
+          </a:solidFill>
+          <a:ln>
+            <a:noFill/>
+          </a:ln>
+        </p:spPr>
+        <p:style>
+          <a:lnRef idx="2">
+            <a:schemeClr val="accent1">
+              <a:shade val="50000"/>
+            </a:schemeClr>
+          </a:lnRef>
+          <a:fillRef idx="1">
+            <a:schemeClr val="accent1"/>
+          </a:fillRef>
+          <a:effectRef idx="0">
+            <a:schemeClr val="accent1"/>
+          </a:effectRef>
+          <a:fontRef idx="minor">
+            <a:schemeClr val="lt1"/>
+          </a:fontRef>
+        </p:style>
+        <p:txBody>
+          <a:bodyPr rtlCol="0" anchor="ctr"/>
+          <a:lstStyle/>
+          <a:p>
+            <a:pPr algn="ctr"/>
+            <a:endParaRPr lang="zh-TW" altLang="en-US"/>
+          </a:p>
+        </p:txBody>
+      </p:sp>
+      <p:sp>
+        <p:nvSpPr>
+          <p:cNvPr id="66" name="矩形: 圓角 65">
+            <a:extLst>
+              <a:ext uri="{FF2B5EF4-FFF2-40B4-BE49-F238E27FC236}">
+                <a16:creationId xmlns:a16="http://schemas.microsoft.com/office/drawing/2014/main" id="{8F3BC039-86CB-47F9-93A6-90591CAF3E3C}"/>
+              </a:ext>
+            </a:extLst>
+          </p:cNvPr>
+          <p:cNvSpPr/>
+          <p:nvPr/>
+        </p:nvSpPr>
+        <p:spPr>
+          <a:xfrm>
+            <a:off x="3437788" y="3911769"/>
+            <a:ext cx="274396" cy="228743"/>
+          </a:xfrm>
+          <a:prstGeom prst="roundRect">
+            <a:avLst/>
+          </a:prstGeom>
+          <a:solidFill>
+            <a:srgbClr val="001F5C"/>
+          </a:solidFill>
+          <a:ln>
+            <a:noFill/>
+          </a:ln>
+        </p:spPr>
+        <p:style>
+          <a:lnRef idx="2">
+            <a:schemeClr val="accent1">
+              <a:shade val="50000"/>
+            </a:schemeClr>
+          </a:lnRef>
+          <a:fillRef idx="1">
+            <a:schemeClr val="accent1"/>
+          </a:fillRef>
+          <a:effectRef idx="0">
+            <a:schemeClr val="accent1"/>
+          </a:effectRef>
+          <a:fontRef idx="minor">
+            <a:schemeClr val="lt1"/>
+          </a:fontRef>
+        </p:style>
+        <p:txBody>
+          <a:bodyPr rtlCol="0" anchor="ctr"/>
+          <a:lstStyle/>
+          <a:p>
+            <a:pPr algn="ctr"/>
+            <a:endParaRPr lang="zh-TW" altLang="en-US"/>
+          </a:p>
+        </p:txBody>
+      </p:sp>
+      <p:sp>
+        <p:nvSpPr>
+          <p:cNvPr id="67" name="矩形: 圓角 66">
+            <a:extLst>
+              <a:ext uri="{FF2B5EF4-FFF2-40B4-BE49-F238E27FC236}">
+                <a16:creationId xmlns:a16="http://schemas.microsoft.com/office/drawing/2014/main" id="{E1435ECB-1F23-4329-B394-9F66CD20FC0F}"/>
+              </a:ext>
+            </a:extLst>
+          </p:cNvPr>
+          <p:cNvSpPr/>
+          <p:nvPr/>
+        </p:nvSpPr>
+        <p:spPr>
+          <a:xfrm>
+            <a:off x="3738876" y="3911769"/>
+            <a:ext cx="274396" cy="228743"/>
+          </a:xfrm>
+          <a:prstGeom prst="roundRect">
+            <a:avLst/>
+          </a:prstGeom>
+          <a:solidFill>
+            <a:srgbClr val="001F5C"/>
+          </a:solidFill>
+          <a:ln>
+            <a:noFill/>
+          </a:ln>
+        </p:spPr>
+        <p:style>
+          <a:lnRef idx="2">
+            <a:schemeClr val="accent1">
+              <a:shade val="50000"/>
+            </a:schemeClr>
+          </a:lnRef>
+          <a:fillRef idx="1">
+            <a:schemeClr val="accent1"/>
+          </a:fillRef>
+          <a:effectRef idx="0">
+            <a:schemeClr val="accent1"/>
+          </a:effectRef>
+          <a:fontRef idx="minor">
+            <a:schemeClr val="lt1"/>
+          </a:fontRef>
+        </p:style>
+        <p:txBody>
+          <a:bodyPr rtlCol="0" anchor="ctr"/>
+          <a:lstStyle/>
+          <a:p>
+            <a:pPr algn="ctr"/>
+            <a:endParaRPr lang="zh-TW" altLang="en-US"/>
+          </a:p>
+        </p:txBody>
+      </p:sp>
+      <p:sp>
+        <p:nvSpPr>
+          <p:cNvPr id="68" name="矩形: 圓角 67">
+            <a:extLst>
+              <a:ext uri="{FF2B5EF4-FFF2-40B4-BE49-F238E27FC236}">
+                <a16:creationId xmlns:a16="http://schemas.microsoft.com/office/drawing/2014/main" id="{7C82B171-AC4C-4423-B12E-758EF7B25817}"/>
+              </a:ext>
+            </a:extLst>
+          </p:cNvPr>
+          <p:cNvSpPr/>
+          <p:nvPr/>
+        </p:nvSpPr>
+        <p:spPr>
+          <a:xfrm>
+            <a:off x="4042672" y="3911769"/>
+            <a:ext cx="274396" cy="228743"/>
+          </a:xfrm>
+          <a:prstGeom prst="roundRect">
+            <a:avLst/>
+          </a:prstGeom>
+          <a:solidFill>
+            <a:srgbClr val="001F5C"/>
+          </a:solidFill>
+          <a:ln>
+            <a:noFill/>
+          </a:ln>
+        </p:spPr>
+        <p:style>
+          <a:lnRef idx="2">
+            <a:schemeClr val="accent1">
+              <a:shade val="50000"/>
+            </a:schemeClr>
+          </a:lnRef>
+          <a:fillRef idx="1">
+            <a:schemeClr val="accent1"/>
+          </a:fillRef>
+          <a:effectRef idx="0">
+            <a:schemeClr val="accent1"/>
+          </a:effectRef>
+          <a:fontRef idx="minor">
+            <a:schemeClr val="lt1"/>
+          </a:fontRef>
+        </p:style>
+        <p:txBody>
+          <a:bodyPr rtlCol="0" anchor="ctr"/>
+          <a:lstStyle/>
+          <a:p>
+            <a:pPr algn="ctr"/>
+            <a:endParaRPr lang="zh-TW" altLang="en-US"/>
+          </a:p>
+        </p:txBody>
+      </p:sp>
+      <p:sp>
+        <p:nvSpPr>
+          <p:cNvPr id="69" name="矩形: 圓角 68">
+            <a:extLst>
+              <a:ext uri="{FF2B5EF4-FFF2-40B4-BE49-F238E27FC236}">
+                <a16:creationId xmlns:a16="http://schemas.microsoft.com/office/drawing/2014/main" id="{3EC56C86-ADEC-40CF-BBAB-65A5CB021CC9}"/>
+              </a:ext>
+            </a:extLst>
+          </p:cNvPr>
+          <p:cNvSpPr/>
+          <p:nvPr/>
+        </p:nvSpPr>
+        <p:spPr>
+          <a:xfrm>
+            <a:off x="4342961" y="3911769"/>
+            <a:ext cx="274396" cy="228743"/>
+          </a:xfrm>
+          <a:prstGeom prst="roundRect">
+            <a:avLst/>
+          </a:prstGeom>
+          <a:solidFill>
+            <a:srgbClr val="001F5C"/>
+          </a:solidFill>
+          <a:ln>
+            <a:noFill/>
+          </a:ln>
+        </p:spPr>
+        <p:style>
+          <a:lnRef idx="2">
+            <a:schemeClr val="accent1">
+              <a:shade val="50000"/>
+            </a:schemeClr>
+          </a:lnRef>
+          <a:fillRef idx="1">
+            <a:schemeClr val="accent1"/>
+          </a:fillRef>
+          <a:effectRef idx="0">
+            <a:schemeClr val="accent1"/>
+          </a:effectRef>
+          <a:fontRef idx="minor">
+            <a:schemeClr val="lt1"/>
+          </a:fontRef>
+        </p:style>
+        <p:txBody>
+          <a:bodyPr rtlCol="0" anchor="ctr"/>
+          <a:lstStyle/>
+          <a:p>
+            <a:pPr algn="ctr"/>
+            <a:endParaRPr lang="zh-TW" altLang="en-US"/>
+          </a:p>
+        </p:txBody>
+      </p:sp>
+      <p:sp>
+        <p:nvSpPr>
+          <p:cNvPr id="70" name="矩形: 圓角 69">
+            <a:extLst>
+              <a:ext uri="{FF2B5EF4-FFF2-40B4-BE49-F238E27FC236}">
+                <a16:creationId xmlns:a16="http://schemas.microsoft.com/office/drawing/2014/main" id="{9BDADC7C-0DD5-40E4-8BAD-4A913950DA04}"/>
+              </a:ext>
+            </a:extLst>
+          </p:cNvPr>
+          <p:cNvSpPr/>
+          <p:nvPr/>
+        </p:nvSpPr>
+        <p:spPr>
+          <a:xfrm>
+            <a:off x="3136992" y="4164149"/>
+            <a:ext cx="274396" cy="228743"/>
+          </a:xfrm>
+          <a:prstGeom prst="roundRect">
+            <a:avLst/>
+          </a:prstGeom>
+          <a:solidFill>
+            <a:schemeClr val="bg1">
+              <a:lumMod val="95000"/>
+            </a:schemeClr>
+          </a:solidFill>
+          <a:ln>
+            <a:noFill/>
+          </a:ln>
+        </p:spPr>
+        <p:style>
+          <a:lnRef idx="2">
+            <a:schemeClr val="accent1">
+              <a:shade val="50000"/>
+            </a:schemeClr>
+          </a:lnRef>
+          <a:fillRef idx="1">
+            <a:schemeClr val="accent1"/>
+          </a:fillRef>
+          <a:effectRef idx="0">
+            <a:schemeClr val="accent1"/>
+          </a:effectRef>
+          <a:fontRef idx="minor">
+            <a:schemeClr val="lt1"/>
+          </a:fontRef>
+        </p:style>
+        <p:txBody>
+          <a:bodyPr rtlCol="0" anchor="ctr"/>
+          <a:lstStyle/>
+          <a:p>
+            <a:pPr algn="ctr"/>
+            <a:endParaRPr lang="zh-TW" altLang="en-US"/>
+          </a:p>
+        </p:txBody>
+      </p:sp>
+      <p:sp>
+        <p:nvSpPr>
+          <p:cNvPr id="71" name="矩形: 圓角 70">
+            <a:extLst>
+              <a:ext uri="{FF2B5EF4-FFF2-40B4-BE49-F238E27FC236}">
+                <a16:creationId xmlns:a16="http://schemas.microsoft.com/office/drawing/2014/main" id="{020CE5BA-DC32-484F-B80B-3D5D9FD9A222}"/>
+              </a:ext>
+            </a:extLst>
+          </p:cNvPr>
+          <p:cNvSpPr/>
+          <p:nvPr/>
+        </p:nvSpPr>
+        <p:spPr>
+          <a:xfrm>
+            <a:off x="3437788" y="4164149"/>
+            <a:ext cx="274396" cy="228743"/>
+          </a:xfrm>
+          <a:prstGeom prst="roundRect">
+            <a:avLst/>
+          </a:prstGeom>
+          <a:solidFill>
+            <a:schemeClr val="bg1">
+              <a:lumMod val="95000"/>
+            </a:schemeClr>
+          </a:solidFill>
+          <a:ln>
+            <a:noFill/>
+          </a:ln>
+        </p:spPr>
+        <p:style>
+          <a:lnRef idx="2">
+            <a:schemeClr val="accent1">
+              <a:shade val="50000"/>
+            </a:schemeClr>
+          </a:lnRef>
+          <a:fillRef idx="1">
+            <a:schemeClr val="accent1"/>
+          </a:fillRef>
+          <a:effectRef idx="0">
+            <a:schemeClr val="accent1"/>
+          </a:effectRef>
+          <a:fontRef idx="minor">
+            <a:schemeClr val="lt1"/>
+          </a:fontRef>
+        </p:style>
+        <p:txBody>
+          <a:bodyPr rtlCol="0" anchor="ctr"/>
+          <a:lstStyle/>
+          <a:p>
+            <a:pPr algn="ctr"/>
+            <a:endParaRPr lang="zh-TW" altLang="en-US"/>
+          </a:p>
+        </p:txBody>
+      </p:sp>
+      <p:sp>
+        <p:nvSpPr>
+          <p:cNvPr id="72" name="矩形: 圓角 71">
+            <a:extLst>
+              <a:ext uri="{FF2B5EF4-FFF2-40B4-BE49-F238E27FC236}">
+                <a16:creationId xmlns:a16="http://schemas.microsoft.com/office/drawing/2014/main" id="{13C57213-C7C2-430F-AC7D-8DEA1A61808E}"/>
+              </a:ext>
+            </a:extLst>
+          </p:cNvPr>
+          <p:cNvSpPr/>
+          <p:nvPr/>
+        </p:nvSpPr>
+        <p:spPr>
+          <a:xfrm>
+            <a:off x="3738876" y="4164149"/>
+            <a:ext cx="274396" cy="228743"/>
+          </a:xfrm>
+          <a:prstGeom prst="roundRect">
+            <a:avLst/>
+          </a:prstGeom>
+          <a:solidFill>
+            <a:schemeClr val="bg1">
+              <a:lumMod val="95000"/>
+            </a:schemeClr>
+          </a:solidFill>
+          <a:ln>
+            <a:noFill/>
+          </a:ln>
+        </p:spPr>
+        <p:style>
+          <a:lnRef idx="2">
+            <a:schemeClr val="accent1">
+              <a:shade val="50000"/>
+            </a:schemeClr>
+          </a:lnRef>
+          <a:fillRef idx="1">
+            <a:schemeClr val="accent1"/>
+          </a:fillRef>
+          <a:effectRef idx="0">
+            <a:schemeClr val="accent1"/>
+          </a:effectRef>
+          <a:fontRef idx="minor">
+            <a:schemeClr val="lt1"/>
+          </a:fontRef>
+        </p:style>
+        <p:txBody>
+          <a:bodyPr rtlCol="0" anchor="ctr"/>
+          <a:lstStyle/>
+          <a:p>
+            <a:pPr algn="ctr"/>
+            <a:endParaRPr lang="zh-TW" altLang="en-US"/>
+          </a:p>
+        </p:txBody>
+      </p:sp>
+      <p:sp>
+        <p:nvSpPr>
+          <p:cNvPr id="73" name="矩形: 圓角 72">
+            <a:extLst>
+              <a:ext uri="{FF2B5EF4-FFF2-40B4-BE49-F238E27FC236}">
+                <a16:creationId xmlns:a16="http://schemas.microsoft.com/office/drawing/2014/main" id="{6AB7403E-8C9E-4FE7-86F6-6343EE19A8C7}"/>
+              </a:ext>
+            </a:extLst>
+          </p:cNvPr>
+          <p:cNvSpPr/>
+          <p:nvPr/>
+        </p:nvSpPr>
+        <p:spPr>
+          <a:xfrm>
+            <a:off x="4042672" y="4164149"/>
+            <a:ext cx="274396" cy="228743"/>
+          </a:xfrm>
+          <a:prstGeom prst="roundRect">
+            <a:avLst/>
+          </a:prstGeom>
+          <a:solidFill>
+            <a:schemeClr val="bg1">
+              <a:lumMod val="95000"/>
+            </a:schemeClr>
+          </a:solidFill>
+          <a:ln>
+            <a:noFill/>
+          </a:ln>
+        </p:spPr>
+        <p:style>
+          <a:lnRef idx="2">
+            <a:schemeClr val="accent1">
+              <a:shade val="50000"/>
+            </a:schemeClr>
+          </a:lnRef>
+          <a:fillRef idx="1">
+            <a:schemeClr val="accent1"/>
+          </a:fillRef>
+          <a:effectRef idx="0">
+            <a:schemeClr val="accent1"/>
+          </a:effectRef>
+          <a:fontRef idx="minor">
+            <a:schemeClr val="lt1"/>
+          </a:fontRef>
+        </p:style>
+        <p:txBody>
+          <a:bodyPr rtlCol="0" anchor="ctr"/>
+          <a:lstStyle/>
+          <a:p>
+            <a:pPr algn="ctr"/>
+            <a:endParaRPr lang="zh-TW" altLang="en-US"/>
+          </a:p>
+        </p:txBody>
+      </p:sp>
+      <p:sp>
+        <p:nvSpPr>
+          <p:cNvPr id="74" name="矩形: 圓角 73">
+            <a:extLst>
+              <a:ext uri="{FF2B5EF4-FFF2-40B4-BE49-F238E27FC236}">
+                <a16:creationId xmlns:a16="http://schemas.microsoft.com/office/drawing/2014/main" id="{6226BFC4-D090-4C1E-A904-6413B3E98450}"/>
+              </a:ext>
+            </a:extLst>
+          </p:cNvPr>
+          <p:cNvSpPr/>
+          <p:nvPr/>
+        </p:nvSpPr>
+        <p:spPr>
+          <a:xfrm>
+            <a:off x="4342961" y="4164149"/>
+            <a:ext cx="274396" cy="228743"/>
+          </a:xfrm>
+          <a:prstGeom prst="roundRect">
+            <a:avLst/>
+          </a:prstGeom>
+          <a:solidFill>
+            <a:schemeClr val="bg1">
+              <a:lumMod val="95000"/>
+            </a:schemeClr>
+          </a:solidFill>
+          <a:ln>
+            <a:noFill/>
+          </a:ln>
+        </p:spPr>
+        <p:style>
+          <a:lnRef idx="2">
+            <a:schemeClr val="accent1">
+              <a:shade val="50000"/>
+            </a:schemeClr>
+          </a:lnRef>
+          <a:fillRef idx="1">
+            <a:schemeClr val="accent1"/>
+          </a:fillRef>
+          <a:effectRef idx="0">
+            <a:schemeClr val="accent1"/>
+          </a:effectRef>
+          <a:fontRef idx="minor">
+            <a:schemeClr val="lt1"/>
+          </a:fontRef>
+        </p:style>
+        <p:txBody>
+          <a:bodyPr rtlCol="0" anchor="ctr"/>
+          <a:lstStyle/>
+          <a:p>
+            <a:pPr algn="ctr"/>
+            <a:endParaRPr lang="zh-TW" altLang="en-US"/>
+          </a:p>
+        </p:txBody>
+      </p:sp>
+      <p:sp>
+        <p:nvSpPr>
+          <p:cNvPr id="75" name="矩形: 圓角 74">
+            <a:extLst>
+              <a:ext uri="{FF2B5EF4-FFF2-40B4-BE49-F238E27FC236}">
+                <a16:creationId xmlns:a16="http://schemas.microsoft.com/office/drawing/2014/main" id="{EC8EF776-6BAE-4205-8BF2-08347F5EB61F}"/>
+              </a:ext>
+            </a:extLst>
+          </p:cNvPr>
+          <p:cNvSpPr/>
+          <p:nvPr/>
+        </p:nvSpPr>
+        <p:spPr>
+          <a:xfrm>
+            <a:off x="3136992" y="4416529"/>
+            <a:ext cx="274396" cy="228743"/>
+          </a:xfrm>
+          <a:prstGeom prst="roundRect">
+            <a:avLst/>
+          </a:prstGeom>
+          <a:solidFill>
+            <a:schemeClr val="bg1">
+              <a:lumMod val="95000"/>
+            </a:schemeClr>
+          </a:solidFill>
+          <a:ln>
+            <a:noFill/>
+          </a:ln>
+        </p:spPr>
+        <p:style>
+          <a:lnRef idx="2">
+            <a:schemeClr val="accent1">
+              <a:shade val="50000"/>
+            </a:schemeClr>
+          </a:lnRef>
+          <a:fillRef idx="1">
+            <a:schemeClr val="accent1"/>
+          </a:fillRef>
+          <a:effectRef idx="0">
+            <a:schemeClr val="accent1"/>
+          </a:effectRef>
+          <a:fontRef idx="minor">
+            <a:schemeClr val="lt1"/>
+          </a:fontRef>
+        </p:style>
+        <p:txBody>
+          <a:bodyPr rtlCol="0" anchor="ctr"/>
+          <a:lstStyle/>
+          <a:p>
+            <a:pPr algn="ctr"/>
+            <a:endParaRPr lang="zh-TW" altLang="en-US"/>
+          </a:p>
+        </p:txBody>
+      </p:sp>
+      <p:sp>
+        <p:nvSpPr>
+          <p:cNvPr id="76" name="矩形: 圓角 75">
+            <a:extLst>
+              <a:ext uri="{FF2B5EF4-FFF2-40B4-BE49-F238E27FC236}">
+                <a16:creationId xmlns:a16="http://schemas.microsoft.com/office/drawing/2014/main" id="{0FE972D3-1953-4117-A8F9-D626E7F50544}"/>
+              </a:ext>
+            </a:extLst>
+          </p:cNvPr>
+          <p:cNvSpPr/>
+          <p:nvPr/>
+        </p:nvSpPr>
+        <p:spPr>
+          <a:xfrm>
+            <a:off x="3437788" y="4416529"/>
+            <a:ext cx="274396" cy="228743"/>
+          </a:xfrm>
+          <a:prstGeom prst="roundRect">
+            <a:avLst/>
+          </a:prstGeom>
+          <a:solidFill>
+            <a:schemeClr val="bg1">
+              <a:lumMod val="95000"/>
+            </a:schemeClr>
+          </a:solidFill>
+          <a:ln>
+            <a:noFill/>
+          </a:ln>
+        </p:spPr>
+        <p:style>
+          <a:lnRef idx="2">
+            <a:schemeClr val="accent1">
+              <a:shade val="50000"/>
+            </a:schemeClr>
+          </a:lnRef>
+          <a:fillRef idx="1">
+            <a:schemeClr val="accent1"/>
+          </a:fillRef>
+          <a:effectRef idx="0">
+            <a:schemeClr val="accent1"/>
+          </a:effectRef>
+          <a:fontRef idx="minor">
+            <a:schemeClr val="lt1"/>
+          </a:fontRef>
+        </p:style>
+        <p:txBody>
+          <a:bodyPr rtlCol="0" anchor="ctr"/>
+          <a:lstStyle/>
+          <a:p>
+            <a:pPr algn="ctr"/>
+            <a:endParaRPr lang="zh-TW" altLang="en-US"/>
+          </a:p>
+        </p:txBody>
+      </p:sp>
+      <p:sp>
+        <p:nvSpPr>
+          <p:cNvPr id="77" name="矩形: 圓角 76">
+            <a:extLst>
+              <a:ext uri="{FF2B5EF4-FFF2-40B4-BE49-F238E27FC236}">
+                <a16:creationId xmlns:a16="http://schemas.microsoft.com/office/drawing/2014/main" id="{74DFB6C8-813A-48E1-82A6-9E56C51327C9}"/>
+              </a:ext>
+            </a:extLst>
+          </p:cNvPr>
+          <p:cNvSpPr/>
+          <p:nvPr/>
+        </p:nvSpPr>
+        <p:spPr>
+          <a:xfrm>
+            <a:off x="3738876" y="4416529"/>
+            <a:ext cx="274396" cy="228743"/>
+          </a:xfrm>
+          <a:prstGeom prst="roundRect">
+            <a:avLst/>
+          </a:prstGeom>
+          <a:solidFill>
+            <a:schemeClr val="bg1">
+              <a:lumMod val="95000"/>
+            </a:schemeClr>
+          </a:solidFill>
+          <a:ln>
+            <a:noFill/>
+          </a:ln>
+        </p:spPr>
+        <p:style>
+          <a:lnRef idx="2">
+            <a:schemeClr val="accent1">
+              <a:shade val="50000"/>
+            </a:schemeClr>
+          </a:lnRef>
+          <a:fillRef idx="1">
+            <a:schemeClr val="accent1"/>
+          </a:fillRef>
+          <a:effectRef idx="0">
+            <a:schemeClr val="accent1"/>
+          </a:effectRef>
+          <a:fontRef idx="minor">
+            <a:schemeClr val="lt1"/>
+          </a:fontRef>
+        </p:style>
+        <p:txBody>
+          <a:bodyPr rtlCol="0" anchor="ctr"/>
+          <a:lstStyle/>
+          <a:p>
+            <a:pPr algn="ctr"/>
+            <a:endParaRPr lang="zh-TW" altLang="en-US"/>
+          </a:p>
+        </p:txBody>
+      </p:sp>
+      <p:sp>
+        <p:nvSpPr>
+          <p:cNvPr id="78" name="矩形: 圓角 77">
+            <a:extLst>
+              <a:ext uri="{FF2B5EF4-FFF2-40B4-BE49-F238E27FC236}">
+                <a16:creationId xmlns:a16="http://schemas.microsoft.com/office/drawing/2014/main" id="{728A3F08-0322-4FA6-9541-F2E879D3C414}"/>
+              </a:ext>
+            </a:extLst>
+          </p:cNvPr>
+          <p:cNvSpPr/>
+          <p:nvPr/>
+        </p:nvSpPr>
+        <p:spPr>
+          <a:xfrm>
+            <a:off x="4042672" y="4416529"/>
+            <a:ext cx="274396" cy="228743"/>
+          </a:xfrm>
+          <a:prstGeom prst="roundRect">
+            <a:avLst/>
+          </a:prstGeom>
+          <a:solidFill>
+            <a:schemeClr val="bg1">
+              <a:lumMod val="95000"/>
+            </a:schemeClr>
+          </a:solidFill>
+          <a:ln>
+            <a:noFill/>
+          </a:ln>
+        </p:spPr>
+        <p:style>
+          <a:lnRef idx="2">
+            <a:schemeClr val="accent1">
+              <a:shade val="50000"/>
+            </a:schemeClr>
+          </a:lnRef>
+          <a:fillRef idx="1">
+            <a:schemeClr val="accent1"/>
+          </a:fillRef>
+          <a:effectRef idx="0">
+            <a:schemeClr val="accent1"/>
+          </a:effectRef>
+          <a:fontRef idx="minor">
+            <a:schemeClr val="lt1"/>
+          </a:fontRef>
+        </p:style>
+        <p:txBody>
+          <a:bodyPr rtlCol="0" anchor="ctr"/>
+          <a:lstStyle/>
+          <a:p>
+            <a:pPr algn="ctr"/>
+            <a:endParaRPr lang="zh-TW" altLang="en-US"/>
+          </a:p>
+        </p:txBody>
+      </p:sp>
+      <p:sp>
+        <p:nvSpPr>
+          <p:cNvPr id="79" name="矩形: 圓角 78">
+            <a:extLst>
+              <a:ext uri="{FF2B5EF4-FFF2-40B4-BE49-F238E27FC236}">
+                <a16:creationId xmlns:a16="http://schemas.microsoft.com/office/drawing/2014/main" id="{5BB2A5AE-85E8-499F-9259-A21965279C86}"/>
+              </a:ext>
+            </a:extLst>
+          </p:cNvPr>
+          <p:cNvSpPr/>
+          <p:nvPr/>
+        </p:nvSpPr>
+        <p:spPr>
+          <a:xfrm>
+            <a:off x="4342961" y="4416529"/>
+            <a:ext cx="274396" cy="228743"/>
+          </a:xfrm>
+          <a:prstGeom prst="roundRect">
+            <a:avLst/>
+          </a:prstGeom>
+          <a:solidFill>
+            <a:schemeClr val="bg1">
+              <a:lumMod val="95000"/>
+            </a:schemeClr>
+          </a:solidFill>
+          <a:ln>
+            <a:noFill/>
+          </a:ln>
+        </p:spPr>
+        <p:style>
+          <a:lnRef idx="2">
+            <a:schemeClr val="accent1">
+              <a:shade val="50000"/>
+            </a:schemeClr>
+          </a:lnRef>
+          <a:fillRef idx="1">
+            <a:schemeClr val="accent1"/>
+          </a:fillRef>
+          <a:effectRef idx="0">
+            <a:schemeClr val="accent1"/>
+          </a:effectRef>
+          <a:fontRef idx="minor">
+            <a:schemeClr val="lt1"/>
+          </a:fontRef>
+        </p:style>
+        <p:txBody>
+          <a:bodyPr rtlCol="0" anchor="ctr"/>
+          <a:lstStyle/>
+          <a:p>
+            <a:pPr algn="ctr"/>
+            <a:endParaRPr lang="zh-TW" altLang="en-US"/>
+          </a:p>
+        </p:txBody>
+      </p:sp>
+      <p:sp>
+        <p:nvSpPr>
+          <p:cNvPr id="80" name="矩形: 圓角 79">
+            <a:extLst>
+              <a:ext uri="{FF2B5EF4-FFF2-40B4-BE49-F238E27FC236}">
+                <a16:creationId xmlns:a16="http://schemas.microsoft.com/office/drawing/2014/main" id="{D571E4E1-3C8A-444A-BE6D-C86A546BBC3A}"/>
+              </a:ext>
+            </a:extLst>
+          </p:cNvPr>
+          <p:cNvSpPr/>
+          <p:nvPr/>
+        </p:nvSpPr>
+        <p:spPr>
+          <a:xfrm>
+            <a:off x="3136992" y="4668909"/>
+            <a:ext cx="274396" cy="228743"/>
+          </a:xfrm>
+          <a:prstGeom prst="roundRect">
+            <a:avLst/>
+          </a:prstGeom>
+          <a:solidFill>
+            <a:schemeClr val="bg1">
+              <a:lumMod val="95000"/>
+            </a:schemeClr>
+          </a:solidFill>
+          <a:ln>
+            <a:noFill/>
+          </a:ln>
+        </p:spPr>
+        <p:style>
+          <a:lnRef idx="2">
+            <a:schemeClr val="accent1">
+              <a:shade val="50000"/>
+            </a:schemeClr>
+          </a:lnRef>
+          <a:fillRef idx="1">
+            <a:schemeClr val="accent1"/>
+          </a:fillRef>
+          <a:effectRef idx="0">
+            <a:schemeClr val="accent1"/>
+          </a:effectRef>
+          <a:fontRef idx="minor">
+            <a:schemeClr val="lt1"/>
+          </a:fontRef>
+        </p:style>
+        <p:txBody>
+          <a:bodyPr rtlCol="0" anchor="ctr"/>
+          <a:lstStyle/>
+          <a:p>
+            <a:pPr algn="ctr"/>
+            <a:endParaRPr lang="zh-TW" altLang="en-US"/>
+          </a:p>
+        </p:txBody>
+      </p:sp>
+      <p:sp>
+        <p:nvSpPr>
+          <p:cNvPr id="81" name="矩形: 圓角 80">
+            <a:extLst>
+              <a:ext uri="{FF2B5EF4-FFF2-40B4-BE49-F238E27FC236}">
+                <a16:creationId xmlns:a16="http://schemas.microsoft.com/office/drawing/2014/main" id="{A3B877B7-76EF-405B-950D-75257B3ED0CC}"/>
+              </a:ext>
+            </a:extLst>
+          </p:cNvPr>
+          <p:cNvSpPr/>
+          <p:nvPr/>
+        </p:nvSpPr>
+        <p:spPr>
+          <a:xfrm>
+            <a:off x="3437788" y="4668909"/>
+            <a:ext cx="274396" cy="228743"/>
+          </a:xfrm>
+          <a:prstGeom prst="roundRect">
+            <a:avLst/>
+          </a:prstGeom>
+          <a:solidFill>
+            <a:schemeClr val="bg1">
+              <a:lumMod val="95000"/>
+            </a:schemeClr>
+          </a:solidFill>
+          <a:ln>
+            <a:noFill/>
+          </a:ln>
+        </p:spPr>
+        <p:style>
+          <a:lnRef idx="2">
+            <a:schemeClr val="accent1">
+              <a:shade val="50000"/>
+            </a:schemeClr>
+          </a:lnRef>
+          <a:fillRef idx="1">
+            <a:schemeClr val="accent1"/>
+          </a:fillRef>
+          <a:effectRef idx="0">
+            <a:schemeClr val="accent1"/>
+          </a:effectRef>
+          <a:fontRef idx="minor">
+            <a:schemeClr val="lt1"/>
+          </a:fontRef>
+        </p:style>
+        <p:txBody>
+          <a:bodyPr rtlCol="0" anchor="ctr"/>
+          <a:lstStyle/>
+          <a:p>
+            <a:pPr algn="ctr"/>
+            <a:endParaRPr lang="zh-TW" altLang="en-US"/>
+          </a:p>
+        </p:txBody>
+      </p:sp>
+      <p:sp>
+        <p:nvSpPr>
+          <p:cNvPr id="82" name="矩形: 圓角 81">
+            <a:extLst>
+              <a:ext uri="{FF2B5EF4-FFF2-40B4-BE49-F238E27FC236}">
+                <a16:creationId xmlns:a16="http://schemas.microsoft.com/office/drawing/2014/main" id="{F479E7C4-5C4B-4BD1-89B7-A68481D45DE9}"/>
+              </a:ext>
+            </a:extLst>
+          </p:cNvPr>
+          <p:cNvSpPr/>
+          <p:nvPr/>
+        </p:nvSpPr>
+        <p:spPr>
+          <a:xfrm>
+            <a:off x="3738876" y="4668909"/>
+            <a:ext cx="274396" cy="228743"/>
+          </a:xfrm>
+          <a:prstGeom prst="roundRect">
+            <a:avLst/>
+          </a:prstGeom>
+          <a:solidFill>
+            <a:schemeClr val="bg1">
+              <a:lumMod val="95000"/>
+            </a:schemeClr>
+          </a:solidFill>
+          <a:ln>
+            <a:noFill/>
+          </a:ln>
+        </p:spPr>
+        <p:style>
+          <a:lnRef idx="2">
+            <a:schemeClr val="accent1">
+              <a:shade val="50000"/>
+            </a:schemeClr>
+          </a:lnRef>
+          <a:fillRef idx="1">
+            <a:schemeClr val="accent1"/>
+          </a:fillRef>
+          <a:effectRef idx="0">
+            <a:schemeClr val="accent1"/>
+          </a:effectRef>
+          <a:fontRef idx="minor">
+            <a:schemeClr val="lt1"/>
+          </a:fontRef>
+        </p:style>
+        <p:txBody>
+          <a:bodyPr rtlCol="0" anchor="ctr"/>
+          <a:lstStyle/>
+          <a:p>
+            <a:pPr algn="ctr"/>
+            <a:endParaRPr lang="zh-TW" altLang="en-US"/>
+          </a:p>
+        </p:txBody>
+      </p:sp>
+      <p:sp>
+        <p:nvSpPr>
+          <p:cNvPr id="83" name="矩形: 圓角 82">
+            <a:extLst>
+              <a:ext uri="{FF2B5EF4-FFF2-40B4-BE49-F238E27FC236}">
+                <a16:creationId xmlns:a16="http://schemas.microsoft.com/office/drawing/2014/main" id="{B1490DC4-B3C6-4834-9BCA-0F86D47775D6}"/>
+              </a:ext>
+            </a:extLst>
+          </p:cNvPr>
+          <p:cNvSpPr/>
+          <p:nvPr/>
+        </p:nvSpPr>
+        <p:spPr>
+          <a:xfrm>
+            <a:off x="4042672" y="4668909"/>
+            <a:ext cx="274396" cy="228743"/>
+          </a:xfrm>
+          <a:prstGeom prst="roundRect">
+            <a:avLst/>
+          </a:prstGeom>
+          <a:solidFill>
+            <a:schemeClr val="bg1">
+              <a:lumMod val="95000"/>
+            </a:schemeClr>
+          </a:solidFill>
+          <a:ln>
+            <a:noFill/>
+          </a:ln>
+        </p:spPr>
+        <p:style>
+          <a:lnRef idx="2">
+            <a:schemeClr val="accent1">
+              <a:shade val="50000"/>
+            </a:schemeClr>
+          </a:lnRef>
+          <a:fillRef idx="1">
+            <a:schemeClr val="accent1"/>
+          </a:fillRef>
+          <a:effectRef idx="0">
+            <a:schemeClr val="accent1"/>
+          </a:effectRef>
+          <a:fontRef idx="minor">
+            <a:schemeClr val="lt1"/>
+          </a:fontRef>
+        </p:style>
+        <p:txBody>
+          <a:bodyPr rtlCol="0" anchor="ctr"/>
+          <a:lstStyle/>
+          <a:p>
+            <a:pPr algn="ctr"/>
+            <a:endParaRPr lang="zh-TW" altLang="en-US"/>
+          </a:p>
+        </p:txBody>
+      </p:sp>
+      <p:sp>
+        <p:nvSpPr>
+          <p:cNvPr id="84" name="矩形: 圓角 83">
+            <a:extLst>
+              <a:ext uri="{FF2B5EF4-FFF2-40B4-BE49-F238E27FC236}">
+                <a16:creationId xmlns:a16="http://schemas.microsoft.com/office/drawing/2014/main" id="{EE6114A0-D54E-4CA4-B4F4-C90F0ABF73C2}"/>
+              </a:ext>
+            </a:extLst>
+          </p:cNvPr>
+          <p:cNvSpPr/>
+          <p:nvPr/>
+        </p:nvSpPr>
+        <p:spPr>
+          <a:xfrm>
+            <a:off x="4342961" y="4668909"/>
+            <a:ext cx="274396" cy="228743"/>
+          </a:xfrm>
+          <a:prstGeom prst="roundRect">
+            <a:avLst/>
+          </a:prstGeom>
+          <a:solidFill>
+            <a:schemeClr val="bg1">
+              <a:lumMod val="95000"/>
+            </a:schemeClr>
+          </a:solidFill>
+          <a:ln>
+            <a:noFill/>
+          </a:ln>
+        </p:spPr>
+        <p:style>
+          <a:lnRef idx="2">
+            <a:schemeClr val="accent1">
+              <a:shade val="50000"/>
+            </a:schemeClr>
+          </a:lnRef>
+          <a:fillRef idx="1">
+            <a:schemeClr val="accent1"/>
+          </a:fillRef>
+          <a:effectRef idx="0">
+            <a:schemeClr val="accent1"/>
+          </a:effectRef>
+          <a:fontRef idx="minor">
+            <a:schemeClr val="lt1"/>
+          </a:fontRef>
+        </p:style>
+        <p:txBody>
+          <a:bodyPr rtlCol="0" anchor="ctr"/>
+          <a:lstStyle/>
+          <a:p>
+            <a:pPr algn="ctr"/>
+            <a:endParaRPr lang="zh-TW" altLang="en-US"/>
+          </a:p>
+        </p:txBody>
+      </p:sp>
+      <p:sp>
+        <p:nvSpPr>
+          <p:cNvPr id="85" name="文字方塊 84">
+            <a:extLst>
+              <a:ext uri="{FF2B5EF4-FFF2-40B4-BE49-F238E27FC236}">
+                <a16:creationId xmlns:a16="http://schemas.microsoft.com/office/drawing/2014/main" id="{BE702A85-1C7D-4A17-9B81-5BD1C9F92C76}"/>
+              </a:ext>
+            </a:extLst>
+          </p:cNvPr>
+          <p:cNvSpPr txBox="1"/>
+          <p:nvPr/>
+        </p:nvSpPr>
+        <p:spPr>
+          <a:xfrm>
+            <a:off x="2870368" y="2682578"/>
+            <a:ext cx="2143600" cy="1169551"/>
+          </a:xfrm>
+          <a:prstGeom prst="rect">
+            <a:avLst/>
+          </a:prstGeom>
+          <a:noFill/>
+          <a:effectLst>
+            <a:outerShdw blurRad="50800" dist="38100" dir="2700000" algn="tl" rotWithShape="0">
+              <a:prstClr val="black">
+                <a:alpha val="40000"/>
+              </a:prstClr>
+            </a:outerShdw>
+          </a:effectLst>
+        </p:spPr>
+        <p:txBody>
+          <a:bodyPr wrap="none" rtlCol="0">
+            <a:spAutoFit/>
+          </a:bodyPr>
+          <a:lstStyle/>
+          <a:p>
+            <a:r>
+              <a:rPr lang="en-US" altLang="zh-TW" sz="6800" b="1" dirty="0">
+                <a:solidFill>
+                  <a:schemeClr val="bg1"/>
+                </a:solidFill>
+                <a:latin typeface="Broadway" panose="04040905080B02020502" pitchFamily="82" charset="0"/>
+              </a:rPr>
+              <a:t>TDX</a:t>
+            </a:r>
+            <a:endParaRPr lang="zh-TW" altLang="en-US" sz="6800" b="1" dirty="0">
+              <a:solidFill>
+                <a:schemeClr val="bg1"/>
+              </a:solidFill>
+              <a:latin typeface="Broadway" panose="04040905080B02020502" pitchFamily="82" charset="0"/>
+            </a:endParaRPr>
+          </a:p>
+        </p:txBody>
+      </p:sp>
+      <p:sp>
+        <p:nvSpPr>
+          <p:cNvPr id="86" name="文字方塊 85">
+            <a:extLst>
+              <a:ext uri="{FF2B5EF4-FFF2-40B4-BE49-F238E27FC236}">
+                <a16:creationId xmlns:a16="http://schemas.microsoft.com/office/drawing/2014/main" id="{492B7F1D-B475-4280-93B7-56E9BFCA5C23}"/>
+              </a:ext>
+            </a:extLst>
+          </p:cNvPr>
+          <p:cNvSpPr txBox="1"/>
+          <p:nvPr/>
+        </p:nvSpPr>
+        <p:spPr>
+          <a:xfrm rot="19802020">
+            <a:off x="3687822" y="4977695"/>
+            <a:ext cx="1506916" cy="200055"/>
+          </a:xfrm>
+          <a:prstGeom prst="rect">
+            <a:avLst/>
+          </a:prstGeom>
+          <a:noFill/>
+        </p:spPr>
+        <p:txBody>
+          <a:bodyPr wrap="square" rtlCol="0">
+            <a:spAutoFit/>
+          </a:bodyPr>
+          <a:lstStyle/>
+          <a:p>
+            <a:r>
+              <a:rPr lang="en-US" altLang="zh-TW" sz="700" dirty="0">
+                <a:solidFill>
+                  <a:schemeClr val="bg1"/>
+                </a:solidFill>
+                <a:latin typeface="Calibri" panose="020F0502020204030204" pitchFamily="34" charset="0"/>
+                <a:cs typeface="Calibri" panose="020F0502020204030204" pitchFamily="34" charset="0"/>
+              </a:rPr>
+              <a:t>GitHub: </a:t>
+            </a:r>
+            <a:r>
+              <a:rPr lang="zh-TW" altLang="en-US" sz="700" dirty="0">
+                <a:solidFill>
+                  <a:schemeClr val="bg1"/>
+                </a:solidFill>
+                <a:latin typeface="Calibri" panose="020F0502020204030204" pitchFamily="34" charset="0"/>
+                <a:cs typeface="Calibri" panose="020F0502020204030204" pitchFamily="34" charset="0"/>
+              </a:rPr>
+              <a:t> </a:t>
+            </a:r>
+            <a:r>
+              <a:rPr lang="en-US" altLang="zh-TW" sz="700" dirty="0" err="1">
+                <a:solidFill>
+                  <a:schemeClr val="bg1"/>
+                </a:solidFill>
+                <a:latin typeface="Calibri" panose="020F0502020204030204" pitchFamily="34" charset="0"/>
+                <a:cs typeface="Calibri" panose="020F0502020204030204" pitchFamily="34" charset="0"/>
+              </a:rPr>
+              <a:t>ChiaJungYeh</a:t>
+            </a:r>
+            <a:r>
+              <a:rPr lang="en-US" altLang="zh-TW" sz="700" dirty="0">
+                <a:solidFill>
+                  <a:schemeClr val="bg1"/>
+                </a:solidFill>
+                <a:latin typeface="Calibri" panose="020F0502020204030204" pitchFamily="34" charset="0"/>
+                <a:cs typeface="Calibri" panose="020F0502020204030204" pitchFamily="34" charset="0"/>
+              </a:rPr>
+              <a:t>/NYCU_TDX</a:t>
+            </a:r>
+            <a:r>
+              <a:rPr lang="zh-TW" altLang="en-US" sz="700" dirty="0">
+                <a:solidFill>
+                  <a:schemeClr val="bg1"/>
+                </a:solidFill>
+                <a:latin typeface="Calibri" panose="020F0502020204030204" pitchFamily="34" charset="0"/>
+                <a:cs typeface="Calibri" panose="020F0502020204030204" pitchFamily="34" charset="0"/>
+              </a:rPr>
+              <a:t>                                                 </a:t>
+            </a:r>
+          </a:p>
+        </p:txBody>
+      </p:sp>
+      <p:sp>
+        <p:nvSpPr>
+          <p:cNvPr id="5" name="矩形 4">
+            <a:extLst>
+              <a:ext uri="{FF2B5EF4-FFF2-40B4-BE49-F238E27FC236}">
+                <a16:creationId xmlns:a16="http://schemas.microsoft.com/office/drawing/2014/main" id="{B9ABA9D3-918E-4E15-8265-D1748A28A9AF}"/>
+              </a:ext>
+            </a:extLst>
+          </p:cNvPr>
+          <p:cNvSpPr/>
+          <p:nvPr/>
+        </p:nvSpPr>
+        <p:spPr>
+          <a:xfrm>
+            <a:off x="3352800" y="2070221"/>
+            <a:ext cx="1064895" cy="248164"/>
+          </a:xfrm>
+          <a:prstGeom prst="rect">
+            <a:avLst/>
+          </a:prstGeom>
+          <a:solidFill>
+            <a:srgbClr val="C3C3C3"/>
+          </a:solidFill>
+          <a:ln>
+            <a:noFill/>
+          </a:ln>
+        </p:spPr>
+        <p:style>
+          <a:lnRef idx="2">
+            <a:schemeClr val="accent1">
+              <a:shade val="50000"/>
+            </a:schemeClr>
+          </a:lnRef>
+          <a:fillRef idx="1">
+            <a:schemeClr val="accent1"/>
+          </a:fillRef>
+          <a:effectRef idx="0">
+            <a:schemeClr val="accent1"/>
+          </a:effectRef>
+          <a:fontRef idx="minor">
+            <a:schemeClr val="lt1"/>
+          </a:fontRef>
+        </p:style>
+        <p:txBody>
+          <a:bodyPr rtlCol="0" anchor="ctr"/>
+          <a:lstStyle/>
+          <a:p>
+            <a:pPr algn="ctr"/>
+            <a:endParaRPr lang="zh-TW" altLang="en-US"/>
+          </a:p>
+        </p:txBody>
+      </p:sp>
+      <p:sp>
+        <p:nvSpPr>
+          <p:cNvPr id="55" name="矩形 54">
+            <a:extLst>
+              <a:ext uri="{FF2B5EF4-FFF2-40B4-BE49-F238E27FC236}">
+                <a16:creationId xmlns:a16="http://schemas.microsoft.com/office/drawing/2014/main" id="{978840F3-4EA6-4B82-94F0-FF85E074054E}"/>
+              </a:ext>
+            </a:extLst>
+          </p:cNvPr>
+          <p:cNvSpPr/>
+          <p:nvPr/>
+        </p:nvSpPr>
+        <p:spPr>
+          <a:xfrm>
+            <a:off x="3395707" y="2072126"/>
+            <a:ext cx="156095" cy="244047"/>
+          </a:xfrm>
+          <a:prstGeom prst="rect">
+            <a:avLst/>
+          </a:prstGeom>
+          <a:solidFill>
+            <a:srgbClr val="C3C3C3"/>
+          </a:solidFill>
+          <a:ln>
+            <a:noFill/>
+          </a:ln>
+        </p:spPr>
+        <p:style>
+          <a:lnRef idx="2">
+            <a:schemeClr val="accent1">
+              <a:shade val="50000"/>
+            </a:schemeClr>
+          </a:lnRef>
+          <a:fillRef idx="1">
+            <a:schemeClr val="accent1"/>
+          </a:fillRef>
+          <a:effectRef idx="0">
+            <a:schemeClr val="accent1"/>
+          </a:effectRef>
+          <a:fontRef idx="minor">
+            <a:schemeClr val="lt1"/>
+          </a:fontRef>
+        </p:style>
+        <p:txBody>
+          <a:bodyPr rtlCol="0" anchor="ctr"/>
+          <a:lstStyle/>
+          <a:p>
+            <a:pPr algn="ctr"/>
+            <a:endParaRPr lang="zh-TW" altLang="en-US"/>
+          </a:p>
+        </p:txBody>
+      </p:sp>
+      <p:sp>
+        <p:nvSpPr>
+          <p:cNvPr id="56" name="矩形 55">
+            <a:extLst>
+              <a:ext uri="{FF2B5EF4-FFF2-40B4-BE49-F238E27FC236}">
+                <a16:creationId xmlns:a16="http://schemas.microsoft.com/office/drawing/2014/main" id="{18DC3CDA-18E1-4454-AC51-8F308C92CD21}"/>
+              </a:ext>
+            </a:extLst>
+          </p:cNvPr>
+          <p:cNvSpPr/>
+          <p:nvPr/>
+        </p:nvSpPr>
+        <p:spPr>
+          <a:xfrm>
+            <a:off x="4204542" y="2075018"/>
+            <a:ext cx="156095" cy="244047"/>
+          </a:xfrm>
+          <a:prstGeom prst="rect">
+            <a:avLst/>
+          </a:prstGeom>
+          <a:solidFill>
+            <a:srgbClr val="C3C3C3"/>
+          </a:solidFill>
+          <a:ln>
+            <a:noFill/>
+          </a:ln>
+        </p:spPr>
+        <p:style>
+          <a:lnRef idx="2">
+            <a:schemeClr val="accent1">
+              <a:shade val="50000"/>
+            </a:schemeClr>
+          </a:lnRef>
+          <a:fillRef idx="1">
+            <a:schemeClr val="accent1"/>
+          </a:fillRef>
+          <a:effectRef idx="0">
+            <a:schemeClr val="accent1"/>
+          </a:effectRef>
+          <a:fontRef idx="minor">
+            <a:schemeClr val="lt1"/>
+          </a:fontRef>
+        </p:style>
+        <p:txBody>
+          <a:bodyPr rtlCol="0" anchor="ctr"/>
+          <a:lstStyle/>
+          <a:p>
+            <a:pPr algn="ctr"/>
+            <a:endParaRPr lang="zh-TW" altLang="en-US"/>
+          </a:p>
+        </p:txBody>
+      </p:sp>
+      <p:pic>
+        <p:nvPicPr>
+          <p:cNvPr id="3" name="圖片 2">
+            <a:extLst>
+              <a:ext uri="{FF2B5EF4-FFF2-40B4-BE49-F238E27FC236}">
+                <a16:creationId xmlns:a16="http://schemas.microsoft.com/office/drawing/2014/main" id="{522F7890-EB89-46FE-929B-650B5AEB2C02}"/>
+              </a:ext>
+            </a:extLst>
+          </p:cNvPr>
+          <p:cNvPicPr>
+            <a:picLocks noChangeAspect="1"/>
+          </p:cNvPicPr>
+          <p:nvPr/>
+        </p:nvPicPr>
+        <p:blipFill>
+          <a:blip r:embed="rId10"/>
+          <a:stretch>
+            <a:fillRect/>
+          </a:stretch>
+        </p:blipFill>
+        <p:spPr>
+          <a:xfrm>
+            <a:off x="3188940" y="965659"/>
+            <a:ext cx="266000" cy="266000"/>
+          </a:xfrm>
+          <a:prstGeom prst="rect">
+            <a:avLst/>
+          </a:prstGeom>
+          <a:effectLst>
+            <a:outerShdw blurRad="50800" dist="38100" dir="2700000" algn="tl" rotWithShape="0">
+              <a:prstClr val="black">
+                <a:alpha val="40000"/>
+              </a:prstClr>
+            </a:outerShdw>
+          </a:effectLst>
+        </p:spPr>
+      </p:pic>
+      <p:pic>
+        <p:nvPicPr>
+          <p:cNvPr id="59" name="圖片 58">
+            <a:extLst>
+              <a:ext uri="{FF2B5EF4-FFF2-40B4-BE49-F238E27FC236}">
+                <a16:creationId xmlns:a16="http://schemas.microsoft.com/office/drawing/2014/main" id="{518F7044-4595-43B1-B810-DFF1E3A4292F}"/>
+              </a:ext>
+            </a:extLst>
+          </p:cNvPr>
+          <p:cNvPicPr>
+            <a:picLocks noChangeAspect="1"/>
+          </p:cNvPicPr>
+          <p:nvPr/>
+        </p:nvPicPr>
+        <p:blipFill>
+          <a:blip r:embed="rId10"/>
+          <a:stretch>
+            <a:fillRect/>
+          </a:stretch>
+        </p:blipFill>
+        <p:spPr>
+          <a:xfrm rot="10800000">
+            <a:off x="3498643" y="1107993"/>
+            <a:ext cx="266000" cy="266000"/>
+          </a:xfrm>
+          <a:prstGeom prst="rect">
+            <a:avLst/>
+          </a:prstGeom>
+          <a:effectLst>
+            <a:outerShdw blurRad="50800" dist="38100" dir="2700000" algn="tl" rotWithShape="0">
+              <a:prstClr val="black">
+                <a:alpha val="40000"/>
+              </a:prstClr>
+            </a:outerShdw>
+          </a:effectLst>
+        </p:spPr>
+      </p:pic>
+      <p:pic>
+        <p:nvPicPr>
+          <p:cNvPr id="61" name="圖片 60">
+            <a:extLst>
+              <a:ext uri="{FF2B5EF4-FFF2-40B4-BE49-F238E27FC236}">
+                <a16:creationId xmlns:a16="http://schemas.microsoft.com/office/drawing/2014/main" id="{1340FCE3-7EE0-44AA-8945-CE026EAA8A35}"/>
+              </a:ext>
+            </a:extLst>
+          </p:cNvPr>
+          <p:cNvPicPr>
+            <a:picLocks noChangeAspect="1"/>
+          </p:cNvPicPr>
+          <p:nvPr/>
+        </p:nvPicPr>
+        <p:blipFill>
+          <a:blip r:embed="rId10"/>
+          <a:stretch>
+            <a:fillRect/>
+          </a:stretch>
+        </p:blipFill>
+        <p:spPr>
+          <a:xfrm rot="10800000">
+            <a:off x="3948339" y="1113512"/>
+            <a:ext cx="266000" cy="266000"/>
+          </a:xfrm>
+          <a:prstGeom prst="rect">
+            <a:avLst/>
+          </a:prstGeom>
+          <a:effectLst>
+            <a:outerShdw blurRad="50800" dist="38100" dir="2700000" algn="tl" rotWithShape="0">
+              <a:prstClr val="black">
+                <a:alpha val="40000"/>
+              </a:prstClr>
+            </a:outerShdw>
+          </a:effectLst>
+        </p:spPr>
+      </p:pic>
+      <p:pic>
+        <p:nvPicPr>
+          <p:cNvPr id="62" name="圖片 61">
+            <a:extLst>
+              <a:ext uri="{FF2B5EF4-FFF2-40B4-BE49-F238E27FC236}">
+                <a16:creationId xmlns:a16="http://schemas.microsoft.com/office/drawing/2014/main" id="{F42B8835-3990-45DC-A03B-966D0433A227}"/>
+              </a:ext>
+            </a:extLst>
+          </p:cNvPr>
+          <p:cNvPicPr>
+            <a:picLocks noChangeAspect="1"/>
+          </p:cNvPicPr>
+          <p:nvPr/>
+        </p:nvPicPr>
+        <p:blipFill>
+          <a:blip r:embed="rId10"/>
+          <a:stretch>
+            <a:fillRect/>
+          </a:stretch>
+        </p:blipFill>
+        <p:spPr>
+          <a:xfrm>
+            <a:off x="4228404" y="958134"/>
+            <a:ext cx="266000" cy="266000"/>
+          </a:xfrm>
+          <a:prstGeom prst="rect">
+            <a:avLst/>
+          </a:prstGeom>
+          <a:effectLst>
+            <a:outerShdw blurRad="50800" dist="38100" dir="2700000" algn="tl" rotWithShape="0">
+              <a:prstClr val="black">
+                <a:alpha val="40000"/>
+              </a:prstClr>
+            </a:outerShdw>
+          </a:effectLst>
+        </p:spPr>
+      </p:pic>
+      <p:pic>
+        <p:nvPicPr>
+          <p:cNvPr id="63" name="圖片 62">
+            <a:extLst>
+              <a:ext uri="{FF2B5EF4-FFF2-40B4-BE49-F238E27FC236}">
+                <a16:creationId xmlns:a16="http://schemas.microsoft.com/office/drawing/2014/main" id="{1D37ABBF-5126-4550-8D8D-7E28006DF60C}"/>
+              </a:ext>
+            </a:extLst>
+          </p:cNvPr>
+          <p:cNvPicPr>
+            <a:picLocks noChangeAspect="1"/>
+          </p:cNvPicPr>
+          <p:nvPr/>
+        </p:nvPicPr>
+        <p:blipFill>
+          <a:blip r:embed="rId10"/>
+          <a:stretch>
+            <a:fillRect/>
+          </a:stretch>
+        </p:blipFill>
+        <p:spPr>
+          <a:xfrm rot="10800000">
+            <a:off x="3720392" y="975433"/>
+            <a:ext cx="266000" cy="266000"/>
+          </a:xfrm>
+          <a:prstGeom prst="rect">
+            <a:avLst/>
+          </a:prstGeom>
+          <a:effectLst>
+            <a:outerShdw blurRad="50800" dist="38100" dir="2700000" algn="tl" rotWithShape="0">
+              <a:prstClr val="black">
+                <a:alpha val="40000"/>
+              </a:prstClr>
+            </a:outerShdw>
+          </a:effectLst>
+        </p:spPr>
+      </p:pic>
+      <p:sp>
+        <p:nvSpPr>
+          <p:cNvPr id="6" name="矩形 5">
+            <a:extLst>
+              <a:ext uri="{FF2B5EF4-FFF2-40B4-BE49-F238E27FC236}">
+                <a16:creationId xmlns:a16="http://schemas.microsoft.com/office/drawing/2014/main" id="{FFFA9D51-9ED0-483F-B542-6F0FBF8A8AFA}"/>
+              </a:ext>
+            </a:extLst>
+          </p:cNvPr>
+          <p:cNvSpPr/>
+          <p:nvPr/>
+        </p:nvSpPr>
+        <p:spPr>
+          <a:xfrm>
+            <a:off x="3398521" y="1193887"/>
+            <a:ext cx="64770" cy="495131"/>
+          </a:xfrm>
+          <a:prstGeom prst="rect">
+            <a:avLst/>
+          </a:prstGeom>
+          <a:solidFill>
+            <a:schemeClr val="tx1"/>
+          </a:solidFill>
+          <a:ln>
+            <a:noFill/>
+          </a:ln>
+          <a:effectLst>
+            <a:outerShdw blurRad="50800" dist="38100" dir="2700000" algn="tl" rotWithShape="0">
+              <a:prstClr val="black">
+                <a:alpha val="40000"/>
+              </a:prstClr>
+            </a:outerShdw>
+          </a:effectLst>
+        </p:spPr>
+        <p:style>
+          <a:lnRef idx="2">
+            <a:schemeClr val="accent1">
+              <a:shade val="50000"/>
+            </a:schemeClr>
+          </a:lnRef>
+          <a:fillRef idx="1">
+            <a:schemeClr val="accent1"/>
+          </a:fillRef>
+          <a:effectRef idx="0">
+            <a:schemeClr val="accent1"/>
+          </a:effectRef>
+          <a:fontRef idx="minor">
+            <a:schemeClr val="lt1"/>
+          </a:fontRef>
+        </p:style>
+        <p:txBody>
+          <a:bodyPr rtlCol="0" anchor="ctr"/>
+          <a:lstStyle/>
+          <a:p>
+            <a:pPr algn="ctr"/>
+            <a:endParaRPr lang="zh-TW" altLang="en-US"/>
+          </a:p>
+        </p:txBody>
+      </p:sp>
+      <p:sp>
+        <p:nvSpPr>
+          <p:cNvPr id="65" name="矩形 64">
+            <a:extLst>
+              <a:ext uri="{FF2B5EF4-FFF2-40B4-BE49-F238E27FC236}">
+                <a16:creationId xmlns:a16="http://schemas.microsoft.com/office/drawing/2014/main" id="{51BC239C-9351-4778-BED8-509F3B3B8DF9}"/>
+              </a:ext>
+            </a:extLst>
+          </p:cNvPr>
+          <p:cNvSpPr/>
+          <p:nvPr/>
+        </p:nvSpPr>
+        <p:spPr>
+          <a:xfrm rot="19193771">
+            <a:off x="3366406" y="1092970"/>
+            <a:ext cx="61314" cy="132573"/>
+          </a:xfrm>
+          <a:prstGeom prst="rect">
+            <a:avLst/>
+          </a:prstGeom>
+          <a:solidFill>
+            <a:schemeClr val="tx1"/>
+          </a:solidFill>
+          <a:ln>
+            <a:noFill/>
+          </a:ln>
+          <a:effectLst>
+            <a:outerShdw blurRad="50800" dist="38100" dir="2700000" algn="tl" rotWithShape="0">
+              <a:prstClr val="black">
+                <a:alpha val="40000"/>
+              </a:prstClr>
+            </a:outerShdw>
+          </a:effectLst>
+        </p:spPr>
+        <p:style>
+          <a:lnRef idx="2">
+            <a:schemeClr val="accent1">
+              <a:shade val="50000"/>
+            </a:schemeClr>
+          </a:lnRef>
+          <a:fillRef idx="1">
+            <a:schemeClr val="accent1"/>
+          </a:fillRef>
+          <a:effectRef idx="0">
+            <a:schemeClr val="accent1"/>
+          </a:effectRef>
+          <a:fontRef idx="minor">
+            <a:schemeClr val="lt1"/>
+          </a:fontRef>
+        </p:style>
+        <p:txBody>
+          <a:bodyPr rtlCol="0" anchor="ctr"/>
+          <a:lstStyle/>
+          <a:p>
+            <a:pPr algn="ctr"/>
+            <a:endParaRPr lang="zh-TW" altLang="en-US"/>
+          </a:p>
+        </p:txBody>
+      </p:sp>
+      <p:sp>
+        <p:nvSpPr>
+          <p:cNvPr id="9" name="矩形 8">
+            <a:extLst>
+              <a:ext uri="{FF2B5EF4-FFF2-40B4-BE49-F238E27FC236}">
+                <a16:creationId xmlns:a16="http://schemas.microsoft.com/office/drawing/2014/main" id="{8122E7C0-EE80-4ED8-BFFD-3FF4FBEC6FDA}"/>
+              </a:ext>
+            </a:extLst>
+          </p:cNvPr>
+          <p:cNvSpPr/>
+          <p:nvPr/>
+        </p:nvSpPr>
+        <p:spPr>
+          <a:xfrm>
+            <a:off x="3597275" y="1311456"/>
+            <a:ext cx="66675" cy="301196"/>
+          </a:xfrm>
+          <a:prstGeom prst="rect">
+            <a:avLst/>
+          </a:prstGeom>
+          <a:solidFill>
+            <a:schemeClr val="tx1"/>
+          </a:solidFill>
+          <a:ln>
+            <a:noFill/>
+          </a:ln>
+          <a:effectLst>
+            <a:outerShdw blurRad="50800" dist="38100" dir="2700000" algn="tl" rotWithShape="0">
+              <a:prstClr val="black">
+                <a:alpha val="40000"/>
+              </a:prstClr>
+            </a:outerShdw>
+          </a:effectLst>
+        </p:spPr>
+        <p:style>
+          <a:lnRef idx="2">
+            <a:schemeClr val="accent1">
+              <a:shade val="50000"/>
+            </a:schemeClr>
+          </a:lnRef>
+          <a:fillRef idx="1">
+            <a:schemeClr val="accent1"/>
+          </a:fillRef>
+          <a:effectRef idx="0">
+            <a:schemeClr val="accent1"/>
+          </a:effectRef>
+          <a:fontRef idx="minor">
+            <a:schemeClr val="lt1"/>
+          </a:fontRef>
+        </p:style>
+        <p:txBody>
+          <a:bodyPr rtlCol="0" anchor="ctr"/>
+          <a:lstStyle/>
+          <a:p>
+            <a:pPr algn="ctr"/>
+            <a:endParaRPr lang="zh-TW" altLang="en-US"/>
+          </a:p>
+        </p:txBody>
+      </p:sp>
+      <p:sp>
+        <p:nvSpPr>
+          <p:cNvPr id="89" name="矩形 88">
+            <a:extLst>
+              <a:ext uri="{FF2B5EF4-FFF2-40B4-BE49-F238E27FC236}">
+                <a16:creationId xmlns:a16="http://schemas.microsoft.com/office/drawing/2014/main" id="{32915CA0-9B8D-4BAB-9C67-FED28EF58631}"/>
+              </a:ext>
+            </a:extLst>
+          </p:cNvPr>
+          <p:cNvSpPr/>
+          <p:nvPr/>
+        </p:nvSpPr>
+        <p:spPr>
+          <a:xfrm>
+            <a:off x="3815081" y="1201850"/>
+            <a:ext cx="71120" cy="284050"/>
+          </a:xfrm>
+          <a:prstGeom prst="rect">
+            <a:avLst/>
+          </a:prstGeom>
+          <a:solidFill>
+            <a:schemeClr val="tx1"/>
+          </a:solidFill>
+          <a:ln>
+            <a:noFill/>
+          </a:ln>
+          <a:effectLst>
+            <a:outerShdw blurRad="50800" dist="38100" dir="2700000" algn="tl" rotWithShape="0">
+              <a:prstClr val="black">
+                <a:alpha val="40000"/>
+              </a:prstClr>
+            </a:outerShdw>
+          </a:effectLst>
+        </p:spPr>
+        <p:style>
+          <a:lnRef idx="2">
+            <a:schemeClr val="accent1">
+              <a:shade val="50000"/>
+            </a:schemeClr>
+          </a:lnRef>
+          <a:fillRef idx="1">
+            <a:schemeClr val="accent1"/>
+          </a:fillRef>
+          <a:effectRef idx="0">
+            <a:schemeClr val="accent1"/>
+          </a:effectRef>
+          <a:fontRef idx="minor">
+            <a:schemeClr val="lt1"/>
+          </a:fontRef>
+        </p:style>
+        <p:txBody>
+          <a:bodyPr rtlCol="0" anchor="ctr"/>
+          <a:lstStyle/>
+          <a:p>
+            <a:pPr algn="ctr"/>
+            <a:endParaRPr lang="zh-TW" altLang="en-US"/>
+          </a:p>
+        </p:txBody>
+      </p:sp>
+      <p:sp>
+        <p:nvSpPr>
+          <p:cNvPr id="90" name="矩形 89">
+            <a:extLst>
+              <a:ext uri="{FF2B5EF4-FFF2-40B4-BE49-F238E27FC236}">
+                <a16:creationId xmlns:a16="http://schemas.microsoft.com/office/drawing/2014/main" id="{36CDA08F-CAE5-4802-86E5-C0D675C046F1}"/>
+              </a:ext>
+            </a:extLst>
+          </p:cNvPr>
+          <p:cNvSpPr/>
+          <p:nvPr/>
+        </p:nvSpPr>
+        <p:spPr>
+          <a:xfrm>
+            <a:off x="4048343" y="1316618"/>
+            <a:ext cx="68362" cy="170469"/>
+          </a:xfrm>
+          <a:prstGeom prst="rect">
+            <a:avLst/>
+          </a:prstGeom>
+          <a:solidFill>
+            <a:schemeClr val="tx1"/>
+          </a:solidFill>
+          <a:ln>
+            <a:noFill/>
+          </a:ln>
+          <a:effectLst>
+            <a:outerShdw blurRad="50800" dist="38100" dir="2700000" algn="tl" rotWithShape="0">
+              <a:prstClr val="black">
+                <a:alpha val="40000"/>
+              </a:prstClr>
+            </a:outerShdw>
+          </a:effectLst>
+        </p:spPr>
+        <p:style>
+          <a:lnRef idx="2">
+            <a:schemeClr val="accent1">
+              <a:shade val="50000"/>
+            </a:schemeClr>
+          </a:lnRef>
+          <a:fillRef idx="1">
+            <a:schemeClr val="accent1"/>
+          </a:fillRef>
+          <a:effectRef idx="0">
+            <a:schemeClr val="accent1"/>
+          </a:effectRef>
+          <a:fontRef idx="minor">
+            <a:schemeClr val="lt1"/>
+          </a:fontRef>
+        </p:style>
+        <p:txBody>
+          <a:bodyPr rtlCol="0" anchor="ctr"/>
+          <a:lstStyle/>
+          <a:p>
+            <a:pPr algn="ctr"/>
+            <a:endParaRPr lang="zh-TW" altLang="en-US"/>
+          </a:p>
+        </p:txBody>
+      </p:sp>
+      <p:sp>
+        <p:nvSpPr>
+          <p:cNvPr id="91" name="矩形 90">
+            <a:extLst>
+              <a:ext uri="{FF2B5EF4-FFF2-40B4-BE49-F238E27FC236}">
+                <a16:creationId xmlns:a16="http://schemas.microsoft.com/office/drawing/2014/main" id="{3D15210F-5146-420D-80D0-CBFB853DBE05}"/>
+              </a:ext>
+            </a:extLst>
+          </p:cNvPr>
+          <p:cNvSpPr/>
+          <p:nvPr/>
+        </p:nvSpPr>
+        <p:spPr>
+          <a:xfrm>
+            <a:off x="4231139" y="1194882"/>
+            <a:ext cx="62552" cy="365259"/>
+          </a:xfrm>
+          <a:prstGeom prst="rect">
+            <a:avLst/>
+          </a:prstGeom>
+          <a:solidFill>
+            <a:schemeClr val="tx1"/>
+          </a:solidFill>
+          <a:ln>
+            <a:noFill/>
+          </a:ln>
+          <a:effectLst>
+            <a:outerShdw blurRad="50800" dist="38100" dir="2700000" algn="tl" rotWithShape="0">
+              <a:prstClr val="black">
+                <a:alpha val="40000"/>
+              </a:prstClr>
+            </a:outerShdw>
+          </a:effectLst>
+        </p:spPr>
+        <p:style>
+          <a:lnRef idx="2">
+            <a:schemeClr val="accent1">
+              <a:shade val="50000"/>
+            </a:schemeClr>
+          </a:lnRef>
+          <a:fillRef idx="1">
+            <a:schemeClr val="accent1"/>
+          </a:fillRef>
+          <a:effectRef idx="0">
+            <a:schemeClr val="accent1"/>
+          </a:effectRef>
+          <a:fontRef idx="minor">
+            <a:schemeClr val="lt1"/>
+          </a:fontRef>
+        </p:style>
+        <p:txBody>
+          <a:bodyPr rtlCol="0" anchor="ctr"/>
+          <a:lstStyle/>
+          <a:p>
+            <a:pPr algn="ctr"/>
+            <a:endParaRPr lang="zh-TW" altLang="en-US"/>
+          </a:p>
+        </p:txBody>
+      </p:sp>
+      <p:sp>
+        <p:nvSpPr>
+          <p:cNvPr id="94" name="矩形 93">
+            <a:extLst>
+              <a:ext uri="{FF2B5EF4-FFF2-40B4-BE49-F238E27FC236}">
+                <a16:creationId xmlns:a16="http://schemas.microsoft.com/office/drawing/2014/main" id="{E2C503F0-4F2B-49AA-9807-CE56CE28103E}"/>
+              </a:ext>
+            </a:extLst>
+          </p:cNvPr>
+          <p:cNvSpPr/>
+          <p:nvPr/>
+        </p:nvSpPr>
+        <p:spPr>
+          <a:xfrm rot="2530784">
+            <a:off x="4257145" y="1119501"/>
+            <a:ext cx="69924" cy="109158"/>
+          </a:xfrm>
+          <a:prstGeom prst="rect">
+            <a:avLst/>
+          </a:prstGeom>
+          <a:solidFill>
+            <a:schemeClr val="tx1"/>
+          </a:solidFill>
+          <a:ln>
+            <a:noFill/>
+          </a:ln>
+          <a:effectLst>
+            <a:outerShdw blurRad="50800" dist="38100" dir="2700000" algn="tl" rotWithShape="0">
+              <a:prstClr val="black">
+                <a:alpha val="40000"/>
+              </a:prstClr>
+            </a:outerShdw>
+          </a:effectLst>
+        </p:spPr>
+        <p:style>
+          <a:lnRef idx="2">
+            <a:schemeClr val="accent1">
+              <a:shade val="50000"/>
+            </a:schemeClr>
+          </a:lnRef>
+          <a:fillRef idx="1">
+            <a:schemeClr val="accent1"/>
+          </a:fillRef>
+          <a:effectRef idx="0">
+            <a:schemeClr val="accent1"/>
+          </a:effectRef>
+          <a:fontRef idx="minor">
+            <a:schemeClr val="lt1"/>
+          </a:fontRef>
+        </p:style>
+        <p:txBody>
+          <a:bodyPr rtlCol="0" anchor="ctr"/>
+          <a:lstStyle/>
+          <a:p>
+            <a:pPr algn="ctr"/>
+            <a:endParaRPr lang="zh-TW" altLang="en-US"/>
+          </a:p>
+        </p:txBody>
+      </p:sp>
+      <p:sp>
+        <p:nvSpPr>
+          <p:cNvPr id="11" name="橢圓 10">
+            <a:extLst>
+              <a:ext uri="{FF2B5EF4-FFF2-40B4-BE49-F238E27FC236}">
+                <a16:creationId xmlns:a16="http://schemas.microsoft.com/office/drawing/2014/main" id="{7F0F57DF-376E-4B14-9F98-E8BBDDC29072}"/>
+              </a:ext>
+            </a:extLst>
+          </p:cNvPr>
+          <p:cNvSpPr/>
+          <p:nvPr/>
+        </p:nvSpPr>
+        <p:spPr>
+          <a:xfrm>
+            <a:off x="4330185" y="1031931"/>
+            <a:ext cx="59203" cy="59203"/>
+          </a:xfrm>
+          <a:prstGeom prst="ellipse">
+            <a:avLst/>
+          </a:prstGeom>
+          <a:solidFill>
+            <a:srgbClr val="1F4E79"/>
+          </a:solidFill>
+          <a:ln>
+            <a:noFill/>
+          </a:ln>
+          <a:effectLst>
+            <a:outerShdw blurRad="50800" dist="38100" dir="2700000" algn="tl" rotWithShape="0">
+              <a:prstClr val="black">
+                <a:alpha val="40000"/>
+              </a:prstClr>
+            </a:outerShdw>
+          </a:effectLst>
+        </p:spPr>
+        <p:style>
+          <a:lnRef idx="2">
+            <a:schemeClr val="accent1">
+              <a:shade val="50000"/>
+            </a:schemeClr>
+          </a:lnRef>
+          <a:fillRef idx="1">
+            <a:schemeClr val="accent1"/>
+          </a:fillRef>
+          <a:effectRef idx="0">
+            <a:schemeClr val="accent1"/>
+          </a:effectRef>
+          <a:fontRef idx="minor">
+            <a:schemeClr val="lt1"/>
+          </a:fontRef>
+        </p:style>
+        <p:txBody>
+          <a:bodyPr rtlCol="0" anchor="ctr"/>
+          <a:lstStyle/>
+          <a:p>
+            <a:pPr algn="ctr"/>
+            <a:endParaRPr lang="zh-TW" altLang="en-US"/>
+          </a:p>
+        </p:txBody>
+      </p:sp>
+      <p:sp>
+        <p:nvSpPr>
+          <p:cNvPr id="95" name="橢圓 94">
+            <a:extLst>
+              <a:ext uri="{FF2B5EF4-FFF2-40B4-BE49-F238E27FC236}">
+                <a16:creationId xmlns:a16="http://schemas.microsoft.com/office/drawing/2014/main" id="{68A2EF6E-3D98-40E4-8286-C041C19C5215}"/>
+              </a:ext>
+            </a:extLst>
+          </p:cNvPr>
+          <p:cNvSpPr/>
+          <p:nvPr/>
+        </p:nvSpPr>
+        <p:spPr>
+          <a:xfrm>
+            <a:off x="4049151" y="1255548"/>
+            <a:ext cx="59203" cy="59203"/>
+          </a:xfrm>
+          <a:prstGeom prst="ellipse">
+            <a:avLst/>
+          </a:prstGeom>
+          <a:solidFill>
+            <a:srgbClr val="1F4E79"/>
+          </a:solidFill>
+          <a:ln>
+            <a:noFill/>
+          </a:ln>
+          <a:effectLst>
+            <a:outerShdw blurRad="50800" dist="38100" dir="2700000" algn="tl" rotWithShape="0">
+              <a:prstClr val="black">
+                <a:alpha val="40000"/>
+              </a:prstClr>
+            </a:outerShdw>
+          </a:effectLst>
+        </p:spPr>
+        <p:style>
+          <a:lnRef idx="2">
+            <a:schemeClr val="accent1">
+              <a:shade val="50000"/>
+            </a:schemeClr>
+          </a:lnRef>
+          <a:fillRef idx="1">
+            <a:schemeClr val="accent1"/>
+          </a:fillRef>
+          <a:effectRef idx="0">
+            <a:schemeClr val="accent1"/>
+          </a:effectRef>
+          <a:fontRef idx="minor">
+            <a:schemeClr val="lt1"/>
+          </a:fontRef>
+        </p:style>
+        <p:txBody>
+          <a:bodyPr rtlCol="0" anchor="ctr"/>
+          <a:lstStyle/>
+          <a:p>
+            <a:pPr algn="ctr"/>
+            <a:endParaRPr lang="zh-TW" altLang="en-US"/>
+          </a:p>
+        </p:txBody>
+      </p:sp>
+      <p:sp>
+        <p:nvSpPr>
+          <p:cNvPr id="96" name="橢圓 95">
+            <a:extLst>
+              <a:ext uri="{FF2B5EF4-FFF2-40B4-BE49-F238E27FC236}">
+                <a16:creationId xmlns:a16="http://schemas.microsoft.com/office/drawing/2014/main" id="{D153AF31-AAB5-44D3-A5CD-C0FEA6364FC3}"/>
+              </a:ext>
+            </a:extLst>
+          </p:cNvPr>
+          <p:cNvSpPr/>
+          <p:nvPr/>
+        </p:nvSpPr>
+        <p:spPr>
+          <a:xfrm>
+            <a:off x="3825440" y="1118919"/>
+            <a:ext cx="59203" cy="59203"/>
+          </a:xfrm>
+          <a:prstGeom prst="ellipse">
+            <a:avLst/>
+          </a:prstGeom>
+          <a:solidFill>
+            <a:srgbClr val="1F4E79"/>
+          </a:solidFill>
+          <a:ln>
+            <a:noFill/>
+          </a:ln>
+          <a:effectLst>
+            <a:outerShdw blurRad="50800" dist="38100" dir="2700000" algn="tl" rotWithShape="0">
+              <a:prstClr val="black">
+                <a:alpha val="40000"/>
+              </a:prstClr>
+            </a:outerShdw>
+          </a:effectLst>
+        </p:spPr>
+        <p:style>
+          <a:lnRef idx="2">
+            <a:schemeClr val="accent1">
+              <a:shade val="50000"/>
+            </a:schemeClr>
+          </a:lnRef>
+          <a:fillRef idx="1">
+            <a:schemeClr val="accent1"/>
+          </a:fillRef>
+          <a:effectRef idx="0">
+            <a:schemeClr val="accent1"/>
+          </a:effectRef>
+          <a:fontRef idx="minor">
+            <a:schemeClr val="lt1"/>
+          </a:fontRef>
+        </p:style>
+        <p:txBody>
+          <a:bodyPr rtlCol="0" anchor="ctr"/>
+          <a:lstStyle/>
+          <a:p>
+            <a:pPr algn="ctr"/>
+            <a:endParaRPr lang="zh-TW" altLang="en-US"/>
+          </a:p>
+        </p:txBody>
+      </p:sp>
+      <p:sp>
+        <p:nvSpPr>
+          <p:cNvPr id="97" name="橢圓 96">
+            <a:extLst>
+              <a:ext uri="{FF2B5EF4-FFF2-40B4-BE49-F238E27FC236}">
+                <a16:creationId xmlns:a16="http://schemas.microsoft.com/office/drawing/2014/main" id="{15C14379-41AF-4854-BB12-B04F44CAD5AC}"/>
+              </a:ext>
+            </a:extLst>
+          </p:cNvPr>
+          <p:cNvSpPr/>
+          <p:nvPr/>
+        </p:nvSpPr>
+        <p:spPr>
+          <a:xfrm>
+            <a:off x="3595770" y="1253894"/>
+            <a:ext cx="59203" cy="59203"/>
+          </a:xfrm>
+          <a:prstGeom prst="ellipse">
+            <a:avLst/>
+          </a:prstGeom>
+          <a:solidFill>
+            <a:srgbClr val="1F4E79"/>
+          </a:solidFill>
+          <a:ln>
+            <a:noFill/>
+          </a:ln>
+          <a:effectLst>
+            <a:outerShdw blurRad="50800" dist="38100" dir="2700000" algn="tl" rotWithShape="0">
+              <a:prstClr val="black">
+                <a:alpha val="40000"/>
+              </a:prstClr>
+            </a:outerShdw>
+          </a:effectLst>
+        </p:spPr>
+        <p:style>
+          <a:lnRef idx="2">
+            <a:schemeClr val="accent1">
+              <a:shade val="50000"/>
+            </a:schemeClr>
+          </a:lnRef>
+          <a:fillRef idx="1">
+            <a:schemeClr val="accent1"/>
+          </a:fillRef>
+          <a:effectRef idx="0">
+            <a:schemeClr val="accent1"/>
+          </a:effectRef>
+          <a:fontRef idx="minor">
+            <a:schemeClr val="lt1"/>
+          </a:fontRef>
+        </p:style>
+        <p:txBody>
+          <a:bodyPr rtlCol="0" anchor="ctr"/>
+          <a:lstStyle/>
+          <a:p>
+            <a:pPr algn="ctr"/>
+            <a:endParaRPr lang="zh-TW" altLang="en-US"/>
+          </a:p>
+        </p:txBody>
+      </p:sp>
+      <p:sp>
+        <p:nvSpPr>
+          <p:cNvPr id="98" name="橢圓 97">
+            <a:extLst>
+              <a:ext uri="{FF2B5EF4-FFF2-40B4-BE49-F238E27FC236}">
+                <a16:creationId xmlns:a16="http://schemas.microsoft.com/office/drawing/2014/main" id="{2DD2FD8A-89A9-4196-A5E1-5E1B87EBBBF7}"/>
+              </a:ext>
+            </a:extLst>
+          </p:cNvPr>
+          <p:cNvSpPr/>
+          <p:nvPr/>
+        </p:nvSpPr>
+        <p:spPr>
+          <a:xfrm>
+            <a:off x="3291526" y="1037639"/>
+            <a:ext cx="59203" cy="59203"/>
+          </a:xfrm>
+          <a:prstGeom prst="ellipse">
+            <a:avLst/>
+          </a:prstGeom>
+          <a:solidFill>
+            <a:srgbClr val="1F4E79"/>
+          </a:solidFill>
+          <a:ln>
+            <a:noFill/>
+          </a:ln>
+          <a:effectLst>
+            <a:outerShdw blurRad="50800" dist="38100" dir="2700000" algn="tl" rotWithShape="0">
+              <a:prstClr val="black">
+                <a:alpha val="40000"/>
+              </a:prstClr>
+            </a:outerShdw>
+          </a:effectLst>
+        </p:spPr>
+        <p:style>
+          <a:lnRef idx="2">
+            <a:schemeClr val="accent1">
+              <a:shade val="50000"/>
+            </a:schemeClr>
+          </a:lnRef>
+          <a:fillRef idx="1">
+            <a:schemeClr val="accent1"/>
+          </a:fillRef>
+          <a:effectRef idx="0">
+            <a:schemeClr val="accent1"/>
+          </a:effectRef>
+          <a:fontRef idx="minor">
+            <a:schemeClr val="lt1"/>
+          </a:fontRef>
+        </p:style>
+        <p:txBody>
+          <a:bodyPr rtlCol="0" anchor="ctr"/>
+          <a:lstStyle/>
+          <a:p>
+            <a:pPr algn="ctr"/>
+            <a:endParaRPr lang="zh-TW" altLang="en-US"/>
+          </a:p>
+        </p:txBody>
+      </p:sp>
+      <p:pic>
+        <p:nvPicPr>
+          <p:cNvPr id="93" name="圖片 92">
+            <a:extLst>
+              <a:ext uri="{FF2B5EF4-FFF2-40B4-BE49-F238E27FC236}">
+                <a16:creationId xmlns:a16="http://schemas.microsoft.com/office/drawing/2014/main" id="{AA78BF62-17CD-1436-F50A-7B15F5DA6C94}"/>
+              </a:ext>
+            </a:extLst>
+          </p:cNvPr>
+          <p:cNvPicPr>
+            <a:picLocks noChangeAspect="1"/>
+          </p:cNvPicPr>
+          <p:nvPr/>
+        </p:nvPicPr>
         <p:blipFill rotWithShape="1">
-          <a:blip r:embed="rId15">
-            <a:extLst>
-              <a:ext uri="{BEBA8EAE-BF5A-486C-A8C5-ECC9F3942E4B}">
-                <a14:imgProps xmlns:a14="http://schemas.microsoft.com/office/drawing/2010/main">
-                  <a14:imgLayer r:embed="rId16">
-                    <a14:imgEffect>
-                      <a14:backgroundRemoval t="0" b="100000" l="1683" r="100000">
-                        <a14:foregroundMark x1="40533" y1="34182" x2="49369" y2="57091"/>
-                        <a14:foregroundMark x1="49509" y1="32000" x2="56662" y2="53818"/>
-                        <a14:foregroundMark x1="64376" y1="40121" x2="64937" y2="50182"/>
-                        <a14:foregroundMark x1="74334" y1="36242" x2="43058" y2="48485"/>
-                        <a14:foregroundMark x1="35905" y1="43758" x2="64516" y2="42667"/>
-                        <a14:foregroundMark x1="43478" y1="36970" x2="56942" y2="39515"/>
-                        <a14:foregroundMark x1="17391" y1="35515" x2="56662" y2="37212"/>
-                        <a14:foregroundMark x1="33380" y1="34909" x2="55820" y2="40727"/>
-                        <a14:foregroundMark x1="35203" y1="39879" x2="35203" y2="39879"/>
-                        <a14:foregroundMark x1="35624" y1="40121" x2="36185" y2="40727"/>
-                        <a14:foregroundMark x1="36185" y1="39758" x2="36606" y2="39152"/>
-                        <a14:foregroundMark x1="37868" y1="37939" x2="39551" y2="36970"/>
-                        <a14:foregroundMark x1="42216" y1="36485" x2="41094" y2="36121"/>
-                        <a14:foregroundMark x1="36606" y1="34182" x2="35624" y2="47030"/>
-                        <a14:foregroundMark x1="38569" y1="38545" x2="40533" y2="40848"/>
-                        <a14:foregroundMark x1="54698" y1="38424" x2="51052" y2="61818"/>
-                        <a14:foregroundMark x1="54979" y1="50545" x2="54979" y2="53091"/>
-                        <a14:foregroundMark x1="64937" y1="43273" x2="61010" y2="68000"/>
-                        <a14:foregroundMark x1="61851" y1="40121" x2="56662" y2="56606"/>
-                        <a14:foregroundMark x1="50631" y1="29455" x2="43759" y2="57333"/>
-                        <a14:foregroundMark x1="42216" y1="33212" x2="38850" y2="44970"/>
-                        <a14:foregroundMark x1="38569" y1="32970" x2="29593" y2="51394"/>
-                        <a14:foregroundMark x1="32819" y1="32242" x2="29173" y2="42424"/>
-                        <a14:foregroundMark x1="34081" y1="28364" x2="27349" y2="56727"/>
-                        <a14:foregroundMark x1="62973" y1="28848" x2="65498" y2="48970"/>
-                        <a14:foregroundMark x1="71529" y1="27394" x2="69425" y2="48606"/>
-                        <a14:foregroundMark x1="69004" y1="30424" x2="68583" y2="65697"/>
-                        <a14:foregroundMark x1="70126" y1="51879" x2="62973" y2="75273"/>
-                        <a14:foregroundMark x1="51332" y1="54667" x2="50210" y2="75879"/>
-                        <a14:foregroundMark x1="53156" y1="64485" x2="53156" y2="64485"/>
-                        <a14:foregroundMark x1="53156" y1="63879" x2="53156" y2="63879"/>
-                        <a14:foregroundMark x1="52174" y1="62909" x2="50631" y2="63152"/>
-                        <a14:foregroundMark x1="49930" y1="63394" x2="49369" y2="63394"/>
-                        <a14:foregroundMark x1="49088" y1="63515" x2="49088" y2="63515"/>
-                        <a14:foregroundMark x1="48948" y1="63515" x2="48948" y2="63515"/>
-                        <a14:foregroundMark x1="51052" y1="60485" x2="53997" y2="58545"/>
-                        <a14:foregroundMark x1="60729" y1="56364" x2="61571" y2="56364"/>
-                        <a14:foregroundMark x1="67461" y1="58545" x2="66339" y2="66667"/>
-                        <a14:foregroundMark x1="64937" y1="69697" x2="63394" y2="71515"/>
-                        <a14:foregroundMark x1="56662" y1="71515" x2="48948" y2="71879"/>
-                        <a14:foregroundMark x1="44881" y1="70667" x2="44180" y2="70303"/>
-                        <a14:foregroundMark x1="41655" y1="66061" x2="40813" y2="59636"/>
-                        <a14:foregroundMark x1="40393" y1="51879" x2="40393" y2="51152"/>
-                        <a14:foregroundMark x1="40533" y1="46303" x2="40813" y2="45333"/>
-                        <a14:foregroundMark x1="42356" y1="39515" x2="42777" y2="38424"/>
-                        <a14:foregroundMark x1="44180" y1="32000" x2="44460" y2="30061"/>
-                        <a14:foregroundMark x1="43899" y1="19030" x2="41935" y2="29455"/>
-                        <a14:foregroundMark x1="41935" y1="16364" x2="41935" y2="16364"/>
-                        <a14:foregroundMark x1="40393" y1="16364" x2="38850" y2="29455"/>
-                        <a14:foregroundMark x1="41935" y1="17091" x2="41935" y2="17091"/>
-                        <a14:foregroundMark x1="42356" y1="15515" x2="35624" y2="36606"/>
-                        <a14:foregroundMark x1="40533" y1="16121" x2="37447" y2="30424"/>
-                        <a14:foregroundMark x1="46844" y1="24606" x2="63394" y2="58061"/>
-                        <a14:foregroundMark x1="69705" y1="48485" x2="70407" y2="53455"/>
-                        <a14:foregroundMark x1="73212" y1="37939" x2="79523" y2="63515"/>
-                        <a14:foregroundMark x1="46704" y1="37455" x2="58906" y2="44606"/>
-                        <a14:foregroundMark x1="25386" y1="41455" x2="62132" y2="45939"/>
-                        <a14:foregroundMark x1="58345" y1="21697" x2="46143" y2="53697"/>
-                        <a14:foregroundMark x1="52875" y1="30424" x2="52735" y2="32242"/>
-                        <a14:foregroundMark x1="54979" y1="27515" x2="54979" y2="27515"/>
-                        <a14:foregroundMark x1="54278" y1="25576" x2="53576" y2="25091"/>
-                        <a14:foregroundMark x1="51753" y1="23879" x2="51753" y2="23879"/>
-                        <a14:foregroundMark x1="52454" y1="22182" x2="52454" y2="22182"/>
-                        <a14:foregroundMark x1="53156" y1="20970" x2="53156" y2="20970"/>
-                        <a14:foregroundMark x1="55119" y1="20970" x2="52454" y2="24121"/>
-                        <a14:foregroundMark x1="51332" y1="25455" x2="50912" y2="26424"/>
-                        <a14:foregroundMark x1="50912" y1="27152" x2="50912" y2="28485"/>
-                        <a14:foregroundMark x1="53997" y1="29455" x2="53997" y2="29455"/>
-                        <a14:foregroundMark x1="51753" y1="27030" x2="51753" y2="27030"/>
-                        <a14:foregroundMark x1="55540" y1="26061" x2="55540" y2="26061"/>
-                        <a14:foregroundMark x1="60309" y1="24121" x2="60309" y2="24121"/>
-                        <a14:foregroundMark x1="55400" y1="20364" x2="53857" y2="22667"/>
-                        <a14:foregroundMark x1="53576" y1="28485" x2="53857" y2="29818"/>
-                        <a14:foregroundMark x1="40533" y1="17818" x2="61851" y2="18303"/>
-                        <a14:foregroundMark x1="42216" y1="39030" x2="73773" y2="42667"/>
-                        <a14:backgroundMark x1="28471" y1="8606" x2="28471" y2="8606"/>
-                        <a14:backgroundMark x1="92707" y1="6303" x2="92707" y2="6303"/>
-                        <a14:backgroundMark x1="86676" y1="7030" x2="72370" y2="6061"/>
-                        <a14:backgroundMark x1="14446" y1="1818" x2="7433" y2="7273"/>
-                        <a14:backgroundMark x1="11501" y1="86303" x2="30715" y2="95879"/>
-                        <a14:backgroundMark x1="33380" y1="3152" x2="11501" y2="16727"/>
-                        <a14:backgroundMark x1="90042" y1="86182" x2="64516" y2="99515"/>
-                      </a14:backgroundRemoval>
-                    </a14:imgEffect>
-                  </a14:imgLayer>
-                </a14:imgProps>
+          <a:blip r:embed="rId11">
+            <a:clrChange>
+              <a:clrFrom>
+                <a:srgbClr val="FFFFFF"/>
+              </a:clrFrom>
+              <a:clrTo>
+                <a:srgbClr val="FFFFFF">
+                  <a:alpha val="0"/>
+                </a:srgbClr>
+              </a:clrTo>
+            </a:clrChange>
+            <a:extLst>
+              <a:ext uri="{28A0092B-C50C-407E-A947-70E740481C1C}">
+                <a14:useLocalDpi xmlns:a14="http://schemas.microsoft.com/office/drawing/2010/main" val="0"/>
               </a:ext>
             </a:extLst>
           </a:blip>
-          <a:srcRect l="2360" r="406"/>
+          <a:srcRect b="37394"/>
           <a:stretch/>
         </p:blipFill>
         <p:spPr>
           <a:xfrm>
-            <a:off x="3897559" y="124252"/>
-            <a:ext cx="5439022" cy="6472475"/>
+            <a:off x="3054096" y="1432785"/>
+            <a:ext cx="1603248" cy="943477"/>
+          </a:xfrm>
+          <a:prstGeom prst="rect">
+            <a:avLst/>
+          </a:prstGeom>
+          <a:effectLst>
+            <a:outerShdw blurRad="50800" dist="38100" dir="2700000" algn="tl" rotWithShape="0">
+              <a:prstClr val="black">
+                <a:alpha val="40000"/>
+              </a:prstClr>
+            </a:outerShdw>
+          </a:effectLst>
+        </p:spPr>
+      </p:pic>
+      <p:pic>
+        <p:nvPicPr>
+          <p:cNvPr id="23" name="圖片 22">
+            <a:extLst>
+              <a:ext uri="{FF2B5EF4-FFF2-40B4-BE49-F238E27FC236}">
+                <a16:creationId xmlns:a16="http://schemas.microsoft.com/office/drawing/2014/main" id="{4ED9A3D2-8FF2-5A6E-B7E6-75ACA3AE3C6C}"/>
+              </a:ext>
+            </a:extLst>
+          </p:cNvPr>
+          <p:cNvPicPr>
+            <a:picLocks noChangeAspect="1"/>
+          </p:cNvPicPr>
+          <p:nvPr/>
+        </p:nvPicPr>
+        <p:blipFill>
+          <a:blip r:embed="rId12"/>
+          <a:stretch>
+            <a:fillRect/>
+          </a:stretch>
+        </p:blipFill>
+        <p:spPr>
+          <a:xfrm rot="15683100">
+            <a:off x="3650590" y="1657742"/>
+            <a:ext cx="392863" cy="394770"/>
+          </a:xfrm>
+          <a:prstGeom prst="rect">
+            <a:avLst/>
+          </a:prstGeom>
+        </p:spPr>
+      </p:pic>
+      <p:pic>
+        <p:nvPicPr>
+          <p:cNvPr id="26" name="圖片 25">
+            <a:extLst>
+              <a:ext uri="{FF2B5EF4-FFF2-40B4-BE49-F238E27FC236}">
+                <a16:creationId xmlns:a16="http://schemas.microsoft.com/office/drawing/2014/main" id="{ACE6E327-882A-D2EB-20E6-B3B2718E8890}"/>
+              </a:ext>
+            </a:extLst>
+          </p:cNvPr>
+          <p:cNvPicPr>
+            <a:picLocks noChangeAspect="1"/>
+          </p:cNvPicPr>
+          <p:nvPr/>
+        </p:nvPicPr>
+        <p:blipFill>
+          <a:blip r:embed="rId13"/>
+          <a:stretch>
+            <a:fillRect/>
+          </a:stretch>
+        </p:blipFill>
+        <p:spPr>
+          <a:xfrm>
+            <a:off x="3291527" y="2016150"/>
+            <a:ext cx="318668" cy="317172"/>
+          </a:xfrm>
+          <a:prstGeom prst="rect">
+            <a:avLst/>
+          </a:prstGeom>
+        </p:spPr>
+      </p:pic>
+      <p:pic>
+        <p:nvPicPr>
+          <p:cNvPr id="99" name="圖片 98">
+            <a:extLst>
+              <a:ext uri="{FF2B5EF4-FFF2-40B4-BE49-F238E27FC236}">
+                <a16:creationId xmlns:a16="http://schemas.microsoft.com/office/drawing/2014/main" id="{8BB37C91-C1C7-388B-8F84-34DE8873E0A7}"/>
+              </a:ext>
+            </a:extLst>
+          </p:cNvPr>
+          <p:cNvPicPr>
+            <a:picLocks noChangeAspect="1"/>
+          </p:cNvPicPr>
+          <p:nvPr/>
+        </p:nvPicPr>
+        <p:blipFill>
+          <a:blip r:embed="rId14"/>
+          <a:stretch>
+            <a:fillRect/>
+          </a:stretch>
+        </p:blipFill>
+        <p:spPr>
+          <a:xfrm>
+            <a:off x="4047093" y="1928131"/>
+            <a:ext cx="480861" cy="479125"/>
+          </a:xfrm>
+          <a:prstGeom prst="rect">
+            <a:avLst/>
+          </a:prstGeom>
+        </p:spPr>
+      </p:pic>
+      <p:pic>
+        <p:nvPicPr>
+          <p:cNvPr id="100" name="圖片 99">
+            <a:extLst>
+              <a:ext uri="{FF2B5EF4-FFF2-40B4-BE49-F238E27FC236}">
+                <a16:creationId xmlns:a16="http://schemas.microsoft.com/office/drawing/2014/main" id="{54AA3A1D-DEC9-E66F-9D36-77B116BA256F}"/>
+              </a:ext>
+            </a:extLst>
+          </p:cNvPr>
+          <p:cNvPicPr>
+            <a:picLocks noChangeAspect="1"/>
+          </p:cNvPicPr>
+          <p:nvPr/>
+        </p:nvPicPr>
+        <p:blipFill>
+          <a:blip r:embed="rId15"/>
+          <a:stretch>
+            <a:fillRect/>
+          </a:stretch>
+        </p:blipFill>
+        <p:spPr>
+          <a:xfrm flipH="1">
+            <a:off x="3689672" y="2054181"/>
+            <a:ext cx="326344" cy="326344"/>
           </a:xfrm>
           <a:prstGeom prst="rect">
             <a:avLst/>
@@ -6755,7 +10097,84 @@
     </p:spTree>
     <p:extLst>
       <p:ext uri="{BB962C8B-B14F-4D97-AF65-F5344CB8AC3E}">
-        <p14:creationId xmlns:p14="http://schemas.microsoft.com/office/powerpoint/2010/main" val="4244024987"/>
+        <p14:creationId xmlns:p14="http://schemas.microsoft.com/office/powerpoint/2010/main" val="4004512014"/>
+      </p:ext>
+    </p:extLst>
+  </p:cSld>
+  <p:clrMapOvr>
+    <a:masterClrMapping/>
+  </p:clrMapOvr>
+</p:sld>
+</file>
+
+<file path=ppt/slides/slide3.xml><?xml version="1.0" encoding="utf-8"?>
+<p:sld xmlns:a="http://schemas.openxmlformats.org/drawingml/2006/main" xmlns:r="http://schemas.openxmlformats.org/officeDocument/2006/relationships" xmlns:p="http://schemas.openxmlformats.org/presentationml/2006/main">
+  <p:cSld>
+    <p:spTree>
+      <p:nvGrpSpPr>
+        <p:cNvPr id="1" name=""/>
+        <p:cNvGrpSpPr/>
+        <p:nvPr/>
+      </p:nvGrpSpPr>
+      <p:grpSpPr>
+        <a:xfrm>
+          <a:off x="0" y="0"/>
+          <a:ext cx="0" cy="0"/>
+          <a:chOff x="0" y="0"/>
+          <a:chExt cx="0" cy="0"/>
+        </a:xfrm>
+      </p:grpSpPr>
+      <p:pic>
+        <p:nvPicPr>
+          <p:cNvPr id="1026" name="Picture 2" descr="2021 總統盃黑客松交通部資料協力單位介紹(1/3)">
+            <a:extLst>
+              <a:ext uri="{FF2B5EF4-FFF2-40B4-BE49-F238E27FC236}">
+                <a16:creationId xmlns:a16="http://schemas.microsoft.com/office/drawing/2014/main" id="{C0B0527F-E8E4-4664-BCF6-631CBDC4136F}"/>
+              </a:ext>
+            </a:extLst>
+          </p:cNvPr>
+          <p:cNvPicPr>
+            <a:picLocks noChangeAspect="1" noChangeArrowheads="1"/>
+          </p:cNvPicPr>
+          <p:nvPr/>
+        </p:nvPicPr>
+        <p:blipFill>
+          <a:blip r:embed="rId2">
+            <a:extLst>
+              <a:ext uri="{28A0092B-C50C-407E-A947-70E740481C1C}">
+                <a14:useLocalDpi xmlns:a14="http://schemas.microsoft.com/office/drawing/2010/main" val="0"/>
+              </a:ext>
+            </a:extLst>
+          </a:blip>
+          <a:srcRect/>
+          <a:stretch>
+            <a:fillRect/>
+          </a:stretch>
+        </p:blipFill>
+        <p:spPr bwMode="auto">
+          <a:xfrm>
+            <a:off x="1662846" y="1154722"/>
+            <a:ext cx="8254878" cy="1276677"/>
+          </a:xfrm>
+          <a:prstGeom prst="rect">
+            <a:avLst/>
+          </a:prstGeom>
+          <a:noFill/>
+          <a:extLst>
+            <a:ext uri="{909E8E84-426E-40DD-AFC4-6F175D3DCCD1}">
+              <a14:hiddenFill xmlns:a14="http://schemas.microsoft.com/office/drawing/2010/main">
+                <a:solidFill>
+                  <a:srgbClr val="FFFFFF"/>
+                </a:solidFill>
+              </a14:hiddenFill>
+            </a:ext>
+          </a:extLst>
+        </p:spPr>
+      </p:pic>
+    </p:spTree>
+    <p:extLst>
+      <p:ext uri="{BB962C8B-B14F-4D97-AF65-F5344CB8AC3E}">
+        <p14:creationId xmlns:p14="http://schemas.microsoft.com/office/powerpoint/2010/main" val="3531486960"/>
       </p:ext>
     </p:extLst>
   </p:cSld>

--- a/figure/TDX Icon.pptx
+++ b/figure/TDX Icon.pptx
@@ -261,7 +261,7 @@
           <a:p>
             <a:fld id="{B9D02C58-344E-4FB0-BCB3-AC66D8D6007F}" type="datetimeFigureOut">
               <a:rPr lang="zh-TW" altLang="en-US" smtClean="0"/>
-              <a:t>2022/6/2</a:t>
+              <a:t>2022/6/17</a:t>
             </a:fld>
             <a:endParaRPr lang="zh-TW" altLang="en-US"/>
           </a:p>
@@ -459,7 +459,7 @@
           <a:p>
             <a:fld id="{B9D02C58-344E-4FB0-BCB3-AC66D8D6007F}" type="datetimeFigureOut">
               <a:rPr lang="zh-TW" altLang="en-US" smtClean="0"/>
-              <a:t>2022/6/2</a:t>
+              <a:t>2022/6/17</a:t>
             </a:fld>
             <a:endParaRPr lang="zh-TW" altLang="en-US"/>
           </a:p>
@@ -667,7 +667,7 @@
           <a:p>
             <a:fld id="{B9D02C58-344E-4FB0-BCB3-AC66D8D6007F}" type="datetimeFigureOut">
               <a:rPr lang="zh-TW" altLang="en-US" smtClean="0"/>
-              <a:t>2022/6/2</a:t>
+              <a:t>2022/6/17</a:t>
             </a:fld>
             <a:endParaRPr lang="zh-TW" altLang="en-US"/>
           </a:p>
@@ -865,7 +865,7 @@
           <a:p>
             <a:fld id="{B9D02C58-344E-4FB0-BCB3-AC66D8D6007F}" type="datetimeFigureOut">
               <a:rPr lang="zh-TW" altLang="en-US" smtClean="0"/>
-              <a:t>2022/6/2</a:t>
+              <a:t>2022/6/17</a:t>
             </a:fld>
             <a:endParaRPr lang="zh-TW" altLang="en-US"/>
           </a:p>
@@ -1140,7 +1140,7 @@
           <a:p>
             <a:fld id="{B9D02C58-344E-4FB0-BCB3-AC66D8D6007F}" type="datetimeFigureOut">
               <a:rPr lang="zh-TW" altLang="en-US" smtClean="0"/>
-              <a:t>2022/6/2</a:t>
+              <a:t>2022/6/17</a:t>
             </a:fld>
             <a:endParaRPr lang="zh-TW" altLang="en-US"/>
           </a:p>
@@ -1405,7 +1405,7 @@
           <a:p>
             <a:fld id="{B9D02C58-344E-4FB0-BCB3-AC66D8D6007F}" type="datetimeFigureOut">
               <a:rPr lang="zh-TW" altLang="en-US" smtClean="0"/>
-              <a:t>2022/6/2</a:t>
+              <a:t>2022/6/17</a:t>
             </a:fld>
             <a:endParaRPr lang="zh-TW" altLang="en-US"/>
           </a:p>
@@ -1817,7 +1817,7 @@
           <a:p>
             <a:fld id="{B9D02C58-344E-4FB0-BCB3-AC66D8D6007F}" type="datetimeFigureOut">
               <a:rPr lang="zh-TW" altLang="en-US" smtClean="0"/>
-              <a:t>2022/6/2</a:t>
+              <a:t>2022/6/17</a:t>
             </a:fld>
             <a:endParaRPr lang="zh-TW" altLang="en-US"/>
           </a:p>
@@ -1958,7 +1958,7 @@
           <a:p>
             <a:fld id="{B9D02C58-344E-4FB0-BCB3-AC66D8D6007F}" type="datetimeFigureOut">
               <a:rPr lang="zh-TW" altLang="en-US" smtClean="0"/>
-              <a:t>2022/6/2</a:t>
+              <a:t>2022/6/17</a:t>
             </a:fld>
             <a:endParaRPr lang="zh-TW" altLang="en-US"/>
           </a:p>
@@ -2071,7 +2071,7 @@
           <a:p>
             <a:fld id="{B9D02C58-344E-4FB0-BCB3-AC66D8D6007F}" type="datetimeFigureOut">
               <a:rPr lang="zh-TW" altLang="en-US" smtClean="0"/>
-              <a:t>2022/6/2</a:t>
+              <a:t>2022/6/17</a:t>
             </a:fld>
             <a:endParaRPr lang="zh-TW" altLang="en-US"/>
           </a:p>
@@ -2382,7 +2382,7 @@
           <a:p>
             <a:fld id="{B9D02C58-344E-4FB0-BCB3-AC66D8D6007F}" type="datetimeFigureOut">
               <a:rPr lang="zh-TW" altLang="en-US" smtClean="0"/>
-              <a:t>2022/6/2</a:t>
+              <a:t>2022/6/17</a:t>
             </a:fld>
             <a:endParaRPr lang="zh-TW" altLang="en-US"/>
           </a:p>
@@ -2670,7 +2670,7 @@
           <a:p>
             <a:fld id="{B9D02C58-344E-4FB0-BCB3-AC66D8D6007F}" type="datetimeFigureOut">
               <a:rPr lang="zh-TW" altLang="en-US" smtClean="0"/>
-              <a:t>2022/6/2</a:t>
+              <a:t>2022/6/17</a:t>
             </a:fld>
             <a:endParaRPr lang="zh-TW" altLang="en-US"/>
           </a:p>
@@ -2911,7 +2911,7 @@
           <a:p>
             <a:fld id="{B9D02C58-344E-4FB0-BCB3-AC66D8D6007F}" type="datetimeFigureOut">
               <a:rPr lang="zh-TW" altLang="en-US" smtClean="0"/>
-              <a:t>2022/6/2</a:t>
+              <a:t>2022/6/17</a:t>
             </a:fld>
             <a:endParaRPr lang="zh-TW" altLang="en-US"/>
           </a:p>
@@ -6674,7 +6674,7 @@
         </p:nvSpPr>
         <p:spPr>
           <a:xfrm>
-            <a:off x="1741250" y="509512"/>
+            <a:off x="150152" y="509512"/>
             <a:ext cx="4270443" cy="5031212"/>
           </a:xfrm>
           <a:prstGeom prst="rect">
@@ -10094,6 +10094,36 @@
           </a:prstGeom>
         </p:spPr>
       </p:pic>
+      <p:pic>
+        <p:nvPicPr>
+          <p:cNvPr id="8" name="圖片 7">
+            <a:extLst>
+              <a:ext uri="{FF2B5EF4-FFF2-40B4-BE49-F238E27FC236}">
+                <a16:creationId xmlns:a16="http://schemas.microsoft.com/office/drawing/2014/main" id="{3B7E4088-EADC-432A-D633-9A1C35EE986C}"/>
+              </a:ext>
+            </a:extLst>
+          </p:cNvPr>
+          <p:cNvPicPr>
+            <a:picLocks noChangeAspect="1"/>
+          </p:cNvPicPr>
+          <p:nvPr/>
+        </p:nvPicPr>
+        <p:blipFill>
+          <a:blip r:embed="rId16"/>
+          <a:stretch>
+            <a:fillRect/>
+          </a:stretch>
+        </p:blipFill>
+        <p:spPr>
+          <a:xfrm>
+            <a:off x="375828" y="4598847"/>
+            <a:ext cx="1592445" cy="1842591"/>
+          </a:xfrm>
+          <a:prstGeom prst="rect">
+            <a:avLst/>
+          </a:prstGeom>
+        </p:spPr>
+      </p:pic>
     </p:spTree>
     <p:extLst>
       <p:ext uri="{BB962C8B-B14F-4D97-AF65-F5344CB8AC3E}">
@@ -10124,12 +10154,64 @@
           <a:chExt cx="0" cy="0"/>
         </a:xfrm>
       </p:grpSpPr>
+      <p:sp>
+        <p:nvSpPr>
+          <p:cNvPr id="15" name="矩形 14">
+            <a:extLst>
+              <a:ext uri="{FF2B5EF4-FFF2-40B4-BE49-F238E27FC236}">
+                <a16:creationId xmlns:a16="http://schemas.microsoft.com/office/drawing/2014/main" id="{542D00F2-9A84-284E-9D65-528E3CAF54B9}"/>
+              </a:ext>
+            </a:extLst>
+          </p:cNvPr>
+          <p:cNvSpPr/>
+          <p:nvPr/>
+        </p:nvSpPr>
+        <p:spPr>
+          <a:xfrm>
+            <a:off x="1536970" y="2889115"/>
+            <a:ext cx="4455268" cy="3083668"/>
+          </a:xfrm>
+          <a:prstGeom prst="rect">
+            <a:avLst/>
+          </a:prstGeom>
+          <a:solidFill>
+            <a:schemeClr val="bg1"/>
+          </a:solidFill>
+          <a:ln>
+            <a:noFill/>
+          </a:ln>
+        </p:spPr>
+        <p:style>
+          <a:lnRef idx="2">
+            <a:schemeClr val="accent1">
+              <a:shade val="50000"/>
+            </a:schemeClr>
+          </a:lnRef>
+          <a:fillRef idx="1">
+            <a:schemeClr val="accent1"/>
+          </a:fillRef>
+          <a:effectRef idx="0">
+            <a:schemeClr val="accent1"/>
+          </a:effectRef>
+          <a:fontRef idx="minor">
+            <a:schemeClr val="lt1"/>
+          </a:fontRef>
+        </p:style>
+        <p:txBody>
+          <a:bodyPr rtlCol="0" anchor="ctr"/>
+          <a:lstStyle/>
+          <a:p>
+            <a:pPr algn="ctr"/>
+            <a:endParaRPr lang="zh-TW" altLang="en-US"/>
+          </a:p>
+        </p:txBody>
+      </p:sp>
       <p:pic>
         <p:nvPicPr>
-          <p:cNvPr id="1026" name="Picture 2" descr="2021 總統盃黑客松交通部資料協力單位介紹(1/3)">
-            <a:extLst>
-              <a:ext uri="{FF2B5EF4-FFF2-40B4-BE49-F238E27FC236}">
-                <a16:creationId xmlns:a16="http://schemas.microsoft.com/office/drawing/2014/main" id="{C0B0527F-E8E4-4664-BCF6-631CBDC4136F}"/>
+          <p:cNvPr id="8" name="Picture 2" descr="2021 總統盃黑客松交通部資料協力單位介紹(1/3)">
+            <a:extLst>
+              <a:ext uri="{FF2B5EF4-FFF2-40B4-BE49-F238E27FC236}">
+                <a16:creationId xmlns:a16="http://schemas.microsoft.com/office/drawing/2014/main" id="{D7C2E9B5-6384-1066-2797-FFD26A4DDFD7}"/>
               </a:ext>
             </a:extLst>
           </p:cNvPr>
@@ -10138,23 +10220,31 @@
           </p:cNvPicPr>
           <p:nvPr/>
         </p:nvPicPr>
-        <p:blipFill>
+        <p:blipFill rotWithShape="1">
           <a:blip r:embed="rId2">
+            <a:clrChange>
+              <a:clrFrom>
+                <a:srgbClr val="FFFFFF"/>
+              </a:clrFrom>
+              <a:clrTo>
+                <a:srgbClr val="FFFFFF">
+                  <a:alpha val="0"/>
+                </a:srgbClr>
+              </a:clrTo>
+            </a:clrChange>
             <a:extLst>
               <a:ext uri="{28A0092B-C50C-407E-A947-70E740481C1C}">
                 <a14:useLocalDpi xmlns:a14="http://schemas.microsoft.com/office/drawing/2010/main" val="0"/>
               </a:ext>
             </a:extLst>
           </a:blip>
-          <a:srcRect/>
-          <a:stretch>
-            <a:fillRect/>
-          </a:stretch>
+          <a:srcRect r="65863" b="4160"/>
+          <a:stretch/>
         </p:blipFill>
         <p:spPr bwMode="auto">
-          <a:xfrm>
-            <a:off x="1662846" y="1154722"/>
-            <a:ext cx="8254878" cy="1276677"/>
+          <a:xfrm rot="1917031">
+            <a:off x="3428954" y="3150020"/>
+            <a:ext cx="1173970" cy="509728"/>
           </a:xfrm>
           <a:prstGeom prst="rect">
             <a:avLst/>
@@ -10169,6 +10259,335 @@
               </a14:hiddenFill>
             </a:ext>
           </a:extLst>
+        </p:spPr>
+      </p:pic>
+      <p:pic>
+        <p:nvPicPr>
+          <p:cNvPr id="1026" name="Picture 2" descr="2021 總統盃黑客松交通部資料協力單位介紹(1/3)">
+            <a:extLst>
+              <a:ext uri="{FF2B5EF4-FFF2-40B4-BE49-F238E27FC236}">
+                <a16:creationId xmlns:a16="http://schemas.microsoft.com/office/drawing/2014/main" id="{C0B0527F-E8E4-4664-BCF6-631CBDC4136F}"/>
+              </a:ext>
+            </a:extLst>
+          </p:cNvPr>
+          <p:cNvPicPr>
+            <a:picLocks noChangeAspect="1" noChangeArrowheads="1"/>
+          </p:cNvPicPr>
+          <p:nvPr/>
+        </p:nvPicPr>
+        <p:blipFill>
+          <a:blip r:embed="rId2">
+            <a:extLst>
+              <a:ext uri="{28A0092B-C50C-407E-A947-70E740481C1C}">
+                <a14:useLocalDpi xmlns:a14="http://schemas.microsoft.com/office/drawing/2010/main" val="0"/>
+              </a:ext>
+            </a:extLst>
+          </a:blip>
+          <a:srcRect/>
+          <a:stretch>
+            <a:fillRect/>
+          </a:stretch>
+        </p:blipFill>
+        <p:spPr bwMode="auto">
+          <a:xfrm>
+            <a:off x="1662846" y="1154722"/>
+            <a:ext cx="8254878" cy="1276677"/>
+          </a:xfrm>
+          <a:prstGeom prst="rect">
+            <a:avLst/>
+          </a:prstGeom>
+          <a:noFill/>
+          <a:extLst>
+            <a:ext uri="{909E8E84-426E-40DD-AFC4-6F175D3DCCD1}">
+              <a14:hiddenFill xmlns:a14="http://schemas.microsoft.com/office/drawing/2010/main">
+                <a:solidFill>
+                  <a:srgbClr val="FFFFFF"/>
+                </a:solidFill>
+              </a14:hiddenFill>
+            </a:ext>
+          </a:extLst>
+        </p:spPr>
+      </p:pic>
+      <p:pic>
+        <p:nvPicPr>
+          <p:cNvPr id="3" name="圖片 2">
+            <a:extLst>
+              <a:ext uri="{FF2B5EF4-FFF2-40B4-BE49-F238E27FC236}">
+                <a16:creationId xmlns:a16="http://schemas.microsoft.com/office/drawing/2014/main" id="{5E7C074D-A5CC-1F3A-2388-42F761BACE93}"/>
+              </a:ext>
+            </a:extLst>
+          </p:cNvPr>
+          <p:cNvPicPr>
+            <a:picLocks noChangeAspect="1"/>
+          </p:cNvPicPr>
+          <p:nvPr/>
+        </p:nvPicPr>
+        <p:blipFill>
+          <a:blip r:embed="rId3">
+            <a:extLst>
+              <a:ext uri="{BEBA8EAE-BF5A-486C-A8C5-ECC9F3942E4B}">
+                <a14:imgProps xmlns:a14="http://schemas.microsoft.com/office/drawing/2010/main">
+                  <a14:imgLayer r:embed="rId4">
+                    <a14:imgEffect>
+                      <a14:backgroundRemoval t="0" b="99879" l="0" r="100000">
+                        <a14:foregroundMark x1="37167" y1="48000" x2="39130" y2="57939"/>
+                        <a14:foregroundMark x1="48668" y1="48485" x2="53015" y2="58061"/>
+                        <a14:foregroundMark x1="65217" y1="48848" x2="70968" y2="59636"/>
+                        <a14:foregroundMark x1="45722" y1="60848" x2="63534" y2="59394"/>
+                        <a14:foregroundMark x1="38990" y1="52485" x2="63675" y2="54303"/>
+                        <a14:foregroundMark x1="51753" y1="50182" x2="61010" y2="71152"/>
+                        <a14:foregroundMark x1="48948" y1="47879" x2="53576" y2="66909"/>
+                        <a14:foregroundMark x1="35764" y1="71152" x2="67882" y2="71394"/>
+                        <a14:foregroundMark x1="35764" y1="73091" x2="66199" y2="75758"/>
+                        <a14:foregroundMark x1="36466" y1="79515" x2="62693" y2="81212"/>
+                        <a14:foregroundMark x1="37447" y1="84848" x2="66199" y2="84364"/>
+                        <a14:foregroundMark x1="68583" y1="77455" x2="66199" y2="83758"/>
+                        <a14:foregroundMark x1="68303" y1="76970" x2="65919" y2="80121"/>
+                        <a14:foregroundMark x1="67882" y1="66061" x2="39691" y2="68364"/>
+                        <a14:foregroundMark x1="62693" y1="64606" x2="62693" y2="72242"/>
+                      </a14:backgroundRemoval>
+                    </a14:imgEffect>
+                  </a14:imgLayer>
+                </a14:imgProps>
+              </a:ext>
+            </a:extLst>
+          </a:blip>
+          <a:stretch>
+            <a:fillRect/>
+          </a:stretch>
+        </p:blipFill>
+        <p:spPr>
+          <a:xfrm>
+            <a:off x="1559412" y="2915613"/>
+            <a:ext cx="2615014" cy="3025788"/>
+          </a:xfrm>
+          <a:prstGeom prst="rect">
+            <a:avLst/>
+          </a:prstGeom>
+        </p:spPr>
+      </p:pic>
+      <p:sp>
+        <p:nvSpPr>
+          <p:cNvPr id="6" name="文字方塊 5">
+            <a:extLst>
+              <a:ext uri="{FF2B5EF4-FFF2-40B4-BE49-F238E27FC236}">
+                <a16:creationId xmlns:a16="http://schemas.microsoft.com/office/drawing/2014/main" id="{406AAFBD-BCB3-F39B-51A1-3FFC001A730F}"/>
+              </a:ext>
+            </a:extLst>
+          </p:cNvPr>
+          <p:cNvSpPr txBox="1"/>
+          <p:nvPr/>
+        </p:nvSpPr>
+        <p:spPr>
+          <a:xfrm>
+            <a:off x="4112910" y="3545113"/>
+            <a:ext cx="1826141" cy="1723549"/>
+          </a:xfrm>
+          <a:prstGeom prst="rect">
+            <a:avLst/>
+          </a:prstGeom>
+          <a:noFill/>
+        </p:spPr>
+        <p:txBody>
+          <a:bodyPr wrap="none" rtlCol="0">
+            <a:spAutoFit/>
+          </a:bodyPr>
+          <a:lstStyle/>
+          <a:p>
+            <a:pPr algn="ctr">
+              <a:spcBef>
+                <a:spcPts val="300"/>
+              </a:spcBef>
+              <a:spcAft>
+                <a:spcPts val="300"/>
+              </a:spcAft>
+            </a:pPr>
+            <a:r>
+              <a:rPr lang="en-US" altLang="zh-TW" sz="3200" b="1" i="0" dirty="0">
+                <a:solidFill>
+                  <a:srgbClr val="333333"/>
+                </a:solidFill>
+                <a:effectLst>
+                  <a:outerShdw blurRad="38100" dist="38100" dir="2700000" algn="tl">
+                    <a:srgbClr val="000000">
+                      <a:alpha val="43137"/>
+                    </a:srgbClr>
+                  </a:outerShdw>
+                </a:effectLst>
+                <a:latin typeface="Taipei Sans TC Beta" pitchFamily="2" charset="-120"/>
+                <a:ea typeface="Taipei Sans TC Beta" pitchFamily="2" charset="-120"/>
+              </a:rPr>
+              <a:t>R  TDX </a:t>
+            </a:r>
+          </a:p>
+          <a:p>
+            <a:pPr algn="ctr">
+              <a:spcBef>
+                <a:spcPts val="300"/>
+              </a:spcBef>
+              <a:spcAft>
+                <a:spcPts val="300"/>
+              </a:spcAft>
+            </a:pPr>
+            <a:r>
+              <a:rPr lang="zh-TW" altLang="en-US" sz="3200" b="1" i="0" dirty="0">
+                <a:solidFill>
+                  <a:srgbClr val="333333"/>
+                </a:solidFill>
+                <a:effectLst>
+                  <a:outerShdw blurRad="38100" dist="38100" dir="2700000" algn="tl">
+                    <a:srgbClr val="000000">
+                      <a:alpha val="43137"/>
+                    </a:srgbClr>
+                  </a:outerShdw>
+                </a:effectLst>
+                <a:latin typeface="Taipei Sans TC Beta" pitchFamily="2" charset="-120"/>
+                <a:ea typeface="Taipei Sans TC Beta" pitchFamily="2" charset="-120"/>
+              </a:rPr>
+              <a:t>運輸資料</a:t>
+            </a:r>
+            <a:endParaRPr lang="en-US" altLang="zh-TW" sz="3200" b="1" i="0" dirty="0">
+              <a:solidFill>
+                <a:srgbClr val="333333"/>
+              </a:solidFill>
+              <a:effectLst>
+                <a:outerShdw blurRad="38100" dist="38100" dir="2700000" algn="tl">
+                  <a:srgbClr val="000000">
+                    <a:alpha val="43137"/>
+                  </a:srgbClr>
+                </a:outerShdw>
+              </a:effectLst>
+              <a:latin typeface="Taipei Sans TC Beta" pitchFamily="2" charset="-120"/>
+              <a:ea typeface="Taipei Sans TC Beta" pitchFamily="2" charset="-120"/>
+            </a:endParaRPr>
+          </a:p>
+          <a:p>
+            <a:pPr algn="ctr">
+              <a:spcBef>
+                <a:spcPts val="300"/>
+              </a:spcBef>
+              <a:spcAft>
+                <a:spcPts val="300"/>
+              </a:spcAft>
+            </a:pPr>
+            <a:r>
+              <a:rPr lang="zh-TW" altLang="en-US" sz="3200" b="1" i="0" dirty="0">
+                <a:solidFill>
+                  <a:srgbClr val="333333"/>
+                </a:solidFill>
+                <a:effectLst>
+                  <a:outerShdw blurRad="38100" dist="38100" dir="2700000" algn="tl">
+                    <a:srgbClr val="000000">
+                      <a:alpha val="43137"/>
+                    </a:srgbClr>
+                  </a:outerShdw>
+                </a:effectLst>
+                <a:latin typeface="Taipei Sans TC Beta" pitchFamily="2" charset="-120"/>
+                <a:ea typeface="Taipei Sans TC Beta" pitchFamily="2" charset="-120"/>
+              </a:rPr>
+              <a:t>介接指南</a:t>
+            </a:r>
+          </a:p>
+        </p:txBody>
+      </p:sp>
+      <p:sp>
+        <p:nvSpPr>
+          <p:cNvPr id="18" name="文字方塊 17">
+            <a:extLst>
+              <a:ext uri="{FF2B5EF4-FFF2-40B4-BE49-F238E27FC236}">
+                <a16:creationId xmlns:a16="http://schemas.microsoft.com/office/drawing/2014/main" id="{E86D42A9-86B2-3FDF-9EB3-D023376B45F2}"/>
+              </a:ext>
+            </a:extLst>
+          </p:cNvPr>
+          <p:cNvSpPr txBox="1"/>
+          <p:nvPr/>
+        </p:nvSpPr>
+        <p:spPr>
+          <a:xfrm>
+            <a:off x="1662846" y="450601"/>
+            <a:ext cx="6094378" cy="523220"/>
+          </a:xfrm>
+          <a:prstGeom prst="rect">
+            <a:avLst/>
+          </a:prstGeom>
+          <a:noFill/>
+        </p:spPr>
+        <p:txBody>
+          <a:bodyPr wrap="square">
+            <a:spAutoFit/>
+          </a:bodyPr>
+          <a:lstStyle/>
+          <a:p>
+            <a:r>
+              <a:rPr lang="zh-TW" altLang="en-US" sz="2800" b="1" i="0" dirty="0">
+                <a:solidFill>
+                  <a:srgbClr val="1F2D3D"/>
+                </a:solidFill>
+                <a:effectLst/>
+                <a:latin typeface="Noto Sans" panose="020B0502040504020204" pitchFamily="34"/>
+                <a:ea typeface="Noto Sans" panose="020B0502040504020204" pitchFamily="34"/>
+              </a:rPr>
+              <a:t>本套件資料介接「交通部</a:t>
+            </a:r>
+            <a:r>
+              <a:rPr lang="en-US" altLang="zh-TW" sz="2800" b="1" i="0" dirty="0">
+                <a:solidFill>
+                  <a:srgbClr val="1F2D3D"/>
+                </a:solidFill>
+                <a:effectLst/>
+                <a:latin typeface="Noto Sans" panose="020B0502040504020204" pitchFamily="34"/>
+                <a:ea typeface="Noto Sans" panose="020B0502040504020204" pitchFamily="34"/>
+              </a:rPr>
+              <a:t>TDX</a:t>
+            </a:r>
+            <a:r>
+              <a:rPr lang="zh-TW" altLang="en-US" sz="2800" b="1" i="0" dirty="0">
+                <a:solidFill>
+                  <a:srgbClr val="1F2D3D"/>
+                </a:solidFill>
+                <a:effectLst/>
+                <a:latin typeface="Noto Sans" panose="020B0502040504020204" pitchFamily="34"/>
+                <a:ea typeface="Noto Sans" panose="020B0502040504020204" pitchFamily="34"/>
+              </a:rPr>
+              <a:t>平臺」</a:t>
+            </a:r>
+            <a:endParaRPr lang="zh-TW" altLang="en-US" sz="2800" b="1" dirty="0"/>
+          </a:p>
+        </p:txBody>
+      </p:sp>
+      <p:pic>
+        <p:nvPicPr>
+          <p:cNvPr id="4" name="圖片 3">
+            <a:extLst>
+              <a:ext uri="{FF2B5EF4-FFF2-40B4-BE49-F238E27FC236}">
+                <a16:creationId xmlns:a16="http://schemas.microsoft.com/office/drawing/2014/main" id="{105009D2-3A6F-DFC9-A1D5-4C45B4DC9FA1}"/>
+              </a:ext>
+            </a:extLst>
+          </p:cNvPr>
+          <p:cNvPicPr>
+            <a:picLocks noChangeAspect="1"/>
+          </p:cNvPicPr>
+          <p:nvPr/>
+        </p:nvPicPr>
+        <p:blipFill rotWithShape="1">
+          <a:blip r:embed="rId5">
+            <a:extLst>
+              <a:ext uri="{28A0092B-C50C-407E-A947-70E740481C1C}">
+                <a14:useLocalDpi xmlns:a14="http://schemas.microsoft.com/office/drawing/2010/main" val="0"/>
+              </a:ext>
+            </a:extLst>
+          </a:blip>
+          <a:srcRect r="3562"/>
+          <a:stretch/>
+        </p:blipFill>
+        <p:spPr>
+          <a:xfrm>
+            <a:off x="6631701" y="2902392"/>
+            <a:ext cx="1757919" cy="1231499"/>
+          </a:xfrm>
+          <a:prstGeom prst="rect">
+            <a:avLst/>
+          </a:prstGeom>
         </p:spPr>
       </p:pic>
     </p:spTree>
